--- a/Home Stays.pptx
+++ b/Home Stays.pptx
@@ -8,14 +8,21 @@
     <p:sldId id="256" r:id="rId2"/>
     <p:sldId id="262" r:id="rId3"/>
     <p:sldId id="257" r:id="rId4"/>
-    <p:sldId id="258" r:id="rId5"/>
-    <p:sldId id="259" r:id="rId6"/>
-    <p:sldId id="260" r:id="rId7"/>
-    <p:sldId id="263" r:id="rId8"/>
-    <p:sldId id="261" r:id="rId9"/>
+    <p:sldId id="260" r:id="rId5"/>
+    <p:sldId id="258" r:id="rId6"/>
+    <p:sldId id="261" r:id="rId7"/>
+    <p:sldId id="273" r:id="rId8"/>
+    <p:sldId id="266" r:id="rId9"/>
     <p:sldId id="264" r:id="rId10"/>
-    <p:sldId id="265" r:id="rId11"/>
-    <p:sldId id="266" r:id="rId12"/>
+    <p:sldId id="267" r:id="rId11"/>
+    <p:sldId id="268" r:id="rId12"/>
+    <p:sldId id="265" r:id="rId13"/>
+    <p:sldId id="270" r:id="rId14"/>
+    <p:sldId id="271" r:id="rId15"/>
+    <p:sldId id="272" r:id="rId16"/>
+    <p:sldId id="269" r:id="rId17"/>
+    <p:sldId id="274" r:id="rId18"/>
+    <p:sldId id="275" r:id="rId19"/>
   </p:sldIdLst>
   <p:sldSz cx="12192000" cy="6858000"/>
   <p:notesSz cx="6858000" cy="9144000"/>
@@ -959,7 +966,7 @@
           <a:p>
             <a:fld id="{11046931-B2C1-42E0-A204-03D651DEB98A}" type="datetimeFigureOut">
               <a:rPr lang="en-US" smtClean="0"/>
-              <a:t>05-Aug-18</a:t>
+              <a:t>22-Aug-18</a:t>
             </a:fld>
             <a:endParaRPr lang="en-US"/>
           </a:p>
@@ -1129,7 +1136,7 @@
           <a:p>
             <a:fld id="{11046931-B2C1-42E0-A204-03D651DEB98A}" type="datetimeFigureOut">
               <a:rPr lang="en-US" smtClean="0"/>
-              <a:t>05-Aug-18</a:t>
+              <a:t>22-Aug-18</a:t>
             </a:fld>
             <a:endParaRPr lang="en-US"/>
           </a:p>
@@ -1309,7 +1316,7 @@
           <a:p>
             <a:fld id="{11046931-B2C1-42E0-A204-03D651DEB98A}" type="datetimeFigureOut">
               <a:rPr lang="en-US" smtClean="0"/>
-              <a:t>05-Aug-18</a:t>
+              <a:t>22-Aug-18</a:t>
             </a:fld>
             <a:endParaRPr lang="en-US"/>
           </a:p>
@@ -1479,7 +1486,7 @@
           <a:p>
             <a:fld id="{11046931-B2C1-42E0-A204-03D651DEB98A}" type="datetimeFigureOut">
               <a:rPr lang="en-US" smtClean="0"/>
-              <a:t>05-Aug-18</a:t>
+              <a:t>22-Aug-18</a:t>
             </a:fld>
             <a:endParaRPr lang="en-US"/>
           </a:p>
@@ -1725,7 +1732,7 @@
           <a:p>
             <a:fld id="{11046931-B2C1-42E0-A204-03D651DEB98A}" type="datetimeFigureOut">
               <a:rPr lang="en-US" smtClean="0"/>
-              <a:t>05-Aug-18</a:t>
+              <a:t>22-Aug-18</a:t>
             </a:fld>
             <a:endParaRPr lang="en-US"/>
           </a:p>
@@ -1957,7 +1964,7 @@
           <a:p>
             <a:fld id="{11046931-B2C1-42E0-A204-03D651DEB98A}" type="datetimeFigureOut">
               <a:rPr lang="en-US" smtClean="0"/>
-              <a:t>05-Aug-18</a:t>
+              <a:t>22-Aug-18</a:t>
             </a:fld>
             <a:endParaRPr lang="en-US"/>
           </a:p>
@@ -2324,7 +2331,7 @@
           <a:p>
             <a:fld id="{11046931-B2C1-42E0-A204-03D651DEB98A}" type="datetimeFigureOut">
               <a:rPr lang="en-US" smtClean="0"/>
-              <a:t>05-Aug-18</a:t>
+              <a:t>22-Aug-18</a:t>
             </a:fld>
             <a:endParaRPr lang="en-US"/>
           </a:p>
@@ -2442,7 +2449,7 @@
           <a:p>
             <a:fld id="{11046931-B2C1-42E0-A204-03D651DEB98A}" type="datetimeFigureOut">
               <a:rPr lang="en-US" smtClean="0"/>
-              <a:t>05-Aug-18</a:t>
+              <a:t>22-Aug-18</a:t>
             </a:fld>
             <a:endParaRPr lang="en-US"/>
           </a:p>
@@ -2537,7 +2544,7 @@
           <a:p>
             <a:fld id="{11046931-B2C1-42E0-A204-03D651DEB98A}" type="datetimeFigureOut">
               <a:rPr lang="en-US" smtClean="0"/>
-              <a:t>05-Aug-18</a:t>
+              <a:t>22-Aug-18</a:t>
             </a:fld>
             <a:endParaRPr lang="en-US"/>
           </a:p>
@@ -2814,7 +2821,7 @@
           <a:p>
             <a:fld id="{11046931-B2C1-42E0-A204-03D651DEB98A}" type="datetimeFigureOut">
               <a:rPr lang="en-US" smtClean="0"/>
-              <a:t>05-Aug-18</a:t>
+              <a:t>22-Aug-18</a:t>
             </a:fld>
             <a:endParaRPr lang="en-US"/>
           </a:p>
@@ -3067,7 +3074,7 @@
           <a:p>
             <a:fld id="{11046931-B2C1-42E0-A204-03D651DEB98A}" type="datetimeFigureOut">
               <a:rPr lang="en-US" smtClean="0"/>
-              <a:t>05-Aug-18</a:t>
+              <a:t>22-Aug-18</a:t>
             </a:fld>
             <a:endParaRPr lang="en-US"/>
           </a:p>
@@ -3280,7 +3287,7 @@
           <a:p>
             <a:fld id="{11046931-B2C1-42E0-A204-03D651DEB98A}" type="datetimeFigureOut">
               <a:rPr lang="en-US" smtClean="0"/>
-              <a:t>05-Aug-18</a:t>
+              <a:t>22-Aug-18</a:t>
             </a:fld>
             <a:endParaRPr lang="en-US"/>
           </a:p>
@@ -3705,8 +3712,8 @@
         </p:nvSpPr>
         <p:spPr>
           <a:xfrm>
-            <a:off x="1549750" y="-325239"/>
-            <a:ext cx="9144000" cy="2387600"/>
+            <a:off x="-119864" y="-620834"/>
+            <a:ext cx="12320450" cy="2494148"/>
           </a:xfrm>
         </p:spPr>
         <p:txBody>
@@ -3716,17 +3723,19 @@
           <a:lstStyle/>
           <a:p>
             <a:r>
-              <a:rPr lang="en-US" sz="9600" b="1" dirty="0" err="1" smtClean="0">
+              <a:rPr lang="en-US" sz="11500" b="1" dirty="0" smtClean="0">
                 <a:solidFill>
                   <a:schemeClr val="bg1"/>
                 </a:solidFill>
+                <a:latin typeface="Vivaldi" panose="03020602050506090804" pitchFamily="66" charset="0"/>
               </a:rPr>
-              <a:t>HomeStays</a:t>
+              <a:t>Homestays</a:t>
             </a:r>
             <a:endParaRPr lang="en-US" sz="9600" b="1" dirty="0">
               <a:solidFill>
                 <a:schemeClr val="bg1"/>
               </a:solidFill>
+              <a:latin typeface="Vivaldi" panose="03020602050506090804" pitchFamily="66" charset="0"/>
             </a:endParaRPr>
           </a:p>
         </p:txBody>
@@ -3752,8 +3761,8 @@
         </p:blipFill>
         <p:spPr bwMode="auto">
           <a:xfrm>
-            <a:off x="5272087" y="1873316"/>
-            <a:ext cx="1647825" cy="1679575"/>
+            <a:off x="5272087" y="1873317"/>
+            <a:ext cx="1647825" cy="1679573"/>
           </a:xfrm>
           <a:prstGeom prst="rect">
             <a:avLst/>
@@ -3761,9 +3770,7 @@
           <a:gradFill>
             <a:gsLst>
               <a:gs pos="0">
-                <a:schemeClr val="accent1">
-                  <a:lumMod val="0"/>
-                </a:schemeClr>
+                <a:schemeClr val="tx1"/>
               </a:gs>
               <a:gs pos="74000">
                 <a:schemeClr val="accent1">
@@ -3808,7 +3815,7 @@
         </p:nvSpPr>
         <p:spPr>
           <a:xfrm>
-            <a:off x="618186" y="3059203"/>
+            <a:off x="618186" y="2846231"/>
             <a:ext cx="10955628" cy="4011769"/>
           </a:xfrm>
           <a:prstGeom prst="rect">
@@ -4050,10 +4057,30 @@
                 <a:latin typeface="Times New Roman" panose="02020603050405020304" pitchFamily="18" charset="0"/>
                 <a:cs typeface="Times New Roman" panose="02020603050405020304" pitchFamily="18" charset="0"/>
               </a:rPr>
-              <a:t>			</a:t>
-            </a:r>
-            <a:r>
-              <a:rPr lang="en-US" altLang="en-US" sz="2000" b="1" dirty="0" smtClean="0">
+              <a:t>	</a:t>
+            </a:r>
+            <a:r>
+              <a:rPr lang="en-US" altLang="en-US" sz="2000" b="1" i="1" dirty="0">
+                <a:solidFill>
+                  <a:schemeClr val="bg1"/>
+                </a:solidFill>
+                <a:latin typeface="Times New Roman" panose="02020603050405020304" pitchFamily="18" charset="0"/>
+                <a:cs typeface="Times New Roman" panose="02020603050405020304" pitchFamily="18" charset="0"/>
+              </a:rPr>
+              <a:t>	</a:t>
+            </a:r>
+            <a:r>
+              <a:rPr lang="en-US" altLang="en-US" sz="2000" b="1" i="1" dirty="0" smtClean="0">
+                <a:solidFill>
+                  <a:schemeClr val="bg1"/>
+                </a:solidFill>
+                <a:latin typeface="Times New Roman" panose="02020603050405020304" pitchFamily="18" charset="0"/>
+                <a:cs typeface="Times New Roman" panose="02020603050405020304" pitchFamily="18" charset="0"/>
+              </a:rPr>
+              <a:t>          </a:t>
+            </a:r>
+            <a:r>
+              <a:rPr lang="en-US" altLang="en-US" b="1" dirty="0" smtClean="0">
                 <a:solidFill>
                   <a:schemeClr val="bg1"/>
                 </a:solidFill>
@@ -4066,20 +4093,58 @@
           <a:p>
             <a:pPr algn="l"/>
             <a:r>
-              <a:rPr lang="en-US" altLang="en-US" sz="2000" b="1" dirty="0" smtClean="0">
+              <a:rPr lang="en-US" altLang="en-US" b="1" dirty="0" smtClean="0">
                 <a:solidFill>
                   <a:schemeClr val="bg1"/>
                 </a:solidFill>
                 <a:latin typeface="Times New Roman" panose="02020603050405020304" pitchFamily="18" charset="0"/>
                 <a:cs typeface="Times New Roman" panose="02020603050405020304" pitchFamily="18" charset="0"/>
               </a:rPr>
-              <a:t>                                       		(14UCA014)     (14UCA021)</a:t>
+              <a:t>                                             (</a:t>
+            </a:r>
+            <a:r>
+              <a:rPr lang="en-US" altLang="en-US" b="1" dirty="0">
+                <a:solidFill>
+                  <a:schemeClr val="bg1"/>
+                </a:solidFill>
+                <a:cs typeface="Times New Roman" panose="02020603050405020304" pitchFamily="18" charset="0"/>
+              </a:rPr>
+              <a:t>14UCA014</a:t>
+            </a:r>
+            <a:r>
+              <a:rPr lang="en-US" altLang="en-US" b="1" dirty="0" smtClean="0">
+                <a:solidFill>
+                  <a:schemeClr val="bg1"/>
+                </a:solidFill>
+                <a:latin typeface="Times New Roman" panose="02020603050405020304" pitchFamily="18" charset="0"/>
+                <a:cs typeface="Times New Roman" panose="02020603050405020304" pitchFamily="18" charset="0"/>
+              </a:rPr>
+              <a:t>)       (</a:t>
+            </a:r>
+            <a:r>
+              <a:rPr lang="en-US" altLang="en-US" b="1" dirty="0" smtClean="0">
+                <a:solidFill>
+                  <a:schemeClr val="bg1"/>
+                </a:solidFill>
+                <a:cs typeface="Times New Roman" panose="02020603050405020304" pitchFamily="18" charset="0"/>
+              </a:rPr>
+              <a:t>14UCA021</a:t>
+            </a:r>
+            <a:r>
+              <a:rPr lang="en-US" altLang="en-US" b="1" dirty="0" smtClean="0">
+                <a:solidFill>
+                  <a:schemeClr val="bg1"/>
+                </a:solidFill>
+                <a:latin typeface="Times New Roman" panose="02020603050405020304" pitchFamily="18" charset="0"/>
+                <a:cs typeface="Times New Roman" panose="02020603050405020304" pitchFamily="18" charset="0"/>
+              </a:rPr>
+              <a:t>)</a:t>
             </a:r>
           </a:p>
           <a:p>
             <a:pPr algn="l"/>
             <a:r>
-              <a:rPr lang="en-US" altLang="en-US" sz="1800" dirty="0" smtClean="0">
+              <a:rPr lang="en-US" altLang="en-US" sz="2000" dirty="0" smtClean="0">
                 <a:solidFill>
                   <a:schemeClr val="bg1"/>
                 </a:solidFill>
@@ -4166,8 +4231,8 @@
         </p:nvSpPr>
         <p:spPr>
           <a:xfrm>
-            <a:off x="0" y="1873316"/>
-            <a:ext cx="5272087" cy="1679575"/>
+            <a:off x="0" y="1873314"/>
+            <a:ext cx="5272087" cy="1679577"/>
           </a:xfrm>
           <a:prstGeom prst="rect">
             <a:avLst/>
@@ -4254,6 +4319,47 @@
           </a:p>
         </p:txBody>
       </p:sp>
+      <p:pic>
+        <p:nvPicPr>
+          <p:cNvPr id="1032" name="Picture 8" descr="Image result for android png file"/>
+          <p:cNvPicPr>
+            <a:picLocks noChangeAspect="1" noChangeArrowheads="1"/>
+          </p:cNvPicPr>
+          <p:nvPr/>
+        </p:nvPicPr>
+        <p:blipFill>
+          <a:blip r:embed="rId3" cstate="print">
+            <a:extLst>
+              <a:ext uri="{28A0092B-C50C-407E-A947-70E740481C1C}">
+                <a14:useLocalDpi xmlns:a14="http://schemas.microsoft.com/office/drawing/2010/main" val="0"/>
+              </a:ext>
+            </a:extLst>
+          </a:blip>
+          <a:srcRect/>
+          <a:stretch>
+            <a:fillRect/>
+          </a:stretch>
+        </p:blipFill>
+        <p:spPr bwMode="auto">
+          <a:xfrm>
+            <a:off x="9860610" y="4525804"/>
+            <a:ext cx="2223602" cy="2235104"/>
+          </a:xfrm>
+          <a:prstGeom prst="rect">
+            <a:avLst/>
+          </a:prstGeom>
+          <a:noFill/>
+          <a:extLst>
+            <a:ext uri="{909E8E84-426E-40DD-AFC4-6F175D3DCCD1}">
+              <a14:hiddenFill xmlns:a14="http://schemas.microsoft.com/office/drawing/2010/main">
+                <a:solidFill>
+                  <a:srgbClr val="FFFFFF"/>
+                </a:solidFill>
+              </a14:hiddenFill>
+            </a:ext>
+          </a:extLst>
+        </p:spPr>
+      </p:pic>
     </p:spTree>
     <p:extLst>
       <p:ext uri="{BB962C8B-B14F-4D97-AF65-F5344CB8AC3E}">
@@ -4332,6 +4438,410 @@
       </p:sp>
       <p:sp>
         <p:nvSpPr>
+          <p:cNvPr id="4" name="Title 1"/>
+          <p:cNvSpPr txBox="1">
+            <a:spLocks/>
+          </p:cNvSpPr>
+          <p:nvPr/>
+        </p:nvSpPr>
+        <p:spPr>
+          <a:xfrm>
+            <a:off x="0" y="253398"/>
+            <a:ext cx="12192000" cy="1030309"/>
+          </a:xfrm>
+          <a:prstGeom prst="rect">
+            <a:avLst/>
+          </a:prstGeom>
+        </p:spPr>
+        <p:txBody>
+          <a:bodyPr vert="horz" lIns="91440" tIns="45720" rIns="91440" bIns="45720" rtlCol="0" anchor="ctr">
+            <a:noAutofit/>
+          </a:bodyPr>
+          <a:lstStyle>
+            <a:lvl1pPr algn="l" defTabSz="914400" rtl="0" eaLnBrk="1" latinLnBrk="0" hangingPunct="1">
+              <a:lnSpc>
+                <a:spcPct val="90000"/>
+              </a:lnSpc>
+              <a:spcBef>
+                <a:spcPct val="0"/>
+              </a:spcBef>
+              <a:buNone/>
+              <a:defRPr sz="4400" kern="1200">
+                <a:solidFill>
+                  <a:schemeClr val="tx1"/>
+                </a:solidFill>
+                <a:latin typeface="+mj-lt"/>
+                <a:ea typeface="+mj-ea"/>
+                <a:cs typeface="+mj-cs"/>
+              </a:defRPr>
+            </a:lvl1pPr>
+          </a:lstStyle>
+          <a:p>
+            <a:pPr algn="ctr"/>
+            <a:r>
+              <a:rPr lang="en-US" sz="9600" b="1" dirty="0" smtClean="0">
+                <a:solidFill>
+                  <a:schemeClr val="bg1"/>
+                </a:solidFill>
+                <a:cs typeface="Times New Roman" panose="02020603050405020304" pitchFamily="18" charset="0"/>
+              </a:rPr>
+              <a:t>Android Architecture</a:t>
+            </a:r>
+            <a:endParaRPr lang="en-US" sz="9600" b="1" dirty="0">
+              <a:solidFill>
+                <a:schemeClr val="bg1"/>
+              </a:solidFill>
+              <a:cs typeface="Times New Roman" panose="02020603050405020304" pitchFamily="18" charset="0"/>
+            </a:endParaRPr>
+          </a:p>
+        </p:txBody>
+      </p:sp>
+      <p:sp>
+        <p:nvSpPr>
+          <p:cNvPr id="6" name="TextBox 5"/>
+          <p:cNvSpPr txBox="1"/>
+          <p:nvPr/>
+        </p:nvSpPr>
+        <p:spPr>
+          <a:xfrm>
+            <a:off x="4370231" y="6271626"/>
+            <a:ext cx="3451538" cy="369332"/>
+          </a:xfrm>
+          <a:prstGeom prst="rect">
+            <a:avLst/>
+          </a:prstGeom>
+          <a:noFill/>
+        </p:spPr>
+        <p:txBody>
+          <a:bodyPr wrap="square" rtlCol="0">
+            <a:spAutoFit/>
+          </a:bodyPr>
+          <a:lstStyle/>
+          <a:p>
+            <a:r>
+              <a:rPr lang="en-IN" dirty="0" smtClean="0">
+                <a:solidFill>
+                  <a:schemeClr val="bg1"/>
+                </a:solidFill>
+                <a:latin typeface="Times New Roman" panose="02020603050405020304" pitchFamily="18" charset="0"/>
+                <a:cs typeface="Times New Roman" panose="02020603050405020304" pitchFamily="18" charset="0"/>
+              </a:rPr>
+              <a:t>Figure 1: Android Architecture </a:t>
+            </a:r>
+            <a:endParaRPr lang="en-IN" dirty="0">
+              <a:solidFill>
+                <a:schemeClr val="bg1"/>
+              </a:solidFill>
+              <a:latin typeface="Times New Roman" panose="02020603050405020304" pitchFamily="18" charset="0"/>
+              <a:cs typeface="Times New Roman" panose="02020603050405020304" pitchFamily="18" charset="0"/>
+            </a:endParaRPr>
+          </a:p>
+        </p:txBody>
+      </p:sp>
+      <p:pic>
+        <p:nvPicPr>
+          <p:cNvPr id="3" name="Picture 2"/>
+          <p:cNvPicPr>
+            <a:picLocks noChangeAspect="1"/>
+          </p:cNvPicPr>
+          <p:nvPr/>
+        </p:nvPicPr>
+        <p:blipFill>
+          <a:blip r:embed="rId2"/>
+          <a:stretch>
+            <a:fillRect/>
+          </a:stretch>
+        </p:blipFill>
+        <p:spPr>
+          <a:xfrm>
+            <a:off x="838200" y="1362286"/>
+            <a:ext cx="10515600" cy="2618871"/>
+          </a:xfrm>
+          <a:prstGeom prst="rect">
+            <a:avLst/>
+          </a:prstGeom>
+        </p:spPr>
+      </p:pic>
+      <p:pic>
+        <p:nvPicPr>
+          <p:cNvPr id="9" name="Picture 8"/>
+          <p:cNvPicPr>
+            <a:picLocks noChangeAspect="1"/>
+          </p:cNvPicPr>
+          <p:nvPr/>
+        </p:nvPicPr>
+        <p:blipFill>
+          <a:blip r:embed="rId3"/>
+          <a:stretch>
+            <a:fillRect/>
+          </a:stretch>
+        </p:blipFill>
+        <p:spPr>
+          <a:xfrm>
+            <a:off x="838200" y="3981157"/>
+            <a:ext cx="10515600" cy="2121536"/>
+          </a:xfrm>
+          <a:prstGeom prst="rect">
+            <a:avLst/>
+          </a:prstGeom>
+        </p:spPr>
+      </p:pic>
+    </p:spTree>
+    <p:extLst>
+      <p:ext uri="{BB962C8B-B14F-4D97-AF65-F5344CB8AC3E}">
+        <p14:creationId xmlns:p14="http://schemas.microsoft.com/office/powerpoint/2010/main" val="2950315553"/>
+      </p:ext>
+    </p:extLst>
+  </p:cSld>
+  <p:clrMapOvr>
+    <a:masterClrMapping/>
+  </p:clrMapOvr>
+  <p:timing>
+    <p:tnLst>
+      <p:par>
+        <p:cTn id="1" dur="indefinite" restart="never" nodeType="tmRoot"/>
+      </p:par>
+    </p:tnLst>
+  </p:timing>
+</p:sld>
+</file>
+
+<file path=ppt/slides/slide11.xml><?xml version="1.0" encoding="utf-8"?>
+<p:sld xmlns:a="http://schemas.openxmlformats.org/drawingml/2006/main" xmlns:r="http://schemas.openxmlformats.org/officeDocument/2006/relationships" xmlns:p="http://schemas.openxmlformats.org/presentationml/2006/main">
+  <p:cSld>
+    <p:bg>
+      <p:bgPr>
+        <a:solidFill>
+          <a:schemeClr val="tx1"/>
+        </a:solidFill>
+        <a:effectLst/>
+      </p:bgPr>
+    </p:bg>
+    <p:spTree>
+      <p:nvGrpSpPr>
+        <p:cNvPr id="1" name=""/>
+        <p:cNvGrpSpPr/>
+        <p:nvPr/>
+      </p:nvGrpSpPr>
+      <p:grpSpPr>
+        <a:xfrm>
+          <a:off x="0" y="0"/>
+          <a:ext cx="0" cy="0"/>
+          <a:chOff x="0" y="0"/>
+          <a:chExt cx="0" cy="0"/>
+        </a:xfrm>
+      </p:grpSpPr>
+      <p:sp>
+        <p:nvSpPr>
+          <p:cNvPr id="2" name="Title 1"/>
+          <p:cNvSpPr>
+            <a:spLocks noGrp="1"/>
+          </p:cNvSpPr>
+          <p:nvPr>
+            <p:ph type="title"/>
+          </p:nvPr>
+        </p:nvSpPr>
+        <p:spPr/>
+        <p:txBody>
+          <a:bodyPr/>
+          <a:lstStyle/>
+          <a:p>
+            <a:endParaRPr lang="en-US"/>
+          </a:p>
+        </p:txBody>
+      </p:sp>
+      <p:sp>
+        <p:nvSpPr>
+          <p:cNvPr id="4" name="Title 1"/>
+          <p:cNvSpPr txBox="1">
+            <a:spLocks/>
+          </p:cNvSpPr>
+          <p:nvPr/>
+        </p:nvSpPr>
+        <p:spPr>
+          <a:xfrm>
+            <a:off x="0" y="253398"/>
+            <a:ext cx="12192000" cy="1030309"/>
+          </a:xfrm>
+          <a:prstGeom prst="rect">
+            <a:avLst/>
+          </a:prstGeom>
+        </p:spPr>
+        <p:txBody>
+          <a:bodyPr vert="horz" lIns="91440" tIns="45720" rIns="91440" bIns="45720" rtlCol="0" anchor="ctr">
+            <a:noAutofit/>
+          </a:bodyPr>
+          <a:lstStyle>
+            <a:lvl1pPr algn="l" defTabSz="914400" rtl="0" eaLnBrk="1" latinLnBrk="0" hangingPunct="1">
+              <a:lnSpc>
+                <a:spcPct val="90000"/>
+              </a:lnSpc>
+              <a:spcBef>
+                <a:spcPct val="0"/>
+              </a:spcBef>
+              <a:buNone/>
+              <a:defRPr sz="4400" kern="1200">
+                <a:solidFill>
+                  <a:schemeClr val="tx1"/>
+                </a:solidFill>
+                <a:latin typeface="+mj-lt"/>
+                <a:ea typeface="+mj-ea"/>
+                <a:cs typeface="+mj-cs"/>
+              </a:defRPr>
+            </a:lvl1pPr>
+          </a:lstStyle>
+          <a:p>
+            <a:pPr algn="ctr"/>
+            <a:r>
+              <a:rPr lang="en-US" sz="9600" b="1" dirty="0" smtClean="0">
+                <a:solidFill>
+                  <a:schemeClr val="bg1"/>
+                </a:solidFill>
+                <a:cs typeface="Times New Roman" panose="02020603050405020304" pitchFamily="18" charset="0"/>
+              </a:rPr>
+              <a:t>Android Architecture</a:t>
+            </a:r>
+            <a:endParaRPr lang="en-US" sz="9600" b="1" dirty="0">
+              <a:solidFill>
+                <a:schemeClr val="bg1"/>
+              </a:solidFill>
+              <a:cs typeface="Times New Roman" panose="02020603050405020304" pitchFamily="18" charset="0"/>
+            </a:endParaRPr>
+          </a:p>
+        </p:txBody>
+      </p:sp>
+      <p:sp>
+        <p:nvSpPr>
+          <p:cNvPr id="6" name="TextBox 5"/>
+          <p:cNvSpPr txBox="1"/>
+          <p:nvPr/>
+        </p:nvSpPr>
+        <p:spPr>
+          <a:xfrm>
+            <a:off x="4550535" y="6324294"/>
+            <a:ext cx="3451538" cy="369332"/>
+          </a:xfrm>
+          <a:prstGeom prst="rect">
+            <a:avLst/>
+          </a:prstGeom>
+          <a:noFill/>
+        </p:spPr>
+        <p:txBody>
+          <a:bodyPr wrap="square" rtlCol="0">
+            <a:spAutoFit/>
+          </a:bodyPr>
+          <a:lstStyle/>
+          <a:p>
+            <a:r>
+              <a:rPr lang="en-IN" dirty="0" smtClean="0">
+                <a:solidFill>
+                  <a:schemeClr val="bg1"/>
+                </a:solidFill>
+                <a:latin typeface="Times New Roman" panose="02020603050405020304" pitchFamily="18" charset="0"/>
+                <a:cs typeface="Times New Roman" panose="02020603050405020304" pitchFamily="18" charset="0"/>
+              </a:rPr>
+              <a:t>Figure 1: Android Architecture</a:t>
+            </a:r>
+            <a:endParaRPr lang="en-IN" dirty="0">
+              <a:solidFill>
+                <a:schemeClr val="bg1"/>
+              </a:solidFill>
+              <a:latin typeface="Times New Roman" panose="02020603050405020304" pitchFamily="18" charset="0"/>
+              <a:cs typeface="Times New Roman" panose="02020603050405020304" pitchFamily="18" charset="0"/>
+            </a:endParaRPr>
+          </a:p>
+        </p:txBody>
+      </p:sp>
+      <p:pic>
+        <p:nvPicPr>
+          <p:cNvPr id="5" name="Picture 4"/>
+          <p:cNvPicPr>
+            <a:picLocks noChangeAspect="1"/>
+          </p:cNvPicPr>
+          <p:nvPr/>
+        </p:nvPicPr>
+        <p:blipFill>
+          <a:blip r:embed="rId2"/>
+          <a:stretch>
+            <a:fillRect/>
+          </a:stretch>
+        </p:blipFill>
+        <p:spPr>
+          <a:xfrm>
+            <a:off x="838200" y="1395434"/>
+            <a:ext cx="10515600" cy="4817133"/>
+          </a:xfrm>
+          <a:prstGeom prst="rect">
+            <a:avLst/>
+          </a:prstGeom>
+        </p:spPr>
+      </p:pic>
+    </p:spTree>
+    <p:extLst>
+      <p:ext uri="{BB962C8B-B14F-4D97-AF65-F5344CB8AC3E}">
+        <p14:creationId xmlns:p14="http://schemas.microsoft.com/office/powerpoint/2010/main" val="3040872544"/>
+      </p:ext>
+    </p:extLst>
+  </p:cSld>
+  <p:clrMapOvr>
+    <a:masterClrMapping/>
+  </p:clrMapOvr>
+  <p:timing>
+    <p:tnLst>
+      <p:par>
+        <p:cTn id="1" dur="indefinite" restart="never" nodeType="tmRoot"/>
+      </p:par>
+    </p:tnLst>
+  </p:timing>
+</p:sld>
+</file>
+
+<file path=ppt/slides/slide12.xml><?xml version="1.0" encoding="utf-8"?>
+<p:sld xmlns:a="http://schemas.openxmlformats.org/drawingml/2006/main" xmlns:r="http://schemas.openxmlformats.org/officeDocument/2006/relationships" xmlns:p="http://schemas.openxmlformats.org/presentationml/2006/main">
+  <p:cSld>
+    <p:bg>
+      <p:bgPr>
+        <a:solidFill>
+          <a:schemeClr val="tx1"/>
+        </a:solidFill>
+        <a:effectLst/>
+      </p:bgPr>
+    </p:bg>
+    <p:spTree>
+      <p:nvGrpSpPr>
+        <p:cNvPr id="1" name=""/>
+        <p:cNvGrpSpPr/>
+        <p:nvPr/>
+      </p:nvGrpSpPr>
+      <p:grpSpPr>
+        <a:xfrm>
+          <a:off x="0" y="0"/>
+          <a:ext cx="0" cy="0"/>
+          <a:chOff x="0" y="0"/>
+          <a:chExt cx="0" cy="0"/>
+        </a:xfrm>
+      </p:grpSpPr>
+      <p:sp>
+        <p:nvSpPr>
+          <p:cNvPr id="2" name="Title 1"/>
+          <p:cNvSpPr>
+            <a:spLocks noGrp="1"/>
+          </p:cNvSpPr>
+          <p:nvPr>
+            <p:ph type="title"/>
+          </p:nvPr>
+        </p:nvSpPr>
+        <p:spPr/>
+        <p:txBody>
+          <a:bodyPr/>
+          <a:lstStyle/>
+          <a:p>
+            <a:endParaRPr lang="en-US" dirty="0"/>
+          </a:p>
+        </p:txBody>
+      </p:sp>
+      <p:sp>
+        <p:nvSpPr>
           <p:cNvPr id="3" name="Content Placeholder 2"/>
           <p:cNvSpPr>
             <a:spLocks noGrp="1"/>
@@ -4396,7 +4906,7 @@
           <p:spPr>
             <a:xfrm>
               <a:off x="635000" y="358230"/>
-              <a:ext cx="1746760" cy="584775"/>
+              <a:ext cx="1943032" cy="646331"/>
             </a:xfrm>
             <a:prstGeom prst="rect">
               <a:avLst/>
@@ -4410,7 +4920,7 @@
             <a:lstStyle/>
             <a:p>
               <a:r>
-                <a:rPr lang="en-US" sz="3200" b="1" dirty="0" smtClean="0">
+                <a:rPr lang="en-US" sz="3600" b="1" dirty="0" smtClean="0">
                   <a:solidFill>
                     <a:schemeClr val="accent1">
                       <a:lumMod val="75000"/>
@@ -4419,7 +4929,7 @@
                 </a:rPr>
                 <a:t>DEVELOP</a:t>
               </a:r>
-              <a:endParaRPr lang="en-US" sz="3200" b="1" dirty="0">
+              <a:endParaRPr lang="en-US" sz="3600" b="1" dirty="0">
                 <a:solidFill>
                   <a:schemeClr val="accent1">
                     <a:lumMod val="75000"/>
@@ -4515,7 +5025,7 @@
           <p:spPr>
             <a:xfrm>
               <a:off x="9313616" y="742435"/>
-              <a:ext cx="1316964" cy="584775"/>
+              <a:ext cx="1460143" cy="646331"/>
             </a:xfrm>
             <a:prstGeom prst="rect">
               <a:avLst/>
@@ -4529,7 +5039,7 @@
             <a:lstStyle/>
             <a:p>
               <a:r>
-                <a:rPr lang="en-US" sz="3200" b="1" dirty="0" smtClean="0">
+                <a:rPr lang="en-US" sz="3600" b="1" dirty="0" smtClean="0">
                   <a:solidFill>
                     <a:schemeClr val="accent2">
                       <a:lumMod val="75000"/>
@@ -4538,7 +5048,7 @@
                 </a:rPr>
                 <a:t>GROW</a:t>
               </a:r>
-              <a:endParaRPr lang="en-US" sz="3200" b="1" dirty="0">
+              <a:endParaRPr lang="en-US" sz="3600" b="1" dirty="0">
                 <a:solidFill>
                   <a:schemeClr val="accent2">
                     <a:lumMod val="75000"/>
@@ -4628,9 +5138,9 @@
         <p:grpSpPr>
           <a:xfrm>
             <a:off x="7086600" y="4857571"/>
-            <a:ext cx="4201186" cy="612100"/>
+            <a:ext cx="4201186" cy="646331"/>
             <a:chOff x="7086600" y="4857571"/>
-            <a:chExt cx="4201186" cy="612100"/>
+            <a:chExt cx="4201186" cy="646331"/>
           </a:xfrm>
         </p:grpSpPr>
         <p:sp>
@@ -4642,7 +5152,7 @@
           <p:spPr>
             <a:xfrm>
               <a:off x="9313616" y="4857571"/>
-              <a:ext cx="1130246" cy="584775"/>
+              <a:ext cx="1248227" cy="646331"/>
             </a:xfrm>
             <a:prstGeom prst="rect">
               <a:avLst/>
@@ -4656,14 +5166,14 @@
             <a:lstStyle/>
             <a:p>
               <a:r>
-                <a:rPr lang="en-US" sz="3200" b="1" dirty="0" smtClean="0">
+                <a:rPr lang="en-US" sz="3600" b="1" dirty="0" smtClean="0">
                   <a:solidFill>
                     <a:srgbClr val="FF9933"/>
                   </a:solidFill>
                 </a:rPr>
                 <a:t>EARN</a:t>
               </a:r>
-              <a:endParaRPr lang="en-US" sz="3200" b="1" dirty="0">
+              <a:endParaRPr lang="en-US" sz="3600" b="1" dirty="0">
                 <a:solidFill>
                   <a:srgbClr val="FF9933"/>
                 </a:solidFill>
@@ -4751,7 +5261,7 @@
         <p:spPr>
           <a:xfrm>
             <a:off x="635000" y="1187390"/>
-            <a:ext cx="3029419" cy="4154984"/>
+            <a:ext cx="3942105" cy="5509200"/>
           </a:xfrm>
           <a:prstGeom prst="rect">
             <a:avLst/>
@@ -4765,7 +5275,7 @@
           <a:lstStyle/>
           <a:p>
             <a:r>
-              <a:rPr lang="en-US" sz="2400" b="1" dirty="0" smtClean="0">
+              <a:rPr lang="en-US" sz="3200" b="1" dirty="0" smtClean="0">
                 <a:solidFill>
                   <a:schemeClr val="accent1">
                     <a:lumMod val="75000"/>
@@ -4781,7 +5291,7 @@
               <a:buChar char="•"/>
             </a:pPr>
             <a:r>
-              <a:rPr lang="en-US" sz="2400" dirty="0" smtClean="0">
+              <a:rPr lang="en-US" sz="3200" b="1" dirty="0" smtClean="0">
                 <a:solidFill>
                   <a:schemeClr val="tx1">
                     <a:lumMod val="65000"/>
@@ -4798,7 +5308,7 @@
               <a:buChar char="•"/>
             </a:pPr>
             <a:r>
-              <a:rPr lang="en-US" sz="2400" dirty="0" smtClean="0">
+              <a:rPr lang="en-US" sz="3200" b="1" dirty="0" smtClean="0">
                 <a:solidFill>
                   <a:schemeClr val="tx1">
                     <a:lumMod val="65000"/>
@@ -4815,7 +5325,7 @@
               <a:buChar char="•"/>
             </a:pPr>
             <a:r>
-              <a:rPr lang="en-US" sz="2400" dirty="0" smtClean="0">
+              <a:rPr lang="en-US" sz="3200" b="1" dirty="0" smtClean="0">
                 <a:solidFill>
                   <a:schemeClr val="tx1">
                     <a:lumMod val="65000"/>
@@ -4832,7 +5342,7 @@
               <a:buChar char="•"/>
             </a:pPr>
             <a:r>
-              <a:rPr lang="en-US" sz="2400" dirty="0" smtClean="0">
+              <a:rPr lang="en-US" sz="3200" b="1" dirty="0" smtClean="0">
                 <a:solidFill>
                   <a:schemeClr val="tx1">
                     <a:lumMod val="65000"/>
@@ -4849,7 +5359,7 @@
               <a:buChar char="•"/>
             </a:pPr>
             <a:r>
-              <a:rPr lang="en-US" sz="2400" dirty="0" smtClean="0">
+              <a:rPr lang="en-US" sz="3200" b="1" dirty="0" smtClean="0">
                 <a:solidFill>
                   <a:schemeClr val="tx1">
                     <a:lumMod val="65000"/>
@@ -4866,7 +5376,7 @@
               <a:buChar char="•"/>
             </a:pPr>
             <a:r>
-              <a:rPr lang="en-US" sz="2400" dirty="0" smtClean="0">
+              <a:rPr lang="en-US" sz="3200" b="1" dirty="0" smtClean="0">
                 <a:solidFill>
                   <a:schemeClr val="tx1">
                     <a:lumMod val="65000"/>
@@ -4877,7 +5387,7 @@
               <a:t>Remote </a:t>
             </a:r>
             <a:r>
-              <a:rPr lang="en-US" sz="2400" dirty="0" err="1" smtClean="0">
+              <a:rPr lang="en-US" sz="3200" b="1" dirty="0" err="1" smtClean="0">
                 <a:solidFill>
                   <a:schemeClr val="tx1">
                     <a:lumMod val="65000"/>
@@ -4887,7 +5397,7 @@
               </a:rPr>
               <a:t>Config</a:t>
             </a:r>
-            <a:endParaRPr lang="en-US" sz="2400" dirty="0" smtClean="0">
+            <a:endParaRPr lang="en-US" sz="3200" b="1" dirty="0" smtClean="0">
               <a:solidFill>
                 <a:schemeClr val="tx1">
                   <a:lumMod val="65000"/>
@@ -4897,7 +5407,7 @@
             </a:endParaRPr>
           </a:p>
           <a:p>
-            <a:endParaRPr lang="en-US" sz="2400" b="1" dirty="0">
+            <a:endParaRPr lang="en-US" sz="3200" b="1" dirty="0">
               <a:solidFill>
                 <a:schemeClr val="accent1">
                   <a:lumMod val="75000"/>
@@ -4907,7 +5417,7 @@
           </a:p>
           <a:p>
             <a:r>
-              <a:rPr lang="en-US" sz="2400" b="1" dirty="0" smtClean="0">
+              <a:rPr lang="en-US" sz="3200" b="1" dirty="0" smtClean="0">
                 <a:solidFill>
                   <a:schemeClr val="accent1">
                     <a:lumMod val="75000"/>
@@ -4923,7 +5433,7 @@
               <a:buChar char="•"/>
             </a:pPr>
             <a:r>
-              <a:rPr lang="en-US" sz="2400" dirty="0" smtClean="0">
+              <a:rPr lang="en-US" sz="3200" b="1" dirty="0" smtClean="0">
                 <a:solidFill>
                   <a:schemeClr val="tx1">
                     <a:lumMod val="65000"/>
@@ -4940,7 +5450,7 @@
               <a:buChar char="•"/>
             </a:pPr>
             <a:r>
-              <a:rPr lang="en-US" sz="2400" dirty="0" smtClean="0">
+              <a:rPr lang="en-US" sz="3200" b="1" dirty="0" smtClean="0">
                 <a:solidFill>
                   <a:schemeClr val="tx1">
                     <a:lumMod val="65000"/>
@@ -4950,7 +5460,7 @@
               </a:rPr>
               <a:t>Crash Reporting</a:t>
             </a:r>
-            <a:endParaRPr lang="en-US" sz="2400" dirty="0" smtClean="0">
+            <a:endParaRPr lang="en-US" sz="3200" b="1" dirty="0" smtClean="0">
               <a:solidFill>
                 <a:schemeClr val="accent1">
                   <a:lumMod val="75000"/>
@@ -4969,7 +5479,7 @@
         <p:spPr>
           <a:xfrm>
             <a:off x="9313616" y="1537018"/>
-            <a:ext cx="2302553" cy="3046988"/>
+            <a:ext cx="2954463" cy="3908762"/>
           </a:xfrm>
           <a:prstGeom prst="rect">
             <a:avLst/>
@@ -4987,7 +5497,7 @@
               <a:buChar char="•"/>
             </a:pPr>
             <a:r>
-              <a:rPr lang="en-US" sz="2400" dirty="0" smtClean="0">
+              <a:rPr lang="en-US" sz="3200" b="1" dirty="0" smtClean="0">
                 <a:solidFill>
                   <a:schemeClr val="tx1">
                     <a:lumMod val="65000"/>
@@ -5004,7 +5514,7 @@
               <a:buChar char="•"/>
             </a:pPr>
             <a:r>
-              <a:rPr lang="en-US" sz="2400" dirty="0" smtClean="0">
+              <a:rPr lang="en-US" sz="3200" b="1" dirty="0" smtClean="0">
                 <a:solidFill>
                   <a:schemeClr val="tx1">
                     <a:lumMod val="65000"/>
@@ -5021,7 +5531,7 @@
               <a:buChar char="•"/>
             </a:pPr>
             <a:r>
-              <a:rPr lang="en-US" sz="2400" dirty="0" smtClean="0">
+              <a:rPr lang="en-US" sz="3200" b="1" dirty="0" smtClean="0">
                 <a:solidFill>
                   <a:schemeClr val="tx1">
                     <a:lumMod val="65000"/>
@@ -5033,7 +5543,7 @@
             </a:r>
           </a:p>
           <a:p>
-            <a:endParaRPr lang="en-US" sz="2400" b="1" dirty="0">
+            <a:endParaRPr lang="en-US" sz="3200" b="1" dirty="0">
               <a:solidFill>
                 <a:schemeClr val="accent1">
                   <a:lumMod val="75000"/>
@@ -5043,7 +5553,7 @@
           </a:p>
           <a:p>
             <a:r>
-              <a:rPr lang="en-US" sz="2400" b="1" dirty="0" smtClean="0">
+              <a:rPr lang="en-US" sz="3200" b="1" dirty="0" smtClean="0">
                 <a:solidFill>
                   <a:srgbClr val="D15C05"/>
                 </a:solidFill>
@@ -5057,7 +5567,7 @@
               <a:buChar char="•"/>
             </a:pPr>
             <a:r>
-              <a:rPr lang="en-US" sz="2400" dirty="0" smtClean="0">
+              <a:rPr lang="en-US" sz="3200" b="1" dirty="0" smtClean="0">
                 <a:solidFill>
                   <a:schemeClr val="tx1">
                     <a:lumMod val="65000"/>
@@ -5074,7 +5584,7 @@
               <a:buChar char="•"/>
             </a:pPr>
             <a:r>
-              <a:rPr lang="en-US" sz="2400" dirty="0">
+              <a:rPr lang="en-US" sz="3200" b="1" dirty="0">
                 <a:solidFill>
                   <a:schemeClr val="tx1">
                     <a:lumMod val="65000"/>
@@ -5084,7 +5594,7 @@
               </a:rPr>
               <a:t>App Indexing</a:t>
             </a:r>
-            <a:endParaRPr lang="en-US" sz="2400" dirty="0">
+            <a:endParaRPr lang="en-US" sz="3200" b="1" dirty="0">
               <a:solidFill>
                 <a:schemeClr val="accent1">
                   <a:lumMod val="75000"/>
@@ -5117,7 +5627,7 @@
         <p:spPr>
           <a:xfrm>
             <a:off x="9313616" y="5592947"/>
-            <a:ext cx="1552028" cy="830997"/>
+            <a:ext cx="2004075" cy="1077218"/>
           </a:xfrm>
           <a:prstGeom prst="rect">
             <a:avLst/>
@@ -5131,7 +5641,7 @@
           <a:lstStyle/>
           <a:p>
             <a:r>
-              <a:rPr lang="en-US" sz="2400" b="1" dirty="0" smtClean="0">
+              <a:rPr lang="en-US" sz="3200" b="1" dirty="0" smtClean="0">
                 <a:solidFill>
                   <a:srgbClr val="FF9933"/>
                 </a:solidFill>
@@ -5145,7 +5655,7 @@
               <a:buChar char="•"/>
             </a:pPr>
             <a:r>
-              <a:rPr lang="en-US" sz="2400" dirty="0" err="1" smtClean="0">
+              <a:rPr lang="en-US" sz="3200" b="1" dirty="0" err="1" smtClean="0">
                 <a:solidFill>
                   <a:schemeClr val="tx1">
                     <a:lumMod val="65000"/>
@@ -5155,7 +5665,7 @@
               </a:rPr>
               <a:t>AdMob</a:t>
             </a:r>
-            <a:endParaRPr lang="en-US" sz="2400" dirty="0" smtClean="0">
+            <a:endParaRPr lang="en-US" sz="3200" b="1" dirty="0" smtClean="0">
               <a:solidFill>
                 <a:schemeClr val="accent1">
                   <a:lumMod val="75000"/>
@@ -5203,8 +5713,8 @@
         </p:nvSpPr>
         <p:spPr>
           <a:xfrm>
-            <a:off x="5468080" y="3569308"/>
-            <a:ext cx="1306640" cy="461665"/>
+            <a:off x="5356255" y="3566873"/>
+            <a:ext cx="1730345" cy="584775"/>
           </a:xfrm>
           <a:prstGeom prst="rect">
             <a:avLst/>
@@ -5218,14 +5728,14 @@
           <a:lstStyle/>
           <a:p>
             <a:r>
-              <a:rPr lang="en-US" sz="2400" dirty="0" smtClean="0">
+              <a:rPr lang="en-US" sz="3200" b="1" dirty="0" smtClean="0">
                 <a:solidFill>
                   <a:srgbClr val="605F60"/>
                 </a:solidFill>
               </a:rPr>
               <a:t>Analytics</a:t>
             </a:r>
-            <a:endParaRPr lang="en-US" sz="2400" dirty="0">
+            <a:endParaRPr lang="en-US" sz="3200" b="1" dirty="0">
               <a:solidFill>
                 <a:srgbClr val="605F60"/>
               </a:solidFill>
@@ -5241,7 +5751,7 @@
         </p:nvSpPr>
         <p:spPr>
           <a:xfrm>
-            <a:off x="4466203" y="5928797"/>
+            <a:off x="4592679" y="6280511"/>
             <a:ext cx="3257495" cy="369332"/>
           </a:xfrm>
           <a:prstGeom prst="rect">
@@ -6174,7 +6684,7 @@
 </p:sld>
 </file>
 
-<file path=ppt/slides/slide11.xml><?xml version="1.0" encoding="utf-8"?>
+<file path=ppt/slides/slide13.xml><?xml version="1.0" encoding="utf-8"?>
 <p:sld xmlns:a="http://schemas.openxmlformats.org/drawingml/2006/main" xmlns:r="http://schemas.openxmlformats.org/officeDocument/2006/relationships" xmlns:p="http://schemas.openxmlformats.org/presentationml/2006/main">
   <p:cSld>
     <p:bg>
@@ -6201,6 +6711,396 @@
       </p:grpSpPr>
       <p:sp>
         <p:nvSpPr>
+          <p:cNvPr id="4" name="Title 1"/>
+          <p:cNvSpPr txBox="1">
+            <a:spLocks/>
+          </p:cNvSpPr>
+          <p:nvPr/>
+        </p:nvSpPr>
+        <p:spPr>
+          <a:xfrm>
+            <a:off x="0" y="317793"/>
+            <a:ext cx="12192000" cy="1030309"/>
+          </a:xfrm>
+          <a:prstGeom prst="rect">
+            <a:avLst/>
+          </a:prstGeom>
+        </p:spPr>
+        <p:txBody>
+          <a:bodyPr vert="horz" lIns="91440" tIns="45720" rIns="91440" bIns="45720" rtlCol="0" anchor="ctr">
+            <a:noAutofit/>
+          </a:bodyPr>
+          <a:lstStyle>
+            <a:lvl1pPr algn="l" defTabSz="914400" rtl="0" eaLnBrk="1" latinLnBrk="0" hangingPunct="1">
+              <a:lnSpc>
+                <a:spcPct val="90000"/>
+              </a:lnSpc>
+              <a:spcBef>
+                <a:spcPct val="0"/>
+              </a:spcBef>
+              <a:buNone/>
+              <a:defRPr sz="4400" kern="1200">
+                <a:solidFill>
+                  <a:schemeClr val="tx1"/>
+                </a:solidFill>
+                <a:latin typeface="+mj-lt"/>
+                <a:ea typeface="+mj-ea"/>
+                <a:cs typeface="+mj-cs"/>
+              </a:defRPr>
+            </a:lvl1pPr>
+          </a:lstStyle>
+          <a:p>
+            <a:pPr algn="ctr"/>
+            <a:r>
+              <a:rPr lang="en-US" sz="9600" b="1" dirty="0" smtClean="0">
+                <a:solidFill>
+                  <a:schemeClr val="bg1"/>
+                </a:solidFill>
+                <a:cs typeface="Times New Roman" panose="02020603050405020304" pitchFamily="18" charset="0"/>
+              </a:rPr>
+              <a:t>Payment Gateway</a:t>
+            </a:r>
+            <a:endParaRPr lang="en-US" sz="9600" b="1" dirty="0">
+              <a:solidFill>
+                <a:schemeClr val="bg1"/>
+              </a:solidFill>
+              <a:cs typeface="Times New Roman" panose="02020603050405020304" pitchFamily="18" charset="0"/>
+            </a:endParaRPr>
+          </a:p>
+        </p:txBody>
+      </p:sp>
+      <p:pic>
+        <p:nvPicPr>
+          <p:cNvPr id="5" name="Picture 4" descr="Image result for how does payment gateway work"/>
+          <p:cNvPicPr/>
+          <p:nvPr/>
+        </p:nvPicPr>
+        <p:blipFill>
+          <a:blip r:embed="rId3">
+            <a:extLst>
+              <a:ext uri="{28A0092B-C50C-407E-A947-70E740481C1C}">
+                <a14:useLocalDpi xmlns:a14="http://schemas.microsoft.com/office/drawing/2010/main" val="0"/>
+              </a:ext>
+            </a:extLst>
+          </a:blip>
+          <a:srcRect/>
+          <a:stretch>
+            <a:fillRect/>
+          </a:stretch>
+        </p:blipFill>
+        <p:spPr bwMode="auto">
+          <a:xfrm>
+            <a:off x="838200" y="1825624"/>
+            <a:ext cx="10515600" cy="3287289"/>
+          </a:xfrm>
+          <a:prstGeom prst="rect">
+            <a:avLst/>
+          </a:prstGeom>
+          <a:noFill/>
+          <a:ln w="47625">
+            <a:solidFill>
+              <a:schemeClr val="tx1"/>
+            </a:solidFill>
+          </a:ln>
+          <a:effectLst>
+            <a:softEdge rad="139700"/>
+          </a:effectLst>
+        </p:spPr>
+      </p:pic>
+      <p:sp>
+        <p:nvSpPr>
+          <p:cNvPr id="7" name="TextBox 6"/>
+          <p:cNvSpPr txBox="1"/>
+          <p:nvPr/>
+        </p:nvSpPr>
+        <p:spPr>
+          <a:xfrm>
+            <a:off x="4404863" y="5807631"/>
+            <a:ext cx="3382273" cy="369332"/>
+          </a:xfrm>
+          <a:prstGeom prst="rect">
+            <a:avLst/>
+          </a:prstGeom>
+          <a:noFill/>
+        </p:spPr>
+        <p:txBody>
+          <a:bodyPr wrap="none" rtlCol="0">
+            <a:spAutoFit/>
+          </a:bodyPr>
+          <a:lstStyle/>
+          <a:p>
+            <a:r>
+              <a:rPr lang="en-US" dirty="0" smtClean="0">
+                <a:solidFill>
+                  <a:schemeClr val="bg1"/>
+                </a:solidFill>
+              </a:rPr>
+              <a:t>Figure 3: Steps in Online Payment </a:t>
+            </a:r>
+            <a:endParaRPr lang="en-US" dirty="0">
+              <a:solidFill>
+                <a:schemeClr val="bg1"/>
+              </a:solidFill>
+            </a:endParaRPr>
+          </a:p>
+        </p:txBody>
+      </p:sp>
+    </p:spTree>
+    <p:extLst>
+      <p:ext uri="{BB962C8B-B14F-4D97-AF65-F5344CB8AC3E}">
+        <p14:creationId xmlns:p14="http://schemas.microsoft.com/office/powerpoint/2010/main" val="698022072"/>
+      </p:ext>
+    </p:extLst>
+  </p:cSld>
+  <p:clrMapOvr>
+    <a:overrideClrMapping bg1="lt1" tx1="dk1" bg2="lt2" tx2="dk2" accent1="accent1" accent2="accent2" accent3="accent3" accent4="accent4" accent5="accent5" accent6="accent6" hlink="hlink" folHlink="folHlink"/>
+  </p:clrMapOvr>
+  <p:timing>
+    <p:tnLst>
+      <p:par>
+        <p:cTn id="1" dur="indefinite" restart="never" nodeType="tmRoot"/>
+      </p:par>
+    </p:tnLst>
+  </p:timing>
+</p:sld>
+</file>
+
+<file path=ppt/slides/slide14.xml><?xml version="1.0" encoding="utf-8"?>
+<p:sld xmlns:a="http://schemas.openxmlformats.org/drawingml/2006/main" xmlns:r="http://schemas.openxmlformats.org/officeDocument/2006/relationships" xmlns:p="http://schemas.openxmlformats.org/presentationml/2006/main">
+  <p:cSld>
+    <p:bg>
+      <p:bgPr>
+        <a:solidFill>
+          <a:schemeClr val="tx1"/>
+        </a:solidFill>
+        <a:effectLst/>
+      </p:bgPr>
+    </p:bg>
+    <p:spTree>
+      <p:nvGrpSpPr>
+        <p:cNvPr id="1" name=""/>
+        <p:cNvGrpSpPr/>
+        <p:nvPr/>
+      </p:nvGrpSpPr>
+      <p:grpSpPr>
+        <a:xfrm>
+          <a:off x="0" y="0"/>
+          <a:ext cx="0" cy="0"/>
+          <a:chOff x="0" y="0"/>
+          <a:chExt cx="0" cy="0"/>
+        </a:xfrm>
+      </p:grpSpPr>
+      <p:sp>
+        <p:nvSpPr>
+          <p:cNvPr id="3" name="Content Placeholder 2"/>
+          <p:cNvSpPr>
+            <a:spLocks noGrp="1"/>
+          </p:cNvSpPr>
+          <p:nvPr>
+            <p:ph idx="1"/>
+          </p:nvPr>
+        </p:nvSpPr>
+        <p:spPr/>
+        <p:txBody>
+          <a:bodyPr>
+            <a:normAutofit/>
+          </a:bodyPr>
+          <a:lstStyle/>
+          <a:p>
+            <a:pPr algn="ctr"/>
+            <a:endParaRPr lang="en-US" sz="4000" dirty="0" smtClean="0">
+              <a:solidFill>
+                <a:schemeClr val="bg1"/>
+              </a:solidFill>
+            </a:endParaRPr>
+          </a:p>
+          <a:p>
+            <a:pPr algn="ctr"/>
+            <a:endParaRPr lang="en-US" sz="4000" dirty="0" smtClean="0">
+              <a:solidFill>
+                <a:schemeClr val="bg1"/>
+              </a:solidFill>
+            </a:endParaRPr>
+          </a:p>
+          <a:p>
+            <a:pPr marL="0" indent="0" algn="ctr">
+              <a:buNone/>
+            </a:pPr>
+            <a:r>
+              <a:rPr lang="en-US" sz="4000" dirty="0" smtClean="0">
+                <a:solidFill>
+                  <a:schemeClr val="bg1"/>
+                </a:solidFill>
+              </a:rPr>
+              <a:t>Business </a:t>
+            </a:r>
+            <a:r>
+              <a:rPr lang="en-US" sz="4000" dirty="0">
+                <a:solidFill>
+                  <a:schemeClr val="bg1"/>
+                </a:solidFill>
+              </a:rPr>
+              <a:t>to consumer (B2C) </a:t>
+            </a:r>
+          </a:p>
+        </p:txBody>
+      </p:sp>
+      <p:sp>
+        <p:nvSpPr>
+          <p:cNvPr id="4" name="Title 1"/>
+          <p:cNvSpPr txBox="1">
+            <a:spLocks/>
+          </p:cNvSpPr>
+          <p:nvPr/>
+        </p:nvSpPr>
+        <p:spPr>
+          <a:xfrm>
+            <a:off x="0" y="340864"/>
+            <a:ext cx="12192000" cy="1030309"/>
+          </a:xfrm>
+          <a:prstGeom prst="rect">
+            <a:avLst/>
+          </a:prstGeom>
+        </p:spPr>
+        <p:txBody>
+          <a:bodyPr vert="horz" lIns="91440" tIns="45720" rIns="91440" bIns="45720" rtlCol="0" anchor="ctr">
+            <a:noAutofit/>
+          </a:bodyPr>
+          <a:lstStyle>
+            <a:lvl1pPr algn="l" defTabSz="914400" rtl="0" eaLnBrk="1" latinLnBrk="0" hangingPunct="1">
+              <a:lnSpc>
+                <a:spcPct val="90000"/>
+              </a:lnSpc>
+              <a:spcBef>
+                <a:spcPct val="0"/>
+              </a:spcBef>
+              <a:buNone/>
+              <a:defRPr sz="4400" kern="1200">
+                <a:solidFill>
+                  <a:schemeClr val="tx1"/>
+                </a:solidFill>
+                <a:latin typeface="+mj-lt"/>
+                <a:ea typeface="+mj-ea"/>
+                <a:cs typeface="+mj-cs"/>
+              </a:defRPr>
+            </a:lvl1pPr>
+          </a:lstStyle>
+          <a:p>
+            <a:pPr algn="ctr"/>
+            <a:r>
+              <a:rPr lang="en-US" sz="9600" b="1" dirty="0" smtClean="0">
+                <a:solidFill>
+                  <a:schemeClr val="bg1"/>
+                </a:solidFill>
+                <a:cs typeface="Times New Roman" panose="02020603050405020304" pitchFamily="18" charset="0"/>
+              </a:rPr>
+              <a:t>Business Model</a:t>
+            </a:r>
+            <a:endParaRPr lang="en-US" sz="9600" b="1" dirty="0">
+              <a:solidFill>
+                <a:schemeClr val="bg1"/>
+              </a:solidFill>
+              <a:cs typeface="Times New Roman" panose="02020603050405020304" pitchFamily="18" charset="0"/>
+            </a:endParaRPr>
+          </a:p>
+        </p:txBody>
+      </p:sp>
+      <p:sp>
+        <p:nvSpPr>
+          <p:cNvPr id="2" name="Rectangle 1"/>
+          <p:cNvSpPr/>
+          <p:nvPr/>
+        </p:nvSpPr>
+        <p:spPr>
+          <a:xfrm>
+            <a:off x="3620322" y="3764839"/>
+            <a:ext cx="5390578" cy="707886"/>
+          </a:xfrm>
+          <a:prstGeom prst="rect">
+            <a:avLst/>
+          </a:prstGeom>
+        </p:spPr>
+        <p:txBody>
+          <a:bodyPr wrap="none">
+            <a:spAutoFit/>
+          </a:bodyPr>
+          <a:lstStyle/>
+          <a:p>
+            <a:pPr marL="571500" indent="-571500">
+              <a:buFont typeface="Wingdings" panose="05000000000000000000" pitchFamily="2" charset="2"/>
+              <a:buChar char="ü"/>
+            </a:pPr>
+            <a:r>
+              <a:rPr lang="en-US" sz="4000" dirty="0">
+                <a:solidFill>
+                  <a:schemeClr val="bg1"/>
+                </a:solidFill>
+              </a:rPr>
+              <a:t>Online </a:t>
+            </a:r>
+            <a:r>
+              <a:rPr lang="en-US" sz="4000" dirty="0" smtClean="0">
+                <a:solidFill>
+                  <a:schemeClr val="bg1"/>
+                </a:solidFill>
+              </a:rPr>
+              <a:t>intermediaries </a:t>
+            </a:r>
+            <a:endParaRPr lang="en-US" sz="4000" dirty="0">
+              <a:solidFill>
+                <a:schemeClr val="bg1"/>
+              </a:solidFill>
+            </a:endParaRPr>
+          </a:p>
+        </p:txBody>
+      </p:sp>
+    </p:spTree>
+    <p:extLst>
+      <p:ext uri="{BB962C8B-B14F-4D97-AF65-F5344CB8AC3E}">
+        <p14:creationId xmlns:p14="http://schemas.microsoft.com/office/powerpoint/2010/main" val="3204973658"/>
+      </p:ext>
+    </p:extLst>
+  </p:cSld>
+  <p:clrMapOvr>
+    <a:overrideClrMapping bg1="lt1" tx1="dk1" bg2="lt2" tx2="dk2" accent1="accent1" accent2="accent2" accent3="accent3" accent4="accent4" accent5="accent5" accent6="accent6" hlink="hlink" folHlink="folHlink"/>
+  </p:clrMapOvr>
+  <p:timing>
+    <p:tnLst>
+      <p:par>
+        <p:cTn id="1" dur="indefinite" restart="never" nodeType="tmRoot"/>
+      </p:par>
+    </p:tnLst>
+  </p:timing>
+</p:sld>
+</file>
+
+<file path=ppt/slides/slide15.xml><?xml version="1.0" encoding="utf-8"?>
+<p:sld xmlns:a="http://schemas.openxmlformats.org/drawingml/2006/main" xmlns:r="http://schemas.openxmlformats.org/officeDocument/2006/relationships" xmlns:p="http://schemas.openxmlformats.org/presentationml/2006/main">
+  <p:cSld>
+    <p:bg>
+      <p:bgPr>
+        <a:solidFill>
+          <a:schemeClr val="tx1"/>
+        </a:solidFill>
+        <a:effectLst/>
+      </p:bgPr>
+    </p:bg>
+    <p:spTree>
+      <p:nvGrpSpPr>
+        <p:cNvPr id="1" name=""/>
+        <p:cNvGrpSpPr/>
+        <p:nvPr/>
+      </p:nvGrpSpPr>
+      <p:grpSpPr>
+        <a:xfrm>
+          <a:off x="0" y="0"/>
+          <a:ext cx="0" cy="0"/>
+          <a:chOff x="0" y="0"/>
+          <a:chExt cx="0" cy="0"/>
+        </a:xfrm>
+      </p:grpSpPr>
+      <p:sp>
+        <p:nvSpPr>
           <p:cNvPr id="2" name="Title 1"/>
           <p:cNvSpPr>
             <a:spLocks noGrp="1"/>
@@ -6209,12 +7109,17 @@
             <p:ph type="title"/>
           </p:nvPr>
         </p:nvSpPr>
-        <p:spPr/>
+        <p:spPr>
+          <a:xfrm>
+            <a:off x="954110" y="272836"/>
+            <a:ext cx="10515600" cy="1325563"/>
+          </a:xfrm>
+        </p:spPr>
         <p:txBody>
           <a:bodyPr/>
           <a:lstStyle/>
           <a:p>
-            <a:endParaRPr lang="en-US"/>
+            <a:endParaRPr lang="en-US" dirty="0"/>
           </a:p>
         </p:txBody>
       </p:sp>
@@ -6230,16 +7135,201 @@
         </p:nvSpPr>
         <p:spPr/>
         <p:txBody>
+          <a:bodyPr>
+            <a:normAutofit/>
+          </a:bodyPr>
+          <a:lstStyle/>
+          <a:p>
+            <a:r>
+              <a:rPr lang="en-US" sz="4000" dirty="0" smtClean="0">
+                <a:solidFill>
+                  <a:schemeClr val="bg1"/>
+                </a:solidFill>
+              </a:rPr>
+              <a:t>Design Issues</a:t>
+            </a:r>
+          </a:p>
+          <a:p>
+            <a:r>
+              <a:rPr lang="en-US" sz="4000" dirty="0" smtClean="0">
+                <a:solidFill>
+                  <a:schemeClr val="bg1"/>
+                </a:solidFill>
+              </a:rPr>
+              <a:t>Payment Gateway</a:t>
+            </a:r>
+          </a:p>
+          <a:p>
+            <a:r>
+              <a:rPr lang="en-US" sz="4000" dirty="0" smtClean="0">
+                <a:solidFill>
+                  <a:schemeClr val="bg1"/>
+                </a:solidFill>
+              </a:rPr>
+              <a:t>To find homestays.</a:t>
+            </a:r>
+          </a:p>
+          <a:p>
+            <a:endParaRPr lang="en-US" sz="4000" dirty="0">
+              <a:solidFill>
+                <a:schemeClr val="bg1"/>
+              </a:solidFill>
+              <a:latin typeface="+mj-lt"/>
+            </a:endParaRPr>
+          </a:p>
+        </p:txBody>
+      </p:sp>
+      <p:sp>
+        <p:nvSpPr>
+          <p:cNvPr id="4" name="Title 1"/>
+          <p:cNvSpPr txBox="1">
+            <a:spLocks/>
+          </p:cNvSpPr>
+          <p:nvPr/>
+        </p:nvSpPr>
+        <p:spPr>
+          <a:xfrm>
+            <a:off x="0" y="340864"/>
+            <a:ext cx="12192000" cy="1030309"/>
+          </a:xfrm>
+          <a:prstGeom prst="rect">
+            <a:avLst/>
+          </a:prstGeom>
+        </p:spPr>
+        <p:txBody>
+          <a:bodyPr vert="horz" lIns="91440" tIns="45720" rIns="91440" bIns="45720" rtlCol="0" anchor="ctr">
+            <a:noAutofit/>
+          </a:bodyPr>
+          <a:lstStyle>
+            <a:lvl1pPr algn="l" defTabSz="914400" rtl="0" eaLnBrk="1" latinLnBrk="0" hangingPunct="1">
+              <a:lnSpc>
+                <a:spcPct val="90000"/>
+              </a:lnSpc>
+              <a:spcBef>
+                <a:spcPct val="0"/>
+              </a:spcBef>
+              <a:buNone/>
+              <a:defRPr sz="4400" kern="1200">
+                <a:solidFill>
+                  <a:schemeClr val="tx1"/>
+                </a:solidFill>
+                <a:latin typeface="+mj-lt"/>
+                <a:ea typeface="+mj-ea"/>
+                <a:cs typeface="+mj-cs"/>
+              </a:defRPr>
+            </a:lvl1pPr>
+          </a:lstStyle>
+          <a:p>
+            <a:pPr algn="ctr"/>
+            <a:r>
+              <a:rPr lang="en-US" sz="9600" b="1" dirty="0" smtClean="0">
+                <a:solidFill>
+                  <a:schemeClr val="bg1"/>
+                </a:solidFill>
+                <a:cs typeface="Times New Roman" panose="02020603050405020304" pitchFamily="18" charset="0"/>
+              </a:rPr>
+              <a:t>Complexity</a:t>
+            </a:r>
+            <a:endParaRPr lang="en-US" sz="9600" b="1" dirty="0">
+              <a:solidFill>
+                <a:schemeClr val="bg1"/>
+              </a:solidFill>
+              <a:cs typeface="Times New Roman" panose="02020603050405020304" pitchFamily="18" charset="0"/>
+            </a:endParaRPr>
+          </a:p>
+        </p:txBody>
+      </p:sp>
+    </p:spTree>
+    <p:extLst>
+      <p:ext uri="{BB962C8B-B14F-4D97-AF65-F5344CB8AC3E}">
+        <p14:creationId xmlns:p14="http://schemas.microsoft.com/office/powerpoint/2010/main" val="3392545857"/>
+      </p:ext>
+    </p:extLst>
+  </p:cSld>
+  <p:clrMapOvr>
+    <a:overrideClrMapping bg1="lt1" tx1="dk1" bg2="lt2" tx2="dk2" accent1="accent1" accent2="accent2" accent3="accent3" accent4="accent4" accent5="accent5" accent6="accent6" hlink="hlink" folHlink="folHlink"/>
+  </p:clrMapOvr>
+  <p:timing>
+    <p:tnLst>
+      <p:par>
+        <p:cTn id="1" dur="indefinite" restart="never" nodeType="tmRoot"/>
+      </p:par>
+    </p:tnLst>
+  </p:timing>
+</p:sld>
+</file>
+
+<file path=ppt/slides/slide16.xml><?xml version="1.0" encoding="utf-8"?>
+<p:sld xmlns:a="http://schemas.openxmlformats.org/drawingml/2006/main" xmlns:r="http://schemas.openxmlformats.org/officeDocument/2006/relationships" xmlns:p="http://schemas.openxmlformats.org/presentationml/2006/main">
+  <p:cSld>
+    <p:bg>
+      <p:bgPr>
+        <a:solidFill>
+          <a:schemeClr val="tx1"/>
+        </a:solidFill>
+        <a:effectLst/>
+      </p:bgPr>
+    </p:bg>
+    <p:spTree>
+      <p:nvGrpSpPr>
+        <p:cNvPr id="1" name=""/>
+        <p:cNvGrpSpPr/>
+        <p:nvPr/>
+      </p:nvGrpSpPr>
+      <p:grpSpPr>
+        <a:xfrm>
+          <a:off x="0" y="0"/>
+          <a:ext cx="0" cy="0"/>
+          <a:chOff x="0" y="0"/>
+          <a:chExt cx="0" cy="0"/>
+        </a:xfrm>
+      </p:grpSpPr>
+      <p:sp>
+        <p:nvSpPr>
+          <p:cNvPr id="3" name="Content Placeholder 2"/>
+          <p:cNvSpPr>
+            <a:spLocks noGrp="1"/>
+          </p:cNvSpPr>
+          <p:nvPr>
+            <p:ph idx="1"/>
+          </p:nvPr>
+        </p:nvSpPr>
+        <p:spPr/>
+        <p:txBody>
           <a:bodyPr/>
           <a:lstStyle/>
           <a:p>
-            <a:endParaRPr lang="en-US"/>
+            <a:endParaRPr lang="en-US" dirty="0"/>
           </a:p>
         </p:txBody>
       </p:sp>
       <p:sp>
         <p:nvSpPr>
           <p:cNvPr id="4" name="Title 1"/>
+          <p:cNvSpPr>
+            <a:spLocks noGrp="1"/>
+          </p:cNvSpPr>
+          <p:nvPr>
+            <p:ph type="title"/>
+          </p:nvPr>
+        </p:nvSpPr>
+        <p:spPr>
+          <a:xfrm>
+            <a:off x="838200" y="365125"/>
+            <a:ext cx="10515600" cy="1325563"/>
+          </a:xfrm>
+        </p:spPr>
+        <p:txBody>
+          <a:bodyPr/>
+          <a:lstStyle/>
+          <a:p>
+            <a:endParaRPr lang="en-US" dirty="0"/>
+          </a:p>
+        </p:txBody>
+      </p:sp>
+      <p:sp>
+        <p:nvSpPr>
+          <p:cNvPr id="5" name="Title 1"/>
           <p:cNvSpPr txBox="1">
             <a:spLocks/>
           </p:cNvSpPr>
@@ -6285,7 +7375,7 @@
                   <a:schemeClr val="bg1"/>
                 </a:solidFill>
               </a:rPr>
-              <a:t>Solution Strategy</a:t>
+              <a:t>Mock Up Screen</a:t>
             </a:r>
             <a:endParaRPr lang="en-US" sz="9600" b="1" dirty="0">
               <a:solidFill>
@@ -6297,14 +7387,14 @@
       </p:sp>
       <p:pic>
         <p:nvPicPr>
-          <p:cNvPr id="5" name="Picture 4"/>
+          <p:cNvPr id="6" name="Picture 5"/>
           <p:cNvPicPr>
             <a:picLocks noChangeAspect="1"/>
           </p:cNvPicPr>
           <p:nvPr/>
         </p:nvPicPr>
         <p:blipFill>
-          <a:blip r:embed="rId3" cstate="print">
+          <a:blip r:embed="rId2" cstate="print">
             <a:extLst>
               <a:ext uri="{28A0092B-C50C-407E-A947-70E740481C1C}">
                 <a14:useLocalDpi xmlns:a14="http://schemas.microsoft.com/office/drawing/2010/main" val="0"/>
@@ -6317,23 +7407,2147 @@
         </p:blipFill>
         <p:spPr>
           <a:xfrm>
-            <a:off x="1676400" y="2109477"/>
-            <a:ext cx="1791097" cy="3582193"/>
+            <a:off x="202246" y="1962168"/>
+            <a:ext cx="2194899" cy="4389797"/>
           </a:xfrm>
           <a:prstGeom prst="rect">
             <a:avLst/>
           </a:prstGeom>
         </p:spPr>
       </p:pic>
+      <p:sp>
+        <p:nvSpPr>
+          <p:cNvPr id="7" name="Title 1"/>
+          <p:cNvSpPr txBox="1">
+            <a:spLocks/>
+          </p:cNvSpPr>
+          <p:nvPr/>
+        </p:nvSpPr>
+        <p:spPr>
+          <a:xfrm>
+            <a:off x="287038" y="2535936"/>
+            <a:ext cx="2025316" cy="830179"/>
+          </a:xfrm>
+          <a:prstGeom prst="rect">
+            <a:avLst/>
+          </a:prstGeom>
+        </p:spPr>
+        <p:txBody>
+          <a:bodyPr vert="horz" lIns="91440" tIns="45720" rIns="91440" bIns="45720" rtlCol="0">
+            <a:normAutofit fontScale="85000" lnSpcReduction="10000"/>
+          </a:bodyPr>
+          <a:lstStyle>
+            <a:lvl1pPr marL="228600" indent="-228600" algn="l" defTabSz="914400" rtl="0" eaLnBrk="1" latinLnBrk="0" hangingPunct="1">
+              <a:lnSpc>
+                <a:spcPct val="90000"/>
+              </a:lnSpc>
+              <a:spcBef>
+                <a:spcPts val="1000"/>
+              </a:spcBef>
+              <a:buFont typeface="Arial" panose="020B0604020202020204" pitchFamily="34" charset="0"/>
+              <a:buChar char="•"/>
+              <a:defRPr sz="2800" kern="1200">
+                <a:solidFill>
+                  <a:schemeClr val="tx1"/>
+                </a:solidFill>
+                <a:latin typeface="+mn-lt"/>
+                <a:ea typeface="+mn-ea"/>
+                <a:cs typeface="+mn-cs"/>
+              </a:defRPr>
+            </a:lvl1pPr>
+            <a:lvl2pPr marL="685800" indent="-228600" algn="l" defTabSz="914400" rtl="0" eaLnBrk="1" latinLnBrk="0" hangingPunct="1">
+              <a:lnSpc>
+                <a:spcPct val="90000"/>
+              </a:lnSpc>
+              <a:spcBef>
+                <a:spcPts val="500"/>
+              </a:spcBef>
+              <a:buFont typeface="Arial" panose="020B0604020202020204" pitchFamily="34" charset="0"/>
+              <a:buChar char="•"/>
+              <a:defRPr sz="2400" kern="1200">
+                <a:solidFill>
+                  <a:schemeClr val="tx1"/>
+                </a:solidFill>
+                <a:latin typeface="+mn-lt"/>
+                <a:ea typeface="+mn-ea"/>
+                <a:cs typeface="+mn-cs"/>
+              </a:defRPr>
+            </a:lvl2pPr>
+            <a:lvl3pPr marL="1143000" indent="-228600" algn="l" defTabSz="914400" rtl="0" eaLnBrk="1" latinLnBrk="0" hangingPunct="1">
+              <a:lnSpc>
+                <a:spcPct val="90000"/>
+              </a:lnSpc>
+              <a:spcBef>
+                <a:spcPts val="500"/>
+              </a:spcBef>
+              <a:buFont typeface="Arial" panose="020B0604020202020204" pitchFamily="34" charset="0"/>
+              <a:buChar char="•"/>
+              <a:defRPr sz="2000" kern="1200">
+                <a:solidFill>
+                  <a:schemeClr val="tx1"/>
+                </a:solidFill>
+                <a:latin typeface="+mn-lt"/>
+                <a:ea typeface="+mn-ea"/>
+                <a:cs typeface="+mn-cs"/>
+              </a:defRPr>
+            </a:lvl3pPr>
+            <a:lvl4pPr marL="1600200" indent="-228600" algn="l" defTabSz="914400" rtl="0" eaLnBrk="1" latinLnBrk="0" hangingPunct="1">
+              <a:lnSpc>
+                <a:spcPct val="90000"/>
+              </a:lnSpc>
+              <a:spcBef>
+                <a:spcPts val="500"/>
+              </a:spcBef>
+              <a:buFont typeface="Arial" panose="020B0604020202020204" pitchFamily="34" charset="0"/>
+              <a:buChar char="•"/>
+              <a:defRPr sz="1800" kern="1200">
+                <a:solidFill>
+                  <a:schemeClr val="tx1"/>
+                </a:solidFill>
+                <a:latin typeface="+mn-lt"/>
+                <a:ea typeface="+mn-ea"/>
+                <a:cs typeface="+mn-cs"/>
+              </a:defRPr>
+            </a:lvl4pPr>
+            <a:lvl5pPr marL="2057400" indent="-228600" algn="l" defTabSz="914400" rtl="0" eaLnBrk="1" latinLnBrk="0" hangingPunct="1">
+              <a:lnSpc>
+                <a:spcPct val="90000"/>
+              </a:lnSpc>
+              <a:spcBef>
+                <a:spcPts val="500"/>
+              </a:spcBef>
+              <a:buFont typeface="Arial" panose="020B0604020202020204" pitchFamily="34" charset="0"/>
+              <a:buChar char="•"/>
+              <a:defRPr sz="1800" kern="1200">
+                <a:solidFill>
+                  <a:schemeClr val="tx1"/>
+                </a:solidFill>
+                <a:latin typeface="+mn-lt"/>
+                <a:ea typeface="+mn-ea"/>
+                <a:cs typeface="+mn-cs"/>
+              </a:defRPr>
+            </a:lvl5pPr>
+            <a:lvl6pPr marL="2514600" indent="-228600" algn="l" defTabSz="914400" rtl="0" eaLnBrk="1" latinLnBrk="0" hangingPunct="1">
+              <a:lnSpc>
+                <a:spcPct val="90000"/>
+              </a:lnSpc>
+              <a:spcBef>
+                <a:spcPts val="500"/>
+              </a:spcBef>
+              <a:buFont typeface="Arial" panose="020B0604020202020204" pitchFamily="34" charset="0"/>
+              <a:buChar char="•"/>
+              <a:defRPr sz="1800" kern="1200">
+                <a:solidFill>
+                  <a:schemeClr val="tx1"/>
+                </a:solidFill>
+                <a:latin typeface="+mn-lt"/>
+                <a:ea typeface="+mn-ea"/>
+                <a:cs typeface="+mn-cs"/>
+              </a:defRPr>
+            </a:lvl6pPr>
+            <a:lvl7pPr marL="2971800" indent="-228600" algn="l" defTabSz="914400" rtl="0" eaLnBrk="1" latinLnBrk="0" hangingPunct="1">
+              <a:lnSpc>
+                <a:spcPct val="90000"/>
+              </a:lnSpc>
+              <a:spcBef>
+                <a:spcPts val="500"/>
+              </a:spcBef>
+              <a:buFont typeface="Arial" panose="020B0604020202020204" pitchFamily="34" charset="0"/>
+              <a:buChar char="•"/>
+              <a:defRPr sz="1800" kern="1200">
+                <a:solidFill>
+                  <a:schemeClr val="tx1"/>
+                </a:solidFill>
+                <a:latin typeface="+mn-lt"/>
+                <a:ea typeface="+mn-ea"/>
+                <a:cs typeface="+mn-cs"/>
+              </a:defRPr>
+            </a:lvl7pPr>
+            <a:lvl8pPr marL="3429000" indent="-228600" algn="l" defTabSz="914400" rtl="0" eaLnBrk="1" latinLnBrk="0" hangingPunct="1">
+              <a:lnSpc>
+                <a:spcPct val="90000"/>
+              </a:lnSpc>
+              <a:spcBef>
+                <a:spcPts val="500"/>
+              </a:spcBef>
+              <a:buFont typeface="Arial" panose="020B0604020202020204" pitchFamily="34" charset="0"/>
+              <a:buChar char="•"/>
+              <a:defRPr sz="1800" kern="1200">
+                <a:solidFill>
+                  <a:schemeClr val="tx1"/>
+                </a:solidFill>
+                <a:latin typeface="+mn-lt"/>
+                <a:ea typeface="+mn-ea"/>
+                <a:cs typeface="+mn-cs"/>
+              </a:defRPr>
+            </a:lvl8pPr>
+            <a:lvl9pPr marL="3886200" indent="-228600" algn="l" defTabSz="914400" rtl="0" eaLnBrk="1" latinLnBrk="0" hangingPunct="1">
+              <a:lnSpc>
+                <a:spcPct val="90000"/>
+              </a:lnSpc>
+              <a:spcBef>
+                <a:spcPts val="500"/>
+              </a:spcBef>
+              <a:buFont typeface="Arial" panose="020B0604020202020204" pitchFamily="34" charset="0"/>
+              <a:buChar char="•"/>
+              <a:defRPr sz="1800" kern="1200">
+                <a:solidFill>
+                  <a:schemeClr val="tx1"/>
+                </a:solidFill>
+                <a:latin typeface="+mn-lt"/>
+                <a:ea typeface="+mn-ea"/>
+                <a:cs typeface="+mn-cs"/>
+              </a:defRPr>
+            </a:lvl9pPr>
+          </a:lstStyle>
+          <a:p>
+            <a:pPr marL="0" indent="0">
+              <a:buNone/>
+            </a:pPr>
+            <a:r>
+              <a:rPr lang="en-US" sz="4000" b="1" dirty="0" smtClean="0">
+                <a:latin typeface="Vivaldi" panose="03020602050506090804" pitchFamily="66" charset="0"/>
+              </a:rPr>
+              <a:t>Homestays</a:t>
+            </a:r>
+          </a:p>
+          <a:p>
+            <a:pPr marL="0" indent="0">
+              <a:buNone/>
+            </a:pPr>
+            <a:endParaRPr lang="en-US" sz="4000" b="1" dirty="0">
+              <a:latin typeface="Vivaldi" panose="03020602050506090804" pitchFamily="66" charset="0"/>
+            </a:endParaRPr>
+          </a:p>
+          <a:p>
+            <a:pPr marL="0" indent="0">
+              <a:buNone/>
+            </a:pPr>
+            <a:endParaRPr lang="en-US" sz="4000" b="1" dirty="0" smtClean="0">
+              <a:latin typeface="Vivaldi" panose="03020602050506090804" pitchFamily="66" charset="0"/>
+            </a:endParaRPr>
+          </a:p>
+          <a:p>
+            <a:pPr marL="0" indent="0">
+              <a:buNone/>
+            </a:pPr>
+            <a:endParaRPr lang="en-US" sz="4000" b="1" dirty="0">
+              <a:latin typeface="Vivaldi" panose="03020602050506090804" pitchFamily="66" charset="0"/>
+            </a:endParaRPr>
+          </a:p>
+        </p:txBody>
+      </p:sp>
+      <p:pic>
+        <p:nvPicPr>
+          <p:cNvPr id="8" name="Picture 4" descr="Image result for android png"/>
+          <p:cNvPicPr>
+            <a:picLocks noChangeAspect="1" noChangeArrowheads="1"/>
+          </p:cNvPicPr>
+          <p:nvPr/>
+        </p:nvPicPr>
+        <p:blipFill>
+          <a:blip r:embed="rId3" cstate="print">
+            <a:extLst>
+              <a:ext uri="{28A0092B-C50C-407E-A947-70E740481C1C}">
+                <a14:useLocalDpi xmlns:a14="http://schemas.microsoft.com/office/drawing/2010/main" val="0"/>
+              </a:ext>
+            </a:extLst>
+          </a:blip>
+          <a:srcRect/>
+          <a:stretch>
+            <a:fillRect/>
+          </a:stretch>
+        </p:blipFill>
+        <p:spPr bwMode="auto">
+          <a:xfrm>
+            <a:off x="799542" y="4825552"/>
+            <a:ext cx="1000305" cy="1000305"/>
+          </a:xfrm>
+          <a:prstGeom prst="rect">
+            <a:avLst/>
+          </a:prstGeom>
+          <a:noFill/>
+          <a:extLst>
+            <a:ext uri="{909E8E84-426E-40DD-AFC4-6F175D3DCCD1}">
+              <a14:hiddenFill xmlns:a14="http://schemas.microsoft.com/office/drawing/2010/main">
+                <a:solidFill>
+                  <a:srgbClr val="FFFFFF"/>
+                </a:solidFill>
+              </a14:hiddenFill>
+            </a:ext>
+          </a:extLst>
+        </p:spPr>
+      </p:pic>
+      <p:pic>
+        <p:nvPicPr>
+          <p:cNvPr id="14" name="Picture 13"/>
+          <p:cNvPicPr>
+            <a:picLocks noChangeAspect="1"/>
+          </p:cNvPicPr>
+          <p:nvPr/>
+        </p:nvPicPr>
+        <p:blipFill>
+          <a:blip r:embed="rId2" cstate="print">
+            <a:extLst>
+              <a:ext uri="{28A0092B-C50C-407E-A947-70E740481C1C}">
+                <a14:useLocalDpi xmlns:a14="http://schemas.microsoft.com/office/drawing/2010/main" val="0"/>
+              </a:ext>
+            </a:extLst>
+          </a:blip>
+          <a:stretch>
+            <a:fillRect/>
+          </a:stretch>
+        </p:blipFill>
+        <p:spPr>
+          <a:xfrm>
+            <a:off x="2610544" y="1962168"/>
+            <a:ext cx="2194899" cy="4389797"/>
+          </a:xfrm>
+          <a:prstGeom prst="rect">
+            <a:avLst/>
+          </a:prstGeom>
+        </p:spPr>
+      </p:pic>
+      <p:sp>
+        <p:nvSpPr>
+          <p:cNvPr id="15" name="Title 1"/>
+          <p:cNvSpPr txBox="1">
+            <a:spLocks/>
+          </p:cNvSpPr>
+          <p:nvPr/>
+        </p:nvSpPr>
+        <p:spPr>
+          <a:xfrm>
+            <a:off x="2660977" y="2535937"/>
+            <a:ext cx="2025316" cy="830179"/>
+          </a:xfrm>
+          <a:prstGeom prst="rect">
+            <a:avLst/>
+          </a:prstGeom>
+        </p:spPr>
+        <p:txBody>
+          <a:bodyPr vert="horz" lIns="91440" tIns="45720" rIns="91440" bIns="45720" rtlCol="0">
+            <a:normAutofit fontScale="85000" lnSpcReduction="10000"/>
+          </a:bodyPr>
+          <a:lstStyle>
+            <a:lvl1pPr marL="228600" indent="-228600" algn="l" defTabSz="914400" rtl="0" eaLnBrk="1" latinLnBrk="0" hangingPunct="1">
+              <a:lnSpc>
+                <a:spcPct val="90000"/>
+              </a:lnSpc>
+              <a:spcBef>
+                <a:spcPts val="1000"/>
+              </a:spcBef>
+              <a:buFont typeface="Arial" panose="020B0604020202020204" pitchFamily="34" charset="0"/>
+              <a:buChar char="•"/>
+              <a:defRPr sz="2800" kern="1200">
+                <a:solidFill>
+                  <a:schemeClr val="tx1"/>
+                </a:solidFill>
+                <a:latin typeface="+mn-lt"/>
+                <a:ea typeface="+mn-ea"/>
+                <a:cs typeface="+mn-cs"/>
+              </a:defRPr>
+            </a:lvl1pPr>
+            <a:lvl2pPr marL="685800" indent="-228600" algn="l" defTabSz="914400" rtl="0" eaLnBrk="1" latinLnBrk="0" hangingPunct="1">
+              <a:lnSpc>
+                <a:spcPct val="90000"/>
+              </a:lnSpc>
+              <a:spcBef>
+                <a:spcPts val="500"/>
+              </a:spcBef>
+              <a:buFont typeface="Arial" panose="020B0604020202020204" pitchFamily="34" charset="0"/>
+              <a:buChar char="•"/>
+              <a:defRPr sz="2400" kern="1200">
+                <a:solidFill>
+                  <a:schemeClr val="tx1"/>
+                </a:solidFill>
+                <a:latin typeface="+mn-lt"/>
+                <a:ea typeface="+mn-ea"/>
+                <a:cs typeface="+mn-cs"/>
+              </a:defRPr>
+            </a:lvl2pPr>
+            <a:lvl3pPr marL="1143000" indent="-228600" algn="l" defTabSz="914400" rtl="0" eaLnBrk="1" latinLnBrk="0" hangingPunct="1">
+              <a:lnSpc>
+                <a:spcPct val="90000"/>
+              </a:lnSpc>
+              <a:spcBef>
+                <a:spcPts val="500"/>
+              </a:spcBef>
+              <a:buFont typeface="Arial" panose="020B0604020202020204" pitchFamily="34" charset="0"/>
+              <a:buChar char="•"/>
+              <a:defRPr sz="2000" kern="1200">
+                <a:solidFill>
+                  <a:schemeClr val="tx1"/>
+                </a:solidFill>
+                <a:latin typeface="+mn-lt"/>
+                <a:ea typeface="+mn-ea"/>
+                <a:cs typeface="+mn-cs"/>
+              </a:defRPr>
+            </a:lvl3pPr>
+            <a:lvl4pPr marL="1600200" indent="-228600" algn="l" defTabSz="914400" rtl="0" eaLnBrk="1" latinLnBrk="0" hangingPunct="1">
+              <a:lnSpc>
+                <a:spcPct val="90000"/>
+              </a:lnSpc>
+              <a:spcBef>
+                <a:spcPts val="500"/>
+              </a:spcBef>
+              <a:buFont typeface="Arial" panose="020B0604020202020204" pitchFamily="34" charset="0"/>
+              <a:buChar char="•"/>
+              <a:defRPr sz="1800" kern="1200">
+                <a:solidFill>
+                  <a:schemeClr val="tx1"/>
+                </a:solidFill>
+                <a:latin typeface="+mn-lt"/>
+                <a:ea typeface="+mn-ea"/>
+                <a:cs typeface="+mn-cs"/>
+              </a:defRPr>
+            </a:lvl4pPr>
+            <a:lvl5pPr marL="2057400" indent="-228600" algn="l" defTabSz="914400" rtl="0" eaLnBrk="1" latinLnBrk="0" hangingPunct="1">
+              <a:lnSpc>
+                <a:spcPct val="90000"/>
+              </a:lnSpc>
+              <a:spcBef>
+                <a:spcPts val="500"/>
+              </a:spcBef>
+              <a:buFont typeface="Arial" panose="020B0604020202020204" pitchFamily="34" charset="0"/>
+              <a:buChar char="•"/>
+              <a:defRPr sz="1800" kern="1200">
+                <a:solidFill>
+                  <a:schemeClr val="tx1"/>
+                </a:solidFill>
+                <a:latin typeface="+mn-lt"/>
+                <a:ea typeface="+mn-ea"/>
+                <a:cs typeface="+mn-cs"/>
+              </a:defRPr>
+            </a:lvl5pPr>
+            <a:lvl6pPr marL="2514600" indent="-228600" algn="l" defTabSz="914400" rtl="0" eaLnBrk="1" latinLnBrk="0" hangingPunct="1">
+              <a:lnSpc>
+                <a:spcPct val="90000"/>
+              </a:lnSpc>
+              <a:spcBef>
+                <a:spcPts val="500"/>
+              </a:spcBef>
+              <a:buFont typeface="Arial" panose="020B0604020202020204" pitchFamily="34" charset="0"/>
+              <a:buChar char="•"/>
+              <a:defRPr sz="1800" kern="1200">
+                <a:solidFill>
+                  <a:schemeClr val="tx1"/>
+                </a:solidFill>
+                <a:latin typeface="+mn-lt"/>
+                <a:ea typeface="+mn-ea"/>
+                <a:cs typeface="+mn-cs"/>
+              </a:defRPr>
+            </a:lvl6pPr>
+            <a:lvl7pPr marL="2971800" indent="-228600" algn="l" defTabSz="914400" rtl="0" eaLnBrk="1" latinLnBrk="0" hangingPunct="1">
+              <a:lnSpc>
+                <a:spcPct val="90000"/>
+              </a:lnSpc>
+              <a:spcBef>
+                <a:spcPts val="500"/>
+              </a:spcBef>
+              <a:buFont typeface="Arial" panose="020B0604020202020204" pitchFamily="34" charset="0"/>
+              <a:buChar char="•"/>
+              <a:defRPr sz="1800" kern="1200">
+                <a:solidFill>
+                  <a:schemeClr val="tx1"/>
+                </a:solidFill>
+                <a:latin typeface="+mn-lt"/>
+                <a:ea typeface="+mn-ea"/>
+                <a:cs typeface="+mn-cs"/>
+              </a:defRPr>
+            </a:lvl7pPr>
+            <a:lvl8pPr marL="3429000" indent="-228600" algn="l" defTabSz="914400" rtl="0" eaLnBrk="1" latinLnBrk="0" hangingPunct="1">
+              <a:lnSpc>
+                <a:spcPct val="90000"/>
+              </a:lnSpc>
+              <a:spcBef>
+                <a:spcPts val="500"/>
+              </a:spcBef>
+              <a:buFont typeface="Arial" panose="020B0604020202020204" pitchFamily="34" charset="0"/>
+              <a:buChar char="•"/>
+              <a:defRPr sz="1800" kern="1200">
+                <a:solidFill>
+                  <a:schemeClr val="tx1"/>
+                </a:solidFill>
+                <a:latin typeface="+mn-lt"/>
+                <a:ea typeface="+mn-ea"/>
+                <a:cs typeface="+mn-cs"/>
+              </a:defRPr>
+            </a:lvl8pPr>
+            <a:lvl9pPr marL="3886200" indent="-228600" algn="l" defTabSz="914400" rtl="0" eaLnBrk="1" latinLnBrk="0" hangingPunct="1">
+              <a:lnSpc>
+                <a:spcPct val="90000"/>
+              </a:lnSpc>
+              <a:spcBef>
+                <a:spcPts val="500"/>
+              </a:spcBef>
+              <a:buFont typeface="Arial" panose="020B0604020202020204" pitchFamily="34" charset="0"/>
+              <a:buChar char="•"/>
+              <a:defRPr sz="1800" kern="1200">
+                <a:solidFill>
+                  <a:schemeClr val="tx1"/>
+                </a:solidFill>
+                <a:latin typeface="+mn-lt"/>
+                <a:ea typeface="+mn-ea"/>
+                <a:cs typeface="+mn-cs"/>
+              </a:defRPr>
+            </a:lvl9pPr>
+          </a:lstStyle>
+          <a:p>
+            <a:pPr marL="0" indent="0">
+              <a:buNone/>
+            </a:pPr>
+            <a:r>
+              <a:rPr lang="en-US" sz="4000" b="1" dirty="0">
+                <a:latin typeface="Vivaldi" panose="03020602050506090804" pitchFamily="66" charset="0"/>
+              </a:rPr>
+              <a:t>Homestays</a:t>
+            </a:r>
+          </a:p>
+        </p:txBody>
+      </p:sp>
+      <p:sp>
+        <p:nvSpPr>
+          <p:cNvPr id="16" name="Rectangle 15"/>
+          <p:cNvSpPr/>
+          <p:nvPr/>
+        </p:nvSpPr>
+        <p:spPr>
+          <a:xfrm>
+            <a:off x="2801618" y="3101927"/>
+            <a:ext cx="1818968" cy="415090"/>
+          </a:xfrm>
+          <a:prstGeom prst="rect">
+            <a:avLst/>
+          </a:prstGeom>
+          <a:solidFill>
+            <a:srgbClr val="FF5050"/>
+          </a:solidFill>
+          <a:effectLst>
+            <a:innerShdw blurRad="114300">
+              <a:prstClr val="black"/>
+            </a:innerShdw>
+          </a:effectLst>
+        </p:spPr>
+        <p:style>
+          <a:lnRef idx="0">
+            <a:schemeClr val="accent1"/>
+          </a:lnRef>
+          <a:fillRef idx="3">
+            <a:schemeClr val="accent1"/>
+          </a:fillRef>
+          <a:effectRef idx="3">
+            <a:schemeClr val="accent1"/>
+          </a:effectRef>
+          <a:fontRef idx="minor">
+            <a:schemeClr val="lt1"/>
+          </a:fontRef>
+        </p:style>
+        <p:txBody>
+          <a:bodyPr rtlCol="0" anchor="ctr"/>
+          <a:lstStyle/>
+          <a:p>
+            <a:pPr algn="ctr"/>
+            <a:r>
+              <a:rPr lang="en-US" dirty="0"/>
+              <a:t>East Sikkim</a:t>
+            </a:r>
+          </a:p>
+        </p:txBody>
+      </p:sp>
+      <p:sp>
+        <p:nvSpPr>
+          <p:cNvPr id="17" name="Rectangle 16"/>
+          <p:cNvSpPr/>
+          <p:nvPr/>
+        </p:nvSpPr>
+        <p:spPr>
+          <a:xfrm>
+            <a:off x="2809862" y="3632814"/>
+            <a:ext cx="1818968" cy="415090"/>
+          </a:xfrm>
+          <a:prstGeom prst="rect">
+            <a:avLst/>
+          </a:prstGeom>
+          <a:solidFill>
+            <a:srgbClr val="FF5050"/>
+          </a:solidFill>
+          <a:effectLst>
+            <a:innerShdw blurRad="114300">
+              <a:prstClr val="black"/>
+            </a:innerShdw>
+          </a:effectLst>
+        </p:spPr>
+        <p:style>
+          <a:lnRef idx="0">
+            <a:schemeClr val="accent1"/>
+          </a:lnRef>
+          <a:fillRef idx="3">
+            <a:schemeClr val="accent1"/>
+          </a:fillRef>
+          <a:effectRef idx="3">
+            <a:schemeClr val="accent1"/>
+          </a:effectRef>
+          <a:fontRef idx="minor">
+            <a:schemeClr val="lt1"/>
+          </a:fontRef>
+        </p:style>
+        <p:txBody>
+          <a:bodyPr rtlCol="0" anchor="ctr"/>
+          <a:lstStyle/>
+          <a:p>
+            <a:pPr algn="ctr"/>
+            <a:r>
+              <a:rPr lang="en-US" dirty="0"/>
+              <a:t>West Sikkim</a:t>
+            </a:r>
+          </a:p>
+        </p:txBody>
+      </p:sp>
+      <p:sp>
+        <p:nvSpPr>
+          <p:cNvPr id="18" name="Rectangle 17"/>
+          <p:cNvSpPr/>
+          <p:nvPr/>
+        </p:nvSpPr>
+        <p:spPr>
+          <a:xfrm>
+            <a:off x="2809862" y="4157066"/>
+            <a:ext cx="1818968" cy="415090"/>
+          </a:xfrm>
+          <a:prstGeom prst="rect">
+            <a:avLst/>
+          </a:prstGeom>
+          <a:solidFill>
+            <a:srgbClr val="FF5050"/>
+          </a:solidFill>
+          <a:effectLst>
+            <a:innerShdw blurRad="114300">
+              <a:prstClr val="black"/>
+            </a:innerShdw>
+          </a:effectLst>
+        </p:spPr>
+        <p:style>
+          <a:lnRef idx="0">
+            <a:schemeClr val="accent1"/>
+          </a:lnRef>
+          <a:fillRef idx="3">
+            <a:schemeClr val="accent1"/>
+          </a:fillRef>
+          <a:effectRef idx="3">
+            <a:schemeClr val="accent1"/>
+          </a:effectRef>
+          <a:fontRef idx="minor">
+            <a:schemeClr val="lt1"/>
+          </a:fontRef>
+        </p:style>
+        <p:txBody>
+          <a:bodyPr rtlCol="0" anchor="ctr"/>
+          <a:lstStyle/>
+          <a:p>
+            <a:pPr algn="ctr"/>
+            <a:r>
+              <a:rPr lang="en-US" dirty="0"/>
+              <a:t>South Sikkim</a:t>
+            </a:r>
+          </a:p>
+        </p:txBody>
+      </p:sp>
+      <p:sp>
+        <p:nvSpPr>
+          <p:cNvPr id="19" name="Rectangle 18"/>
+          <p:cNvSpPr/>
+          <p:nvPr/>
+        </p:nvSpPr>
+        <p:spPr>
+          <a:xfrm>
+            <a:off x="2798509" y="4699944"/>
+            <a:ext cx="1818968" cy="415090"/>
+          </a:xfrm>
+          <a:prstGeom prst="rect">
+            <a:avLst/>
+          </a:prstGeom>
+          <a:solidFill>
+            <a:srgbClr val="FF5050"/>
+          </a:solidFill>
+          <a:effectLst>
+            <a:innerShdw blurRad="114300">
+              <a:prstClr val="black"/>
+            </a:innerShdw>
+          </a:effectLst>
+        </p:spPr>
+        <p:style>
+          <a:lnRef idx="0">
+            <a:schemeClr val="accent1"/>
+          </a:lnRef>
+          <a:fillRef idx="3">
+            <a:schemeClr val="accent1"/>
+          </a:fillRef>
+          <a:effectRef idx="3">
+            <a:schemeClr val="accent1"/>
+          </a:effectRef>
+          <a:fontRef idx="minor">
+            <a:schemeClr val="lt1"/>
+          </a:fontRef>
+        </p:style>
+        <p:txBody>
+          <a:bodyPr rtlCol="0" anchor="ctr"/>
+          <a:lstStyle/>
+          <a:p>
+            <a:pPr algn="ctr"/>
+            <a:r>
+              <a:rPr lang="en-US" dirty="0"/>
+              <a:t>North Sikkim</a:t>
+            </a:r>
+          </a:p>
+        </p:txBody>
+      </p:sp>
+      <p:pic>
+        <p:nvPicPr>
+          <p:cNvPr id="20" name="Picture 19"/>
+          <p:cNvPicPr>
+            <a:picLocks noChangeAspect="1"/>
+          </p:cNvPicPr>
+          <p:nvPr/>
+        </p:nvPicPr>
+        <p:blipFill>
+          <a:blip r:embed="rId2" cstate="print">
+            <a:extLst>
+              <a:ext uri="{28A0092B-C50C-407E-A947-70E740481C1C}">
+                <a14:useLocalDpi xmlns:a14="http://schemas.microsoft.com/office/drawing/2010/main" val="0"/>
+              </a:ext>
+            </a:extLst>
+          </a:blip>
+          <a:stretch>
+            <a:fillRect/>
+          </a:stretch>
+        </p:blipFill>
+        <p:spPr>
+          <a:xfrm>
+            <a:off x="5018842" y="2002083"/>
+            <a:ext cx="2194899" cy="4389797"/>
+          </a:xfrm>
+          <a:prstGeom prst="rect">
+            <a:avLst/>
+          </a:prstGeom>
+        </p:spPr>
+      </p:pic>
+      <p:sp>
+        <p:nvSpPr>
+          <p:cNvPr id="21" name="Title 1"/>
+          <p:cNvSpPr txBox="1">
+            <a:spLocks/>
+          </p:cNvSpPr>
+          <p:nvPr/>
+        </p:nvSpPr>
+        <p:spPr>
+          <a:xfrm>
+            <a:off x="5103633" y="2589982"/>
+            <a:ext cx="2025316" cy="830179"/>
+          </a:xfrm>
+          <a:prstGeom prst="rect">
+            <a:avLst/>
+          </a:prstGeom>
+        </p:spPr>
+        <p:txBody>
+          <a:bodyPr vert="horz" lIns="91440" tIns="45720" rIns="91440" bIns="45720" rtlCol="0">
+            <a:normAutofit fontScale="85000" lnSpcReduction="10000"/>
+          </a:bodyPr>
+          <a:lstStyle>
+            <a:lvl1pPr marL="228600" indent="-228600" algn="l" defTabSz="914400" rtl="0" eaLnBrk="1" latinLnBrk="0" hangingPunct="1">
+              <a:lnSpc>
+                <a:spcPct val="90000"/>
+              </a:lnSpc>
+              <a:spcBef>
+                <a:spcPts val="1000"/>
+              </a:spcBef>
+              <a:buFont typeface="Arial" panose="020B0604020202020204" pitchFamily="34" charset="0"/>
+              <a:buChar char="•"/>
+              <a:defRPr sz="2800" kern="1200">
+                <a:solidFill>
+                  <a:schemeClr val="tx1"/>
+                </a:solidFill>
+                <a:latin typeface="+mn-lt"/>
+                <a:ea typeface="+mn-ea"/>
+                <a:cs typeface="+mn-cs"/>
+              </a:defRPr>
+            </a:lvl1pPr>
+            <a:lvl2pPr marL="685800" indent="-228600" algn="l" defTabSz="914400" rtl="0" eaLnBrk="1" latinLnBrk="0" hangingPunct="1">
+              <a:lnSpc>
+                <a:spcPct val="90000"/>
+              </a:lnSpc>
+              <a:spcBef>
+                <a:spcPts val="500"/>
+              </a:spcBef>
+              <a:buFont typeface="Arial" panose="020B0604020202020204" pitchFamily="34" charset="0"/>
+              <a:buChar char="•"/>
+              <a:defRPr sz="2400" kern="1200">
+                <a:solidFill>
+                  <a:schemeClr val="tx1"/>
+                </a:solidFill>
+                <a:latin typeface="+mn-lt"/>
+                <a:ea typeface="+mn-ea"/>
+                <a:cs typeface="+mn-cs"/>
+              </a:defRPr>
+            </a:lvl2pPr>
+            <a:lvl3pPr marL="1143000" indent="-228600" algn="l" defTabSz="914400" rtl="0" eaLnBrk="1" latinLnBrk="0" hangingPunct="1">
+              <a:lnSpc>
+                <a:spcPct val="90000"/>
+              </a:lnSpc>
+              <a:spcBef>
+                <a:spcPts val="500"/>
+              </a:spcBef>
+              <a:buFont typeface="Arial" panose="020B0604020202020204" pitchFamily="34" charset="0"/>
+              <a:buChar char="•"/>
+              <a:defRPr sz="2000" kern="1200">
+                <a:solidFill>
+                  <a:schemeClr val="tx1"/>
+                </a:solidFill>
+                <a:latin typeface="+mn-lt"/>
+                <a:ea typeface="+mn-ea"/>
+                <a:cs typeface="+mn-cs"/>
+              </a:defRPr>
+            </a:lvl3pPr>
+            <a:lvl4pPr marL="1600200" indent="-228600" algn="l" defTabSz="914400" rtl="0" eaLnBrk="1" latinLnBrk="0" hangingPunct="1">
+              <a:lnSpc>
+                <a:spcPct val="90000"/>
+              </a:lnSpc>
+              <a:spcBef>
+                <a:spcPts val="500"/>
+              </a:spcBef>
+              <a:buFont typeface="Arial" panose="020B0604020202020204" pitchFamily="34" charset="0"/>
+              <a:buChar char="•"/>
+              <a:defRPr sz="1800" kern="1200">
+                <a:solidFill>
+                  <a:schemeClr val="tx1"/>
+                </a:solidFill>
+                <a:latin typeface="+mn-lt"/>
+                <a:ea typeface="+mn-ea"/>
+                <a:cs typeface="+mn-cs"/>
+              </a:defRPr>
+            </a:lvl4pPr>
+            <a:lvl5pPr marL="2057400" indent="-228600" algn="l" defTabSz="914400" rtl="0" eaLnBrk="1" latinLnBrk="0" hangingPunct="1">
+              <a:lnSpc>
+                <a:spcPct val="90000"/>
+              </a:lnSpc>
+              <a:spcBef>
+                <a:spcPts val="500"/>
+              </a:spcBef>
+              <a:buFont typeface="Arial" panose="020B0604020202020204" pitchFamily="34" charset="0"/>
+              <a:buChar char="•"/>
+              <a:defRPr sz="1800" kern="1200">
+                <a:solidFill>
+                  <a:schemeClr val="tx1"/>
+                </a:solidFill>
+                <a:latin typeface="+mn-lt"/>
+                <a:ea typeface="+mn-ea"/>
+                <a:cs typeface="+mn-cs"/>
+              </a:defRPr>
+            </a:lvl5pPr>
+            <a:lvl6pPr marL="2514600" indent="-228600" algn="l" defTabSz="914400" rtl="0" eaLnBrk="1" latinLnBrk="0" hangingPunct="1">
+              <a:lnSpc>
+                <a:spcPct val="90000"/>
+              </a:lnSpc>
+              <a:spcBef>
+                <a:spcPts val="500"/>
+              </a:spcBef>
+              <a:buFont typeface="Arial" panose="020B0604020202020204" pitchFamily="34" charset="0"/>
+              <a:buChar char="•"/>
+              <a:defRPr sz="1800" kern="1200">
+                <a:solidFill>
+                  <a:schemeClr val="tx1"/>
+                </a:solidFill>
+                <a:latin typeface="+mn-lt"/>
+                <a:ea typeface="+mn-ea"/>
+                <a:cs typeface="+mn-cs"/>
+              </a:defRPr>
+            </a:lvl6pPr>
+            <a:lvl7pPr marL="2971800" indent="-228600" algn="l" defTabSz="914400" rtl="0" eaLnBrk="1" latinLnBrk="0" hangingPunct="1">
+              <a:lnSpc>
+                <a:spcPct val="90000"/>
+              </a:lnSpc>
+              <a:spcBef>
+                <a:spcPts val="500"/>
+              </a:spcBef>
+              <a:buFont typeface="Arial" panose="020B0604020202020204" pitchFamily="34" charset="0"/>
+              <a:buChar char="•"/>
+              <a:defRPr sz="1800" kern="1200">
+                <a:solidFill>
+                  <a:schemeClr val="tx1"/>
+                </a:solidFill>
+                <a:latin typeface="+mn-lt"/>
+                <a:ea typeface="+mn-ea"/>
+                <a:cs typeface="+mn-cs"/>
+              </a:defRPr>
+            </a:lvl7pPr>
+            <a:lvl8pPr marL="3429000" indent="-228600" algn="l" defTabSz="914400" rtl="0" eaLnBrk="1" latinLnBrk="0" hangingPunct="1">
+              <a:lnSpc>
+                <a:spcPct val="90000"/>
+              </a:lnSpc>
+              <a:spcBef>
+                <a:spcPts val="500"/>
+              </a:spcBef>
+              <a:buFont typeface="Arial" panose="020B0604020202020204" pitchFamily="34" charset="0"/>
+              <a:buChar char="•"/>
+              <a:defRPr sz="1800" kern="1200">
+                <a:solidFill>
+                  <a:schemeClr val="tx1"/>
+                </a:solidFill>
+                <a:latin typeface="+mn-lt"/>
+                <a:ea typeface="+mn-ea"/>
+                <a:cs typeface="+mn-cs"/>
+              </a:defRPr>
+            </a:lvl8pPr>
+            <a:lvl9pPr marL="3886200" indent="-228600" algn="l" defTabSz="914400" rtl="0" eaLnBrk="1" latinLnBrk="0" hangingPunct="1">
+              <a:lnSpc>
+                <a:spcPct val="90000"/>
+              </a:lnSpc>
+              <a:spcBef>
+                <a:spcPts val="500"/>
+              </a:spcBef>
+              <a:buFont typeface="Arial" panose="020B0604020202020204" pitchFamily="34" charset="0"/>
+              <a:buChar char="•"/>
+              <a:defRPr sz="1800" kern="1200">
+                <a:solidFill>
+                  <a:schemeClr val="tx1"/>
+                </a:solidFill>
+                <a:latin typeface="+mn-lt"/>
+                <a:ea typeface="+mn-ea"/>
+                <a:cs typeface="+mn-cs"/>
+              </a:defRPr>
+            </a:lvl9pPr>
+          </a:lstStyle>
+          <a:p>
+            <a:pPr marL="0" indent="0">
+              <a:buNone/>
+            </a:pPr>
+            <a:r>
+              <a:rPr lang="en-US" sz="4000" b="1" dirty="0">
+                <a:latin typeface="Vivaldi" panose="03020602050506090804" pitchFamily="66" charset="0"/>
+              </a:rPr>
+              <a:t>Homestays</a:t>
+            </a:r>
+          </a:p>
+        </p:txBody>
+      </p:sp>
+      <p:sp>
+        <p:nvSpPr>
+          <p:cNvPr id="22" name="Rectangle 21"/>
+          <p:cNvSpPr/>
+          <p:nvPr/>
+        </p:nvSpPr>
+        <p:spPr>
+          <a:xfrm>
+            <a:off x="5210598" y="3068887"/>
+            <a:ext cx="1811383" cy="783772"/>
+          </a:xfrm>
+          <a:prstGeom prst="rect">
+            <a:avLst/>
+          </a:prstGeom>
+          <a:solidFill>
+            <a:srgbClr val="FF5050"/>
+          </a:solidFill>
+          <a:effectLst>
+            <a:innerShdw blurRad="114300">
+              <a:prstClr val="black"/>
+            </a:innerShdw>
+          </a:effectLst>
+        </p:spPr>
+        <p:style>
+          <a:lnRef idx="0">
+            <a:schemeClr val="accent1"/>
+          </a:lnRef>
+          <a:fillRef idx="3">
+            <a:schemeClr val="accent1"/>
+          </a:fillRef>
+          <a:effectRef idx="3">
+            <a:schemeClr val="accent1"/>
+          </a:effectRef>
+          <a:fontRef idx="minor">
+            <a:schemeClr val="lt1"/>
+          </a:fontRef>
+        </p:style>
+        <p:txBody>
+          <a:bodyPr rtlCol="0" anchor="ctr"/>
+          <a:lstStyle/>
+          <a:p>
+            <a:pPr algn="ctr"/>
+            <a:r>
+              <a:rPr lang="en-US" dirty="0"/>
+              <a:t>Homestay 1</a:t>
+            </a:r>
+          </a:p>
+        </p:txBody>
+      </p:sp>
+      <p:sp>
+        <p:nvSpPr>
+          <p:cNvPr id="23" name="Rectangle 22"/>
+          <p:cNvSpPr/>
+          <p:nvPr/>
+        </p:nvSpPr>
+        <p:spPr>
+          <a:xfrm>
+            <a:off x="5210598" y="4079320"/>
+            <a:ext cx="1811383" cy="783772"/>
+          </a:xfrm>
+          <a:prstGeom prst="rect">
+            <a:avLst/>
+          </a:prstGeom>
+          <a:solidFill>
+            <a:srgbClr val="FF5050"/>
+          </a:solidFill>
+          <a:effectLst>
+            <a:innerShdw blurRad="114300">
+              <a:prstClr val="black"/>
+            </a:innerShdw>
+          </a:effectLst>
+        </p:spPr>
+        <p:style>
+          <a:lnRef idx="0">
+            <a:schemeClr val="accent1"/>
+          </a:lnRef>
+          <a:fillRef idx="3">
+            <a:schemeClr val="accent1"/>
+          </a:fillRef>
+          <a:effectRef idx="3">
+            <a:schemeClr val="accent1"/>
+          </a:effectRef>
+          <a:fontRef idx="minor">
+            <a:schemeClr val="lt1"/>
+          </a:fontRef>
+        </p:style>
+        <p:txBody>
+          <a:bodyPr rtlCol="0" anchor="ctr"/>
+          <a:lstStyle/>
+          <a:p>
+            <a:pPr algn="ctr"/>
+            <a:r>
+              <a:rPr lang="en-US" dirty="0"/>
+              <a:t>Homestay 2</a:t>
+            </a:r>
+          </a:p>
+        </p:txBody>
+      </p:sp>
+      <p:sp>
+        <p:nvSpPr>
+          <p:cNvPr id="24" name="Rectangle 23"/>
+          <p:cNvSpPr/>
+          <p:nvPr/>
+        </p:nvSpPr>
+        <p:spPr>
+          <a:xfrm>
+            <a:off x="5210598" y="5034292"/>
+            <a:ext cx="1811383" cy="783772"/>
+          </a:xfrm>
+          <a:prstGeom prst="rect">
+            <a:avLst/>
+          </a:prstGeom>
+          <a:solidFill>
+            <a:srgbClr val="FF5050"/>
+          </a:solidFill>
+          <a:effectLst>
+            <a:innerShdw blurRad="114300">
+              <a:prstClr val="black"/>
+            </a:innerShdw>
+          </a:effectLst>
+        </p:spPr>
+        <p:style>
+          <a:lnRef idx="0">
+            <a:schemeClr val="accent1"/>
+          </a:lnRef>
+          <a:fillRef idx="3">
+            <a:schemeClr val="accent1"/>
+          </a:fillRef>
+          <a:effectRef idx="3">
+            <a:schemeClr val="accent1"/>
+          </a:effectRef>
+          <a:fontRef idx="minor">
+            <a:schemeClr val="lt1"/>
+          </a:fontRef>
+        </p:style>
+        <p:txBody>
+          <a:bodyPr rtlCol="0" anchor="ctr"/>
+          <a:lstStyle/>
+          <a:p>
+            <a:pPr algn="ctr"/>
+            <a:r>
+              <a:rPr lang="en-US" dirty="0"/>
+              <a:t>Homestay …</a:t>
+            </a:r>
+          </a:p>
+        </p:txBody>
+      </p:sp>
+      <p:pic>
+        <p:nvPicPr>
+          <p:cNvPr id="25" name="Picture 24"/>
+          <p:cNvPicPr>
+            <a:picLocks noChangeAspect="1"/>
+          </p:cNvPicPr>
+          <p:nvPr/>
+        </p:nvPicPr>
+        <p:blipFill>
+          <a:blip r:embed="rId2" cstate="print">
+            <a:extLst>
+              <a:ext uri="{28A0092B-C50C-407E-A947-70E740481C1C}">
+                <a14:useLocalDpi xmlns:a14="http://schemas.microsoft.com/office/drawing/2010/main" val="0"/>
+              </a:ext>
+            </a:extLst>
+          </a:blip>
+          <a:stretch>
+            <a:fillRect/>
+          </a:stretch>
+        </p:blipFill>
+        <p:spPr>
+          <a:xfrm>
+            <a:off x="7427140" y="1975028"/>
+            <a:ext cx="2194899" cy="4389797"/>
+          </a:xfrm>
+          <a:prstGeom prst="rect">
+            <a:avLst/>
+          </a:prstGeom>
+        </p:spPr>
+      </p:pic>
+      <p:pic>
+        <p:nvPicPr>
+          <p:cNvPr id="26" name="Picture 25"/>
+          <p:cNvPicPr>
+            <a:picLocks noChangeAspect="1"/>
+          </p:cNvPicPr>
+          <p:nvPr/>
+        </p:nvPicPr>
+        <p:blipFill>
+          <a:blip r:embed="rId2" cstate="print">
+            <a:extLst>
+              <a:ext uri="{28A0092B-C50C-407E-A947-70E740481C1C}">
+                <a14:useLocalDpi xmlns:a14="http://schemas.microsoft.com/office/drawing/2010/main" val="0"/>
+              </a:ext>
+            </a:extLst>
+          </a:blip>
+          <a:stretch>
+            <a:fillRect/>
+          </a:stretch>
+        </p:blipFill>
+        <p:spPr>
+          <a:xfrm>
+            <a:off x="9863591" y="2017593"/>
+            <a:ext cx="2194899" cy="4389797"/>
+          </a:xfrm>
+          <a:prstGeom prst="rect">
+            <a:avLst/>
+          </a:prstGeom>
+        </p:spPr>
+      </p:pic>
+      <p:sp>
+        <p:nvSpPr>
+          <p:cNvPr id="27" name="Rectangle 26"/>
+          <p:cNvSpPr/>
+          <p:nvPr/>
+        </p:nvSpPr>
+        <p:spPr>
+          <a:xfrm>
+            <a:off x="7624191" y="3101927"/>
+            <a:ext cx="1811383" cy="783772"/>
+          </a:xfrm>
+          <a:prstGeom prst="rect">
+            <a:avLst/>
+          </a:prstGeom>
+          <a:solidFill>
+            <a:srgbClr val="FF5050"/>
+          </a:solidFill>
+          <a:effectLst>
+            <a:innerShdw blurRad="114300">
+              <a:prstClr val="black"/>
+            </a:innerShdw>
+          </a:effectLst>
+        </p:spPr>
+        <p:style>
+          <a:lnRef idx="0">
+            <a:schemeClr val="accent1"/>
+          </a:lnRef>
+          <a:fillRef idx="3">
+            <a:schemeClr val="accent1"/>
+          </a:fillRef>
+          <a:effectRef idx="3">
+            <a:schemeClr val="accent1"/>
+          </a:effectRef>
+          <a:fontRef idx="minor">
+            <a:schemeClr val="lt1"/>
+          </a:fontRef>
+        </p:style>
+        <p:txBody>
+          <a:bodyPr rtlCol="0" anchor="ctr"/>
+          <a:lstStyle/>
+          <a:p>
+            <a:pPr algn="ctr"/>
+            <a:r>
+              <a:rPr lang="en-US" dirty="0"/>
+              <a:t>Homestay 1</a:t>
+            </a:r>
+          </a:p>
+        </p:txBody>
+      </p:sp>
+      <p:sp>
+        <p:nvSpPr>
+          <p:cNvPr id="28" name="Title 1"/>
+          <p:cNvSpPr txBox="1">
+            <a:spLocks/>
+          </p:cNvSpPr>
+          <p:nvPr/>
+        </p:nvSpPr>
+        <p:spPr>
+          <a:xfrm>
+            <a:off x="7483235" y="2589705"/>
+            <a:ext cx="2025316" cy="830179"/>
+          </a:xfrm>
+          <a:prstGeom prst="rect">
+            <a:avLst/>
+          </a:prstGeom>
+        </p:spPr>
+        <p:txBody>
+          <a:bodyPr vert="horz" lIns="91440" tIns="45720" rIns="91440" bIns="45720" rtlCol="0">
+            <a:normAutofit fontScale="85000" lnSpcReduction="10000"/>
+          </a:bodyPr>
+          <a:lstStyle>
+            <a:lvl1pPr marL="228600" indent="-228600" algn="l" defTabSz="914400" rtl="0" eaLnBrk="1" latinLnBrk="0" hangingPunct="1">
+              <a:lnSpc>
+                <a:spcPct val="90000"/>
+              </a:lnSpc>
+              <a:spcBef>
+                <a:spcPts val="1000"/>
+              </a:spcBef>
+              <a:buFont typeface="Arial" panose="020B0604020202020204" pitchFamily="34" charset="0"/>
+              <a:buChar char="•"/>
+              <a:defRPr sz="2800" kern="1200">
+                <a:solidFill>
+                  <a:schemeClr val="tx1"/>
+                </a:solidFill>
+                <a:latin typeface="+mn-lt"/>
+                <a:ea typeface="+mn-ea"/>
+                <a:cs typeface="+mn-cs"/>
+              </a:defRPr>
+            </a:lvl1pPr>
+            <a:lvl2pPr marL="685800" indent="-228600" algn="l" defTabSz="914400" rtl="0" eaLnBrk="1" latinLnBrk="0" hangingPunct="1">
+              <a:lnSpc>
+                <a:spcPct val="90000"/>
+              </a:lnSpc>
+              <a:spcBef>
+                <a:spcPts val="500"/>
+              </a:spcBef>
+              <a:buFont typeface="Arial" panose="020B0604020202020204" pitchFamily="34" charset="0"/>
+              <a:buChar char="•"/>
+              <a:defRPr sz="2400" kern="1200">
+                <a:solidFill>
+                  <a:schemeClr val="tx1"/>
+                </a:solidFill>
+                <a:latin typeface="+mn-lt"/>
+                <a:ea typeface="+mn-ea"/>
+                <a:cs typeface="+mn-cs"/>
+              </a:defRPr>
+            </a:lvl2pPr>
+            <a:lvl3pPr marL="1143000" indent="-228600" algn="l" defTabSz="914400" rtl="0" eaLnBrk="1" latinLnBrk="0" hangingPunct="1">
+              <a:lnSpc>
+                <a:spcPct val="90000"/>
+              </a:lnSpc>
+              <a:spcBef>
+                <a:spcPts val="500"/>
+              </a:spcBef>
+              <a:buFont typeface="Arial" panose="020B0604020202020204" pitchFamily="34" charset="0"/>
+              <a:buChar char="•"/>
+              <a:defRPr sz="2000" kern="1200">
+                <a:solidFill>
+                  <a:schemeClr val="tx1"/>
+                </a:solidFill>
+                <a:latin typeface="+mn-lt"/>
+                <a:ea typeface="+mn-ea"/>
+                <a:cs typeface="+mn-cs"/>
+              </a:defRPr>
+            </a:lvl3pPr>
+            <a:lvl4pPr marL="1600200" indent="-228600" algn="l" defTabSz="914400" rtl="0" eaLnBrk="1" latinLnBrk="0" hangingPunct="1">
+              <a:lnSpc>
+                <a:spcPct val="90000"/>
+              </a:lnSpc>
+              <a:spcBef>
+                <a:spcPts val="500"/>
+              </a:spcBef>
+              <a:buFont typeface="Arial" panose="020B0604020202020204" pitchFamily="34" charset="0"/>
+              <a:buChar char="•"/>
+              <a:defRPr sz="1800" kern="1200">
+                <a:solidFill>
+                  <a:schemeClr val="tx1"/>
+                </a:solidFill>
+                <a:latin typeface="+mn-lt"/>
+                <a:ea typeface="+mn-ea"/>
+                <a:cs typeface="+mn-cs"/>
+              </a:defRPr>
+            </a:lvl4pPr>
+            <a:lvl5pPr marL="2057400" indent="-228600" algn="l" defTabSz="914400" rtl="0" eaLnBrk="1" latinLnBrk="0" hangingPunct="1">
+              <a:lnSpc>
+                <a:spcPct val="90000"/>
+              </a:lnSpc>
+              <a:spcBef>
+                <a:spcPts val="500"/>
+              </a:spcBef>
+              <a:buFont typeface="Arial" panose="020B0604020202020204" pitchFamily="34" charset="0"/>
+              <a:buChar char="•"/>
+              <a:defRPr sz="1800" kern="1200">
+                <a:solidFill>
+                  <a:schemeClr val="tx1"/>
+                </a:solidFill>
+                <a:latin typeface="+mn-lt"/>
+                <a:ea typeface="+mn-ea"/>
+                <a:cs typeface="+mn-cs"/>
+              </a:defRPr>
+            </a:lvl5pPr>
+            <a:lvl6pPr marL="2514600" indent="-228600" algn="l" defTabSz="914400" rtl="0" eaLnBrk="1" latinLnBrk="0" hangingPunct="1">
+              <a:lnSpc>
+                <a:spcPct val="90000"/>
+              </a:lnSpc>
+              <a:spcBef>
+                <a:spcPts val="500"/>
+              </a:spcBef>
+              <a:buFont typeface="Arial" panose="020B0604020202020204" pitchFamily="34" charset="0"/>
+              <a:buChar char="•"/>
+              <a:defRPr sz="1800" kern="1200">
+                <a:solidFill>
+                  <a:schemeClr val="tx1"/>
+                </a:solidFill>
+                <a:latin typeface="+mn-lt"/>
+                <a:ea typeface="+mn-ea"/>
+                <a:cs typeface="+mn-cs"/>
+              </a:defRPr>
+            </a:lvl6pPr>
+            <a:lvl7pPr marL="2971800" indent="-228600" algn="l" defTabSz="914400" rtl="0" eaLnBrk="1" latinLnBrk="0" hangingPunct="1">
+              <a:lnSpc>
+                <a:spcPct val="90000"/>
+              </a:lnSpc>
+              <a:spcBef>
+                <a:spcPts val="500"/>
+              </a:spcBef>
+              <a:buFont typeface="Arial" panose="020B0604020202020204" pitchFamily="34" charset="0"/>
+              <a:buChar char="•"/>
+              <a:defRPr sz="1800" kern="1200">
+                <a:solidFill>
+                  <a:schemeClr val="tx1"/>
+                </a:solidFill>
+                <a:latin typeface="+mn-lt"/>
+                <a:ea typeface="+mn-ea"/>
+                <a:cs typeface="+mn-cs"/>
+              </a:defRPr>
+            </a:lvl7pPr>
+            <a:lvl8pPr marL="3429000" indent="-228600" algn="l" defTabSz="914400" rtl="0" eaLnBrk="1" latinLnBrk="0" hangingPunct="1">
+              <a:lnSpc>
+                <a:spcPct val="90000"/>
+              </a:lnSpc>
+              <a:spcBef>
+                <a:spcPts val="500"/>
+              </a:spcBef>
+              <a:buFont typeface="Arial" panose="020B0604020202020204" pitchFamily="34" charset="0"/>
+              <a:buChar char="•"/>
+              <a:defRPr sz="1800" kern="1200">
+                <a:solidFill>
+                  <a:schemeClr val="tx1"/>
+                </a:solidFill>
+                <a:latin typeface="+mn-lt"/>
+                <a:ea typeface="+mn-ea"/>
+                <a:cs typeface="+mn-cs"/>
+              </a:defRPr>
+            </a:lvl8pPr>
+            <a:lvl9pPr marL="3886200" indent="-228600" algn="l" defTabSz="914400" rtl="0" eaLnBrk="1" latinLnBrk="0" hangingPunct="1">
+              <a:lnSpc>
+                <a:spcPct val="90000"/>
+              </a:lnSpc>
+              <a:spcBef>
+                <a:spcPts val="500"/>
+              </a:spcBef>
+              <a:buFont typeface="Arial" panose="020B0604020202020204" pitchFamily="34" charset="0"/>
+              <a:buChar char="•"/>
+              <a:defRPr sz="1800" kern="1200">
+                <a:solidFill>
+                  <a:schemeClr val="tx1"/>
+                </a:solidFill>
+                <a:latin typeface="+mn-lt"/>
+                <a:ea typeface="+mn-ea"/>
+                <a:cs typeface="+mn-cs"/>
+              </a:defRPr>
+            </a:lvl9pPr>
+          </a:lstStyle>
+          <a:p>
+            <a:pPr marL="0" indent="0">
+              <a:buNone/>
+            </a:pPr>
+            <a:r>
+              <a:rPr lang="en-US" sz="4000" b="1" dirty="0">
+                <a:latin typeface="Vivaldi" panose="03020602050506090804" pitchFamily="66" charset="0"/>
+              </a:rPr>
+              <a:t>Homestays</a:t>
+            </a:r>
+          </a:p>
+        </p:txBody>
+      </p:sp>
+      <p:sp>
+        <p:nvSpPr>
+          <p:cNvPr id="29" name="Rectangle 28"/>
+          <p:cNvSpPr/>
+          <p:nvPr/>
+        </p:nvSpPr>
+        <p:spPr>
+          <a:xfrm>
+            <a:off x="7929066" y="3871991"/>
+            <a:ext cx="1219200" cy="1346858"/>
+          </a:xfrm>
+          <a:prstGeom prst="rect">
+            <a:avLst/>
+          </a:prstGeom>
+          <a:solidFill>
+            <a:srgbClr val="FF5050"/>
+          </a:solidFill>
+          <a:effectLst>
+            <a:innerShdw blurRad="114300">
+              <a:prstClr val="black"/>
+            </a:innerShdw>
+          </a:effectLst>
+        </p:spPr>
+        <p:style>
+          <a:lnRef idx="0">
+            <a:schemeClr val="accent1"/>
+          </a:lnRef>
+          <a:fillRef idx="3">
+            <a:schemeClr val="accent1"/>
+          </a:fillRef>
+          <a:effectRef idx="3">
+            <a:schemeClr val="accent1"/>
+          </a:effectRef>
+          <a:fontRef idx="minor">
+            <a:schemeClr val="lt1"/>
+          </a:fontRef>
+        </p:style>
+        <p:txBody>
+          <a:bodyPr rtlCol="0" anchor="ctr"/>
+          <a:lstStyle/>
+          <a:p>
+            <a:pPr algn="ctr"/>
+            <a:r>
+              <a:rPr lang="en-US" dirty="0"/>
+              <a:t>Details </a:t>
+            </a:r>
+          </a:p>
+          <a:p>
+            <a:pPr algn="ctr"/>
+            <a:endParaRPr lang="en-US" dirty="0"/>
+          </a:p>
+          <a:p>
+            <a:pPr algn="ctr"/>
+            <a:r>
+              <a:rPr lang="en-US" dirty="0"/>
+              <a:t>Price</a:t>
+            </a:r>
+          </a:p>
+          <a:p>
+            <a:pPr algn="ctr"/>
+            <a:endParaRPr lang="en-US" dirty="0"/>
+          </a:p>
+        </p:txBody>
+      </p:sp>
+      <p:sp>
+        <p:nvSpPr>
+          <p:cNvPr id="30" name="Rectangle 29"/>
+          <p:cNvSpPr/>
+          <p:nvPr/>
+        </p:nvSpPr>
+        <p:spPr>
+          <a:xfrm>
+            <a:off x="7688461" y="5279070"/>
+            <a:ext cx="1672256" cy="391886"/>
+          </a:xfrm>
+          <a:prstGeom prst="rect">
+            <a:avLst/>
+          </a:prstGeom>
+          <a:solidFill>
+            <a:srgbClr val="009900"/>
+          </a:solidFill>
+        </p:spPr>
+        <p:style>
+          <a:lnRef idx="2">
+            <a:schemeClr val="accent1">
+              <a:shade val="50000"/>
+            </a:schemeClr>
+          </a:lnRef>
+          <a:fillRef idx="1">
+            <a:schemeClr val="accent1"/>
+          </a:fillRef>
+          <a:effectRef idx="0">
+            <a:schemeClr val="accent1"/>
+          </a:effectRef>
+          <a:fontRef idx="minor">
+            <a:schemeClr val="lt1"/>
+          </a:fontRef>
+        </p:style>
+        <p:txBody>
+          <a:bodyPr rtlCol="0" anchor="ctr"/>
+          <a:lstStyle/>
+          <a:p>
+            <a:pPr algn="ctr"/>
+            <a:r>
+              <a:rPr lang="en-US" dirty="0" smtClean="0"/>
+              <a:t>Book</a:t>
+            </a:r>
+            <a:endParaRPr lang="en-US" dirty="0"/>
+          </a:p>
+        </p:txBody>
+      </p:sp>
+      <p:pic>
+        <p:nvPicPr>
+          <p:cNvPr id="5122" name="Picture 2" descr="Image result for paytm payment gateway page android"/>
+          <p:cNvPicPr>
+            <a:picLocks noChangeAspect="1" noChangeArrowheads="1"/>
+          </p:cNvPicPr>
+          <p:nvPr/>
+        </p:nvPicPr>
+        <p:blipFill>
+          <a:blip r:embed="rId4" cstate="print">
+            <a:extLst>
+              <a:ext uri="{28A0092B-C50C-407E-A947-70E740481C1C}">
+                <a14:useLocalDpi xmlns:a14="http://schemas.microsoft.com/office/drawing/2010/main" val="0"/>
+              </a:ext>
+            </a:extLst>
+          </a:blip>
+          <a:srcRect/>
+          <a:stretch>
+            <a:fillRect/>
+          </a:stretch>
+        </p:blipFill>
+        <p:spPr bwMode="auto">
+          <a:xfrm>
+            <a:off x="10034057" y="2550610"/>
+            <a:ext cx="1853965" cy="3295938"/>
+          </a:xfrm>
+          <a:prstGeom prst="rect">
+            <a:avLst/>
+          </a:prstGeom>
+          <a:noFill/>
+          <a:extLst>
+            <a:ext uri="{909E8E84-426E-40DD-AFC4-6F175D3DCCD1}">
+              <a14:hiddenFill xmlns:a14="http://schemas.microsoft.com/office/drawing/2010/main">
+                <a:solidFill>
+                  <a:srgbClr val="FFFFFF"/>
+                </a:solidFill>
+              </a14:hiddenFill>
+            </a:ext>
+          </a:extLst>
+        </p:spPr>
+      </p:pic>
+      <p:sp>
+        <p:nvSpPr>
+          <p:cNvPr id="31" name="TextBox 30"/>
+          <p:cNvSpPr txBox="1"/>
+          <p:nvPr/>
+        </p:nvSpPr>
+        <p:spPr>
+          <a:xfrm>
+            <a:off x="4957629" y="6423463"/>
+            <a:ext cx="2581541" cy="369332"/>
+          </a:xfrm>
+          <a:prstGeom prst="rect">
+            <a:avLst/>
+          </a:prstGeom>
+          <a:noFill/>
+        </p:spPr>
+        <p:txBody>
+          <a:bodyPr wrap="none" rtlCol="0">
+            <a:spAutoFit/>
+          </a:bodyPr>
+          <a:lstStyle/>
+          <a:p>
+            <a:r>
+              <a:rPr lang="en-US" dirty="0" smtClean="0">
+                <a:solidFill>
+                  <a:schemeClr val="bg1"/>
+                </a:solidFill>
+              </a:rPr>
+              <a:t>Figure </a:t>
+            </a:r>
+            <a:r>
+              <a:rPr lang="en-US" dirty="0">
+                <a:solidFill>
+                  <a:schemeClr val="bg1"/>
+                </a:solidFill>
+              </a:rPr>
+              <a:t>4</a:t>
+            </a:r>
+            <a:r>
+              <a:rPr lang="en-US" dirty="0" smtClean="0">
+                <a:solidFill>
+                  <a:schemeClr val="bg1"/>
+                </a:solidFill>
+              </a:rPr>
+              <a:t>: Mock Up Screen</a:t>
+            </a:r>
+            <a:endParaRPr lang="en-US" dirty="0">
+              <a:solidFill>
+                <a:schemeClr val="bg1"/>
+              </a:solidFill>
+            </a:endParaRPr>
+          </a:p>
+        </p:txBody>
+      </p:sp>
     </p:spTree>
     <p:extLst>
       <p:ext uri="{BB962C8B-B14F-4D97-AF65-F5344CB8AC3E}">
-        <p14:creationId xmlns:p14="http://schemas.microsoft.com/office/powerpoint/2010/main" val="744753134"/>
+        <p14:creationId xmlns:p14="http://schemas.microsoft.com/office/powerpoint/2010/main" val="2891893153"/>
+      </p:ext>
+    </p:extLst>
+  </p:cSld>
+  <p:clrMapOvr>
+    <a:masterClrMapping/>
+  </p:clrMapOvr>
+  <p:timing>
+    <p:tnLst>
+      <p:par>
+        <p:cTn id="1" dur="indefinite" restart="never" nodeType="tmRoot"/>
+      </p:par>
+    </p:tnLst>
+  </p:timing>
+</p:sld>
+</file>
+
+<file path=ppt/slides/slide17.xml><?xml version="1.0" encoding="utf-8"?>
+<p:sld xmlns:a="http://schemas.openxmlformats.org/drawingml/2006/main" xmlns:r="http://schemas.openxmlformats.org/officeDocument/2006/relationships" xmlns:p="http://schemas.openxmlformats.org/presentationml/2006/main">
+  <p:cSld>
+    <p:bg>
+      <p:bgPr>
+        <a:solidFill>
+          <a:schemeClr val="tx1"/>
+        </a:solidFill>
+        <a:effectLst/>
+      </p:bgPr>
+    </p:bg>
+    <p:spTree>
+      <p:nvGrpSpPr>
+        <p:cNvPr id="1" name=""/>
+        <p:cNvGrpSpPr/>
+        <p:nvPr/>
+      </p:nvGrpSpPr>
+      <p:grpSpPr>
+        <a:xfrm>
+          <a:off x="0" y="0"/>
+          <a:ext cx="0" cy="0"/>
+          <a:chOff x="0" y="0"/>
+          <a:chExt cx="0" cy="0"/>
+        </a:xfrm>
+      </p:grpSpPr>
+      <p:sp>
+        <p:nvSpPr>
+          <p:cNvPr id="2" name="Title 1"/>
+          <p:cNvSpPr>
+            <a:spLocks noGrp="1"/>
+          </p:cNvSpPr>
+          <p:nvPr>
+            <p:ph type="title"/>
+          </p:nvPr>
+        </p:nvSpPr>
+        <p:spPr/>
+        <p:txBody>
+          <a:bodyPr/>
+          <a:lstStyle/>
+          <a:p>
+            <a:endParaRPr lang="en-US" dirty="0"/>
+          </a:p>
+        </p:txBody>
+      </p:sp>
+      <p:sp>
+        <p:nvSpPr>
+          <p:cNvPr id="3" name="Content Placeholder 2"/>
+          <p:cNvSpPr>
+            <a:spLocks noGrp="1"/>
+          </p:cNvSpPr>
+          <p:nvPr>
+            <p:ph idx="1"/>
+          </p:nvPr>
+        </p:nvSpPr>
+        <p:spPr/>
+        <p:txBody>
+          <a:bodyPr>
+            <a:normAutofit/>
+          </a:bodyPr>
+          <a:lstStyle/>
+          <a:p>
+            <a:r>
+              <a:rPr lang="en-US" sz="4000" dirty="0">
+                <a:solidFill>
+                  <a:schemeClr val="bg1"/>
+                </a:solidFill>
+                <a:latin typeface="+mj-lt"/>
+              </a:rPr>
+              <a:t> Adam Gerber, Clifton Craig, “Learn Android Studio”, </a:t>
+            </a:r>
+            <a:r>
+              <a:rPr lang="en-US" sz="4000" dirty="0" smtClean="0">
+                <a:solidFill>
+                  <a:schemeClr val="bg1"/>
+                </a:solidFill>
+                <a:latin typeface="+mj-lt"/>
+              </a:rPr>
+              <a:t>press</a:t>
+            </a:r>
+            <a:r>
+              <a:rPr lang="en-US" sz="4000" dirty="0">
+                <a:solidFill>
+                  <a:schemeClr val="bg1"/>
+                </a:solidFill>
+                <a:latin typeface="+mj-lt"/>
+              </a:rPr>
+              <a:t>, 2015. . [7/8/18] </a:t>
+            </a:r>
+            <a:endParaRPr lang="en-US" sz="4000" dirty="0" smtClean="0">
+              <a:solidFill>
+                <a:schemeClr val="bg1"/>
+              </a:solidFill>
+              <a:latin typeface="+mj-lt"/>
+            </a:endParaRPr>
+          </a:p>
+          <a:p>
+            <a:r>
+              <a:rPr lang="en-US" sz="4000" dirty="0">
+                <a:solidFill>
+                  <a:schemeClr val="bg1"/>
+                </a:solidFill>
+                <a:latin typeface="+mj-lt"/>
+              </a:rPr>
+              <a:t>Data Communication and Computer Networks 5th Edition by Michael Duck and Richard Read. . [</a:t>
+            </a:r>
+            <a:r>
+              <a:rPr lang="en-US" sz="4000" dirty="0" smtClean="0">
+                <a:solidFill>
+                  <a:schemeClr val="bg1"/>
+                </a:solidFill>
+                <a:latin typeface="+mj-lt"/>
+              </a:rPr>
+              <a:t>10/8/18].</a:t>
+            </a:r>
+          </a:p>
+          <a:p>
+            <a:r>
+              <a:rPr lang="en-US" sz="4000" dirty="0">
+                <a:solidFill>
+                  <a:schemeClr val="bg1"/>
+                </a:solidFill>
+                <a:latin typeface="+mj-lt"/>
+              </a:rPr>
+              <a:t> http://www.homestays.com. [13/8/18] </a:t>
+            </a:r>
+          </a:p>
+        </p:txBody>
+      </p:sp>
+      <p:sp>
+        <p:nvSpPr>
+          <p:cNvPr id="4" name="Title 1"/>
+          <p:cNvSpPr txBox="1">
+            <a:spLocks/>
+          </p:cNvSpPr>
+          <p:nvPr/>
+        </p:nvSpPr>
+        <p:spPr>
+          <a:xfrm>
+            <a:off x="0" y="340864"/>
+            <a:ext cx="12192000" cy="1030309"/>
+          </a:xfrm>
+          <a:prstGeom prst="rect">
+            <a:avLst/>
+          </a:prstGeom>
+        </p:spPr>
+        <p:txBody>
+          <a:bodyPr vert="horz" lIns="91440" tIns="45720" rIns="91440" bIns="45720" rtlCol="0" anchor="ctr">
+            <a:noAutofit/>
+          </a:bodyPr>
+          <a:lstStyle>
+            <a:lvl1pPr algn="l" defTabSz="914400" rtl="0" eaLnBrk="1" latinLnBrk="0" hangingPunct="1">
+              <a:lnSpc>
+                <a:spcPct val="90000"/>
+              </a:lnSpc>
+              <a:spcBef>
+                <a:spcPct val="0"/>
+              </a:spcBef>
+              <a:buNone/>
+              <a:defRPr sz="4400" kern="1200">
+                <a:solidFill>
+                  <a:schemeClr val="tx1"/>
+                </a:solidFill>
+                <a:latin typeface="+mj-lt"/>
+                <a:ea typeface="+mj-ea"/>
+                <a:cs typeface="+mj-cs"/>
+              </a:defRPr>
+            </a:lvl1pPr>
+          </a:lstStyle>
+          <a:p>
+            <a:pPr algn="ctr"/>
+            <a:r>
+              <a:rPr lang="en-US" sz="9600" b="1" dirty="0" smtClean="0">
+                <a:solidFill>
+                  <a:schemeClr val="bg1"/>
+                </a:solidFill>
+                <a:cs typeface="Times New Roman" panose="02020603050405020304" pitchFamily="18" charset="0"/>
+              </a:rPr>
+              <a:t>Reference</a:t>
+            </a:r>
+            <a:endParaRPr lang="en-US" sz="9600" b="1" dirty="0">
+              <a:solidFill>
+                <a:schemeClr val="bg1"/>
+              </a:solidFill>
+              <a:cs typeface="Times New Roman" panose="02020603050405020304" pitchFamily="18" charset="0"/>
+            </a:endParaRPr>
+          </a:p>
+        </p:txBody>
+      </p:sp>
+    </p:spTree>
+    <p:extLst>
+      <p:ext uri="{BB962C8B-B14F-4D97-AF65-F5344CB8AC3E}">
+        <p14:creationId xmlns:p14="http://schemas.microsoft.com/office/powerpoint/2010/main" val="2159448492"/>
       </p:ext>
     </p:extLst>
   </p:cSld>
   <p:clrMapOvr>
     <a:overrideClrMapping bg1="lt1" tx1="dk1" bg2="lt2" tx2="dk2" accent1="accent1" accent2="accent2" accent3="accent3" accent4="accent4" accent5="accent5" accent6="accent6" hlink="hlink" folHlink="folHlink"/>
+  </p:clrMapOvr>
+  <p:timing>
+    <p:tnLst>
+      <p:par>
+        <p:cTn id="1" dur="indefinite" restart="never" nodeType="tmRoot"/>
+      </p:par>
+    </p:tnLst>
+  </p:timing>
+</p:sld>
+</file>
+
+<file path=ppt/slides/slide18.xml><?xml version="1.0" encoding="utf-8"?>
+<p:sld xmlns:a="http://schemas.openxmlformats.org/drawingml/2006/main" xmlns:r="http://schemas.openxmlformats.org/officeDocument/2006/relationships" xmlns:p="http://schemas.openxmlformats.org/presentationml/2006/main">
+  <p:cSld>
+    <p:bg>
+      <p:bgPr>
+        <a:solidFill>
+          <a:schemeClr val="tx1"/>
+        </a:solidFill>
+        <a:effectLst/>
+      </p:bgPr>
+    </p:bg>
+    <p:spTree>
+      <p:nvGrpSpPr>
+        <p:cNvPr id="1" name=""/>
+        <p:cNvGrpSpPr/>
+        <p:nvPr/>
+      </p:nvGrpSpPr>
+      <p:grpSpPr>
+        <a:xfrm>
+          <a:off x="0" y="0"/>
+          <a:ext cx="0" cy="0"/>
+          <a:chOff x="0" y="0"/>
+          <a:chExt cx="0" cy="0"/>
+        </a:xfrm>
+      </p:grpSpPr>
+      <p:sp>
+        <p:nvSpPr>
+          <p:cNvPr id="2" name="Title 1"/>
+          <p:cNvSpPr>
+            <a:spLocks noGrp="1"/>
+          </p:cNvSpPr>
+          <p:nvPr>
+            <p:ph type="title"/>
+          </p:nvPr>
+        </p:nvSpPr>
+        <p:spPr>
+          <a:xfrm>
+            <a:off x="810904" y="525681"/>
+            <a:ext cx="10515600" cy="1325563"/>
+          </a:xfrm>
+        </p:spPr>
+        <p:txBody>
+          <a:bodyPr>
+            <a:normAutofit fontScale="90000"/>
+          </a:bodyPr>
+          <a:lstStyle/>
+          <a:p>
+            <a:pPr algn="ctr"/>
+            <a:r>
+              <a:rPr lang="en-US" sz="18400" b="1" dirty="0">
+                <a:solidFill>
+                  <a:schemeClr val="bg1"/>
+                </a:solidFill>
+                <a:latin typeface="Vivaldi" panose="03020602050506090804" pitchFamily="66" charset="0"/>
+              </a:rPr>
+              <a:t>Homestays</a:t>
+            </a:r>
+            <a:endParaRPr lang="en-US" sz="9600" dirty="0"/>
+          </a:p>
+        </p:txBody>
+      </p:sp>
+      <p:sp>
+        <p:nvSpPr>
+          <p:cNvPr id="3" name="Content Placeholder 2"/>
+          <p:cNvSpPr>
+            <a:spLocks noGrp="1"/>
+          </p:cNvSpPr>
+          <p:nvPr>
+            <p:ph idx="1"/>
+          </p:nvPr>
+        </p:nvSpPr>
+        <p:spPr>
+          <a:xfrm>
+            <a:off x="-2323628" y="1974400"/>
+            <a:ext cx="10515600" cy="4351338"/>
+          </a:xfrm>
+        </p:spPr>
+        <p:txBody>
+          <a:bodyPr>
+            <a:noAutofit/>
+          </a:bodyPr>
+          <a:lstStyle/>
+          <a:p>
+            <a:pPr marL="0" indent="0" algn="r">
+              <a:buNone/>
+            </a:pPr>
+            <a:r>
+              <a:rPr lang="en-US" sz="9600" b="1" dirty="0" smtClean="0">
+                <a:solidFill>
+                  <a:schemeClr val="bg1"/>
+                </a:solidFill>
+                <a:latin typeface="Vivaldi" panose="03020602050506090804" pitchFamily="66" charset="0"/>
+                <a:ea typeface="+mj-ea"/>
+                <a:cs typeface="+mj-cs"/>
+              </a:rPr>
+              <a:t>Feel the Culture</a:t>
+            </a:r>
+            <a:endParaRPr lang="en-US" sz="9600" b="1" dirty="0">
+              <a:solidFill>
+                <a:schemeClr val="bg1"/>
+              </a:solidFill>
+              <a:latin typeface="Vivaldi" panose="03020602050506090804" pitchFamily="66" charset="0"/>
+              <a:ea typeface="+mj-ea"/>
+              <a:cs typeface="+mj-cs"/>
+            </a:endParaRPr>
+          </a:p>
+        </p:txBody>
+      </p:sp>
+      <p:pic>
+        <p:nvPicPr>
+          <p:cNvPr id="1026" name="Picture 2" descr="Image result for sikkim map png"/>
+          <p:cNvPicPr>
+            <a:picLocks noChangeAspect="1" noChangeArrowheads="1"/>
+          </p:cNvPicPr>
+          <p:nvPr/>
+        </p:nvPicPr>
+        <p:blipFill>
+          <a:blip r:embed="rId2">
+            <a:extLst>
+              <a:ext uri="{28A0092B-C50C-407E-A947-70E740481C1C}">
+                <a14:useLocalDpi xmlns:a14="http://schemas.microsoft.com/office/drawing/2010/main" val="0"/>
+              </a:ext>
+            </a:extLst>
+          </a:blip>
+          <a:srcRect/>
+          <a:stretch>
+            <a:fillRect/>
+          </a:stretch>
+        </p:blipFill>
+        <p:spPr bwMode="auto">
+          <a:xfrm>
+            <a:off x="5832708" y="2029963"/>
+            <a:ext cx="7620000" cy="4295775"/>
+          </a:xfrm>
+          <a:prstGeom prst="rect">
+            <a:avLst/>
+          </a:prstGeom>
+          <a:noFill/>
+          <a:extLst>
+            <a:ext uri="{909E8E84-426E-40DD-AFC4-6F175D3DCCD1}">
+              <a14:hiddenFill xmlns:a14="http://schemas.microsoft.com/office/drawing/2010/main">
+                <a:solidFill>
+                  <a:srgbClr val="FFFFFF"/>
+                </a:solidFill>
+              </a14:hiddenFill>
+            </a:ext>
+          </a:extLst>
+        </p:spPr>
+      </p:pic>
+      <p:sp>
+        <p:nvSpPr>
+          <p:cNvPr id="7" name="Rectangle 6"/>
+          <p:cNvSpPr/>
+          <p:nvPr/>
+        </p:nvSpPr>
+        <p:spPr>
+          <a:xfrm rot="1659980">
+            <a:off x="8168902" y="4063105"/>
+            <a:ext cx="3231204" cy="229490"/>
+          </a:xfrm>
+          <a:prstGeom prst="rect">
+            <a:avLst/>
+          </a:prstGeom>
+        </p:spPr>
+        <p:style>
+          <a:lnRef idx="2">
+            <a:schemeClr val="dk1">
+              <a:shade val="50000"/>
+            </a:schemeClr>
+          </a:lnRef>
+          <a:fillRef idx="1">
+            <a:schemeClr val="dk1"/>
+          </a:fillRef>
+          <a:effectRef idx="0">
+            <a:schemeClr val="dk1"/>
+          </a:effectRef>
+          <a:fontRef idx="minor">
+            <a:schemeClr val="lt1"/>
+          </a:fontRef>
+        </p:style>
+        <p:txBody>
+          <a:bodyPr rtlCol="0" anchor="ctr"/>
+          <a:lstStyle/>
+          <a:p>
+            <a:pPr algn="ctr"/>
+            <a:r>
+              <a:rPr lang="en-US" dirty="0" smtClean="0"/>
+              <a:t>East West South North</a:t>
+            </a:r>
+          </a:p>
+        </p:txBody>
+      </p:sp>
+      <p:sp>
+        <p:nvSpPr>
+          <p:cNvPr id="10" name="Rectangle 9"/>
+          <p:cNvSpPr/>
+          <p:nvPr/>
+        </p:nvSpPr>
+        <p:spPr>
+          <a:xfrm rot="1659980">
+            <a:off x="8341974" y="3299885"/>
+            <a:ext cx="3348858" cy="250501"/>
+          </a:xfrm>
+          <a:prstGeom prst="rect">
+            <a:avLst/>
+          </a:prstGeom>
+        </p:spPr>
+        <p:style>
+          <a:lnRef idx="2">
+            <a:schemeClr val="dk1">
+              <a:shade val="50000"/>
+            </a:schemeClr>
+          </a:lnRef>
+          <a:fillRef idx="1">
+            <a:schemeClr val="dk1"/>
+          </a:fillRef>
+          <a:effectRef idx="0">
+            <a:schemeClr val="dk1"/>
+          </a:effectRef>
+          <a:fontRef idx="minor">
+            <a:schemeClr val="lt1"/>
+          </a:fontRef>
+        </p:style>
+        <p:txBody>
+          <a:bodyPr rtlCol="0" anchor="ctr"/>
+          <a:lstStyle/>
+          <a:p>
+            <a:pPr algn="ctr"/>
+            <a:r>
+              <a:rPr lang="en-US" dirty="0" smtClean="0"/>
+              <a:t>Homestays</a:t>
+            </a:r>
+          </a:p>
+        </p:txBody>
+      </p:sp>
+      <p:sp>
+        <p:nvSpPr>
+          <p:cNvPr id="11" name="Rectangle 10"/>
+          <p:cNvSpPr/>
+          <p:nvPr/>
+        </p:nvSpPr>
+        <p:spPr>
+          <a:xfrm>
+            <a:off x="3421756" y="5359209"/>
+            <a:ext cx="4016274" cy="209078"/>
+          </a:xfrm>
+          <a:prstGeom prst="rect">
+            <a:avLst/>
+          </a:prstGeom>
+        </p:spPr>
+        <p:style>
+          <a:lnRef idx="2">
+            <a:schemeClr val="dk1">
+              <a:shade val="50000"/>
+            </a:schemeClr>
+          </a:lnRef>
+          <a:fillRef idx="1">
+            <a:schemeClr val="dk1"/>
+          </a:fillRef>
+          <a:effectRef idx="0">
+            <a:schemeClr val="dk1"/>
+          </a:effectRef>
+          <a:fontRef idx="minor">
+            <a:schemeClr val="lt1"/>
+          </a:fontRef>
+        </p:style>
+        <p:txBody>
+          <a:bodyPr rtlCol="0" anchor="ctr"/>
+          <a:lstStyle/>
+          <a:p>
+            <a:pPr algn="ctr"/>
+            <a:r>
+              <a:rPr lang="en-US" sz="6600" dirty="0" smtClean="0"/>
+              <a:t>Thank You</a:t>
+            </a:r>
+          </a:p>
+        </p:txBody>
+      </p:sp>
+      <p:sp>
+        <p:nvSpPr>
+          <p:cNvPr id="12" name="Rectangle 11"/>
+          <p:cNvSpPr/>
+          <p:nvPr/>
+        </p:nvSpPr>
+        <p:spPr>
+          <a:xfrm rot="1659980">
+            <a:off x="7875555" y="4806520"/>
+            <a:ext cx="3231204" cy="229490"/>
+          </a:xfrm>
+          <a:prstGeom prst="rect">
+            <a:avLst/>
+          </a:prstGeom>
+        </p:spPr>
+        <p:style>
+          <a:lnRef idx="2">
+            <a:schemeClr val="dk1">
+              <a:shade val="50000"/>
+            </a:schemeClr>
+          </a:lnRef>
+          <a:fillRef idx="1">
+            <a:schemeClr val="dk1"/>
+          </a:fillRef>
+          <a:effectRef idx="0">
+            <a:schemeClr val="dk1"/>
+          </a:effectRef>
+          <a:fontRef idx="minor">
+            <a:schemeClr val="lt1"/>
+          </a:fontRef>
+        </p:style>
+        <p:txBody>
+          <a:bodyPr rtlCol="0" anchor="ctr"/>
+          <a:lstStyle/>
+          <a:p>
+            <a:pPr algn="ctr"/>
+            <a:r>
+              <a:rPr lang="en-US" b="1" dirty="0" smtClean="0"/>
+              <a:t>Sikkim</a:t>
+            </a:r>
+          </a:p>
+        </p:txBody>
+      </p:sp>
+    </p:spTree>
+    <p:extLst>
+      <p:ext uri="{BB962C8B-B14F-4D97-AF65-F5344CB8AC3E}">
+        <p14:creationId xmlns:p14="http://schemas.microsoft.com/office/powerpoint/2010/main" val="1895946366"/>
+      </p:ext>
+    </p:extLst>
+  </p:cSld>
+  <p:clrMapOvr>
+    <a:masterClrMapping/>
   </p:clrMapOvr>
   <p:timing>
     <p:tnLst>
@@ -6389,26 +9603,38 @@
           <a:p>
             <a:pPr marL="457200" indent="-457200"/>
             <a:r>
-              <a:rPr lang="en-US" altLang="en-US" sz="4000" dirty="0">
+              <a:rPr lang="en-US" altLang="en-US" sz="4000" dirty="0" smtClean="0">
                 <a:solidFill>
                   <a:schemeClr val="bg1"/>
                 </a:solidFill>
                 <a:cs typeface="Times New Roman" panose="02020603050405020304" pitchFamily="18" charset="0"/>
               </a:rPr>
-              <a:t>Abstract</a:t>
-            </a:r>
+              <a:t>Introduction</a:t>
+            </a:r>
+            <a:endParaRPr lang="en-US" altLang="en-US" sz="4000" dirty="0">
+              <a:solidFill>
+                <a:schemeClr val="bg1"/>
+              </a:solidFill>
+              <a:cs typeface="Times New Roman" panose="02020603050405020304" pitchFamily="18" charset="0"/>
+            </a:endParaRPr>
           </a:p>
           <a:p>
             <a:pPr marL="457200" indent="-457200"/>
             <a:r>
-              <a:rPr lang="en-US" altLang="en-US" sz="4000" dirty="0">
+              <a:rPr lang="en-US" altLang="en-US" sz="4000" dirty="0" smtClean="0">
                 <a:solidFill>
                   <a:schemeClr val="bg1"/>
                 </a:solidFill>
                 <a:cs typeface="Times New Roman" panose="02020603050405020304" pitchFamily="18" charset="0"/>
               </a:rPr>
-              <a:t>Theoretical Framework</a:t>
-            </a:r>
+              <a:t>Problem Definition</a:t>
+            </a:r>
+            <a:endParaRPr lang="en-US" altLang="en-US" sz="4000" dirty="0">
+              <a:solidFill>
+                <a:schemeClr val="bg1"/>
+              </a:solidFill>
+              <a:cs typeface="Times New Roman" panose="02020603050405020304" pitchFamily="18" charset="0"/>
+            </a:endParaRPr>
           </a:p>
           <a:p>
             <a:pPr marL="457200" indent="-457200"/>
@@ -6419,32 +9645,26 @@
                 </a:solidFill>
                 <a:cs typeface="Times New Roman" panose="02020603050405020304" pitchFamily="18" charset="0"/>
               </a:rPr>
-              <a:t>Literature Review</a:t>
+              <a:t>Objective</a:t>
             </a:r>
           </a:p>
           <a:p>
             <a:pPr marL="457200" indent="-457200"/>
             <a:r>
-              <a:rPr lang="en-US" altLang="en-US" sz="4000" dirty="0">
+              <a:rPr lang="en-US" altLang="en-US" sz="4000" dirty="0" smtClean="0">
                 <a:solidFill>
                   <a:schemeClr val="bg1"/>
                 </a:solidFill>
                 <a:cs typeface="Times New Roman" panose="02020603050405020304" pitchFamily="18" charset="0"/>
               </a:rPr>
-              <a:t>Methodology</a:t>
-            </a:r>
-          </a:p>
-          <a:p>
-            <a:pPr marL="457200" indent="-457200"/>
-            <a:r>
-              <a:rPr lang="en-US" altLang="en-US" sz="4000" dirty="0">
-                <a:solidFill>
-                  <a:schemeClr val="bg1"/>
-                </a:solidFill>
-                <a:cs typeface="Times New Roman" panose="02020603050405020304" pitchFamily="18" charset="0"/>
-              </a:rPr>
-              <a:t>Results</a:t>
-            </a:r>
+              <a:t>Solution Strategy</a:t>
+            </a:r>
+            <a:endParaRPr lang="en-US" altLang="en-US" sz="4000" dirty="0">
+              <a:solidFill>
+                <a:schemeClr val="bg1"/>
+              </a:solidFill>
+              <a:cs typeface="Times New Roman" panose="02020603050405020304" pitchFamily="18" charset="0"/>
+            </a:endParaRPr>
           </a:p>
           <a:p>
             <a:pPr marL="457200" indent="-457200"/>
@@ -7014,12 +10234,12 @@
           <a:p>
             <a:pPr algn="ctr"/>
             <a:r>
-              <a:rPr lang="en-US" sz="9600" b="1" dirty="0" err="1" smtClean="0">
+              <a:rPr lang="en-US" sz="9600" b="1" dirty="0" smtClean="0">
                 <a:solidFill>
                   <a:schemeClr val="bg1"/>
                 </a:solidFill>
               </a:rPr>
-              <a:t>HomeStays</a:t>
+              <a:t>Homestays</a:t>
             </a:r>
             <a:endParaRPr lang="en-US" sz="9600" b="1" dirty="0">
               <a:solidFill>
@@ -7076,7 +10296,106 @@
       </p:grpSpPr>
       <p:sp>
         <p:nvSpPr>
-          <p:cNvPr id="5" name="Title 1"/>
+          <p:cNvPr id="3" name="Content Placeholder 2"/>
+          <p:cNvSpPr>
+            <a:spLocks noGrp="1"/>
+          </p:cNvSpPr>
+          <p:nvPr>
+            <p:ph idx="1"/>
+          </p:nvPr>
+        </p:nvSpPr>
+        <p:spPr>
+          <a:xfrm>
+            <a:off x="838200" y="1619563"/>
+            <a:ext cx="10515600" cy="4351338"/>
+          </a:xfrm>
+        </p:spPr>
+        <p:txBody>
+          <a:bodyPr/>
+          <a:lstStyle/>
+          <a:p>
+            <a:endParaRPr lang="en-US" dirty="0" smtClean="0">
+              <a:solidFill>
+                <a:schemeClr val="bg1"/>
+              </a:solidFill>
+            </a:endParaRPr>
+          </a:p>
+          <a:p>
+            <a:endParaRPr lang="en-US" dirty="0">
+              <a:solidFill>
+                <a:schemeClr val="bg1"/>
+              </a:solidFill>
+            </a:endParaRPr>
+          </a:p>
+          <a:p>
+            <a:endParaRPr lang="en-US" dirty="0" smtClean="0">
+              <a:solidFill>
+                <a:schemeClr val="bg1"/>
+              </a:solidFill>
+            </a:endParaRPr>
+          </a:p>
+          <a:p>
+            <a:endParaRPr lang="en-US" dirty="0">
+              <a:solidFill>
+                <a:schemeClr val="bg1"/>
+              </a:solidFill>
+            </a:endParaRPr>
+          </a:p>
+          <a:p>
+            <a:endParaRPr lang="en-US" dirty="0" smtClean="0">
+              <a:solidFill>
+                <a:schemeClr val="bg1"/>
+              </a:solidFill>
+            </a:endParaRPr>
+          </a:p>
+          <a:p>
+            <a:pPr marL="0" indent="0">
+              <a:buNone/>
+            </a:pPr>
+            <a:r>
+              <a:rPr lang="en-US" sz="4800" b="1" dirty="0" smtClean="0">
+                <a:solidFill>
+                  <a:schemeClr val="bg1"/>
+                </a:solidFill>
+              </a:rPr>
+              <a:t>Homestays- </a:t>
+            </a:r>
+            <a:r>
+              <a:rPr lang="en-US" sz="4800" b="1" dirty="0">
+                <a:solidFill>
+                  <a:schemeClr val="tx1">
+                    <a:lumMod val="65000"/>
+                    <a:lumOff val="35000"/>
+                  </a:schemeClr>
+                </a:solidFill>
+              </a:rPr>
+              <a:t>An</a:t>
+            </a:r>
+            <a:r>
+              <a:rPr lang="en-US" sz="4800" b="1" dirty="0">
+                <a:solidFill>
+                  <a:schemeClr val="bg1"/>
+                </a:solidFill>
+              </a:rPr>
+              <a:t>			     </a:t>
+            </a:r>
+            <a:r>
+              <a:rPr lang="en-US" sz="4800" b="1" dirty="0">
+                <a:solidFill>
+                  <a:schemeClr val="tx1">
+                    <a:lumMod val="65000"/>
+                    <a:lumOff val="35000"/>
+                  </a:schemeClr>
+                </a:solidFill>
+              </a:rPr>
+              <a:t>Application</a:t>
+            </a:r>
+          </a:p>
+        </p:txBody>
+      </p:sp>
+      <p:sp>
+        <p:nvSpPr>
+          <p:cNvPr id="4" name="Title 1"/>
           <p:cNvSpPr txBox="1">
             <a:spLocks/>
           </p:cNvSpPr>
@@ -7093,7 +10412,7 @@
         </p:spPr>
         <p:txBody>
           <a:bodyPr vert="horz" lIns="91440" tIns="45720" rIns="91440" bIns="45720" rtlCol="0" anchor="ctr">
-            <a:normAutofit/>
+            <a:normAutofit fontScale="92500"/>
           </a:bodyPr>
           <a:lstStyle>
             <a:lvl1pPr algn="l" defTabSz="914400" rtl="0" eaLnBrk="1" latinLnBrk="0" hangingPunct="1">
@@ -7117,12 +10436,20 @@
           <a:p>
             <a:pPr algn="ctr"/>
             <a:r>
+              <a:rPr lang="en-US" sz="10400" b="1" dirty="0" smtClean="0">
+                <a:solidFill>
+                  <a:schemeClr val="bg1"/>
+                </a:solidFill>
+              </a:rPr>
+              <a:t>Problem</a:t>
+            </a:r>
+            <a:r>
               <a:rPr lang="en-US" sz="9600" b="1" dirty="0" smtClean="0">
                 <a:solidFill>
                   <a:schemeClr val="bg1"/>
                 </a:solidFill>
               </a:rPr>
-              <a:t>Objective</a:t>
+              <a:t> Definition</a:t>
             </a:r>
             <a:endParaRPr lang="en-US" sz="9600" b="1" dirty="0">
               <a:solidFill>
@@ -7132,135 +10459,51 @@
           </a:p>
         </p:txBody>
       </p:sp>
-      <p:sp>
-        <p:nvSpPr>
-          <p:cNvPr id="7" name="Content Placeholder 6"/>
-          <p:cNvSpPr>
-            <a:spLocks noGrp="1"/>
-          </p:cNvSpPr>
-          <p:nvPr>
-            <p:ph idx="1"/>
-          </p:nvPr>
-        </p:nvSpPr>
-        <p:spPr>
+      <p:pic>
+        <p:nvPicPr>
+          <p:cNvPr id="1028" name="Picture 4" descr="Image result for android png"/>
+          <p:cNvPicPr>
+            <a:picLocks noChangeAspect="1" noChangeArrowheads="1"/>
+          </p:cNvPicPr>
+          <p:nvPr/>
+        </p:nvPicPr>
+        <p:blipFill>
+          <a:blip r:embed="rId2">
+            <a:extLst>
+              <a:ext uri="{28A0092B-C50C-407E-A947-70E740481C1C}">
+                <a14:useLocalDpi xmlns:a14="http://schemas.microsoft.com/office/drawing/2010/main" val="0"/>
+              </a:ext>
+            </a:extLst>
+          </a:blip>
+          <a:srcRect/>
+          <a:stretch>
+            <a:fillRect/>
+          </a:stretch>
+        </p:blipFill>
+        <p:spPr bwMode="auto">
           <a:xfrm>
-            <a:off x="838200" y="2263506"/>
-            <a:ext cx="10515600" cy="5032375"/>
+            <a:off x="4714695" y="1722594"/>
+            <a:ext cx="3308843" cy="3308844"/>
           </a:xfrm>
+          <a:prstGeom prst="rect">
+            <a:avLst/>
+          </a:prstGeom>
+          <a:noFill/>
+          <a:extLst>
+            <a:ext uri="{909E8E84-426E-40DD-AFC4-6F175D3DCCD1}">
+              <a14:hiddenFill xmlns:a14="http://schemas.microsoft.com/office/drawing/2010/main">
+                <a:solidFill>
+                  <a:srgbClr val="FFFFFF"/>
+                </a:solidFill>
+              </a14:hiddenFill>
+            </a:ext>
+          </a:extLst>
         </p:spPr>
-        <p:txBody>
-          <a:bodyPr>
-            <a:noAutofit/>
-          </a:bodyPr>
-          <a:lstStyle/>
-          <a:p>
-            <a:r>
-              <a:rPr lang="en-US" sz="4000" dirty="0" smtClean="0">
-                <a:solidFill>
-                  <a:schemeClr val="bg1"/>
-                </a:solidFill>
-              </a:rPr>
-              <a:t>To </a:t>
-            </a:r>
-            <a:r>
-              <a:rPr lang="en-US" sz="4000" dirty="0">
-                <a:solidFill>
-                  <a:schemeClr val="bg1"/>
-                </a:solidFill>
-              </a:rPr>
-              <a:t>provide a platform to Homestays of Sikkim. </a:t>
-            </a:r>
-          </a:p>
-          <a:p>
-            <a:r>
-              <a:rPr lang="en-US" sz="4000" dirty="0" smtClean="0">
-                <a:solidFill>
-                  <a:schemeClr val="bg1"/>
-                </a:solidFill>
-              </a:rPr>
-              <a:t>To work to  </a:t>
-            </a:r>
-            <a:r>
-              <a:rPr lang="en-US" sz="4000" dirty="0">
-                <a:solidFill>
-                  <a:schemeClr val="bg1"/>
-                </a:solidFill>
-              </a:rPr>
-              <a:t>implement every possible Online </a:t>
-            </a:r>
-            <a:r>
-              <a:rPr lang="en-US" sz="4000" dirty="0" smtClean="0">
-                <a:solidFill>
-                  <a:schemeClr val="bg1"/>
-                </a:solidFill>
-              </a:rPr>
-              <a:t>payment option </a:t>
-            </a:r>
-            <a:r>
-              <a:rPr lang="en-US" sz="4000" dirty="0">
-                <a:solidFill>
-                  <a:schemeClr val="bg1"/>
-                </a:solidFill>
-              </a:rPr>
-              <a:t>(excluding cryptocurrency). </a:t>
-            </a:r>
-          </a:p>
-          <a:p>
-            <a:r>
-              <a:rPr lang="en-US" sz="4000" dirty="0" smtClean="0">
-                <a:solidFill>
-                  <a:schemeClr val="bg1"/>
-                </a:solidFill>
-              </a:rPr>
-              <a:t>Application </a:t>
-            </a:r>
-            <a:r>
-              <a:rPr lang="en-US" sz="4000" dirty="0">
-                <a:solidFill>
-                  <a:schemeClr val="bg1"/>
-                </a:solidFill>
-              </a:rPr>
-              <a:t>will contain online pay option</a:t>
-            </a:r>
-            <a:r>
-              <a:rPr lang="en-US" sz="4000" dirty="0" smtClean="0">
-                <a:solidFill>
-                  <a:schemeClr val="bg1"/>
-                </a:solidFill>
-              </a:rPr>
-              <a:t>.</a:t>
-            </a:r>
-          </a:p>
-          <a:p>
-            <a:r>
-              <a:rPr lang="en-US" sz="4000" dirty="0">
-                <a:solidFill>
-                  <a:schemeClr val="bg1"/>
-                </a:solidFill>
-              </a:rPr>
-              <a:t>To provide location of homestays. </a:t>
-            </a:r>
-          </a:p>
-          <a:p>
-            <a:endParaRPr lang="en-US" sz="4000" dirty="0">
-              <a:solidFill>
-                <a:schemeClr val="bg1"/>
-              </a:solidFill>
-            </a:endParaRPr>
-          </a:p>
-          <a:p>
-            <a:endParaRPr lang="en-US" sz="4000" dirty="0" smtClean="0">
-              <a:solidFill>
-                <a:schemeClr val="bg1"/>
-              </a:solidFill>
-            </a:endParaRPr>
-          </a:p>
-        </p:txBody>
-      </p:sp>
+      </p:pic>
     </p:spTree>
     <p:extLst>
       <p:ext uri="{BB962C8B-B14F-4D97-AF65-F5344CB8AC3E}">
-        <p14:creationId xmlns:p14="http://schemas.microsoft.com/office/powerpoint/2010/main" val="813220523"/>
+        <p14:creationId xmlns:p14="http://schemas.microsoft.com/office/powerpoint/2010/main" val="3173487697"/>
       </p:ext>
     </p:extLst>
   </p:cSld>
@@ -7304,91 +10547,7 @@
       </p:grpSpPr>
       <p:sp>
         <p:nvSpPr>
-          <p:cNvPr id="3" name="Content Placeholder 2"/>
-          <p:cNvSpPr>
-            <a:spLocks noGrp="1"/>
-          </p:cNvSpPr>
-          <p:nvPr>
-            <p:ph idx="1"/>
-          </p:nvPr>
-        </p:nvSpPr>
-        <p:spPr>
-          <a:xfrm>
-            <a:off x="838200" y="2289265"/>
-            <a:ext cx="10515600" cy="4351338"/>
-          </a:xfrm>
-        </p:spPr>
-        <p:txBody>
-          <a:bodyPr>
-            <a:normAutofit/>
-          </a:bodyPr>
-          <a:lstStyle/>
-          <a:p>
-            <a:r>
-              <a:rPr lang="en-US" sz="4000" dirty="0" smtClean="0">
-                <a:solidFill>
-                  <a:schemeClr val="bg1"/>
-                </a:solidFill>
-              </a:rPr>
-              <a:t>To </a:t>
-            </a:r>
-            <a:r>
-              <a:rPr lang="en-US" sz="4000" dirty="0">
-                <a:solidFill>
-                  <a:schemeClr val="bg1"/>
-                </a:solidFill>
-              </a:rPr>
-              <a:t>provide all the features and offerings of homestays </a:t>
-            </a:r>
-          </a:p>
-          <a:p>
-            <a:r>
-              <a:rPr lang="en-US" sz="4000" dirty="0">
-                <a:solidFill>
-                  <a:schemeClr val="bg1"/>
-                </a:solidFill>
-              </a:rPr>
-              <a:t> To get the No. of days out of Date selected for staying and </a:t>
-            </a:r>
-            <a:r>
-              <a:rPr lang="en-US" sz="4000" dirty="0" smtClean="0">
-                <a:solidFill>
-                  <a:schemeClr val="bg1"/>
-                </a:solidFill>
-              </a:rPr>
-              <a:t> calculating </a:t>
-            </a:r>
-            <a:r>
-              <a:rPr lang="en-US" sz="4000" dirty="0">
-                <a:solidFill>
-                  <a:schemeClr val="bg1"/>
-                </a:solidFill>
-              </a:rPr>
-              <a:t>Fare real-time.</a:t>
-            </a:r>
-          </a:p>
-          <a:p>
-            <a:r>
-              <a:rPr lang="en-US" sz="4000" dirty="0">
-                <a:solidFill>
-                  <a:schemeClr val="bg1"/>
-                </a:solidFill>
-              </a:rPr>
-              <a:t>To give the best UI design like others Hotel Booking apps</a:t>
-            </a:r>
-          </a:p>
-          <a:p>
-            <a:endParaRPr lang="en-US" dirty="0">
-              <a:solidFill>
-                <a:schemeClr val="bg1"/>
-              </a:solidFill>
-            </a:endParaRPr>
-          </a:p>
-        </p:txBody>
-      </p:sp>
-      <p:sp>
-        <p:nvSpPr>
-          <p:cNvPr id="4" name="Title 1"/>
+          <p:cNvPr id="5" name="Title 1"/>
           <p:cNvSpPr txBox="1">
             <a:spLocks/>
           </p:cNvSpPr>
@@ -7444,10 +10603,173 @@
           </a:p>
         </p:txBody>
       </p:sp>
+      <p:sp>
+        <p:nvSpPr>
+          <p:cNvPr id="7" name="Content Placeholder 6"/>
+          <p:cNvSpPr>
+            <a:spLocks noGrp="1"/>
+          </p:cNvSpPr>
+          <p:nvPr>
+            <p:ph idx="1"/>
+          </p:nvPr>
+        </p:nvSpPr>
+        <p:spPr>
+          <a:xfrm>
+            <a:off x="838200" y="2122829"/>
+            <a:ext cx="10515600" cy="5032375"/>
+          </a:xfrm>
+        </p:spPr>
+        <p:txBody>
+          <a:bodyPr>
+            <a:noAutofit/>
+          </a:bodyPr>
+          <a:lstStyle/>
+          <a:p>
+            <a:r>
+              <a:rPr lang="en-US" sz="4000" dirty="0" smtClean="0">
+                <a:solidFill>
+                  <a:schemeClr val="bg1"/>
+                </a:solidFill>
+              </a:rPr>
+              <a:t>Platform </a:t>
+            </a:r>
+            <a:r>
+              <a:rPr lang="en-US" sz="4000" dirty="0">
+                <a:solidFill>
+                  <a:schemeClr val="bg1"/>
+                </a:solidFill>
+              </a:rPr>
+              <a:t>to Homestays of </a:t>
+            </a:r>
+            <a:r>
+              <a:rPr lang="en-US" sz="4000" dirty="0" smtClean="0">
+                <a:solidFill>
+                  <a:schemeClr val="bg1"/>
+                </a:solidFill>
+              </a:rPr>
+              <a:t>Sikkim. </a:t>
+            </a:r>
+          </a:p>
+          <a:p>
+            <a:r>
+              <a:rPr lang="en-US" sz="4000" dirty="0" smtClean="0">
+                <a:solidFill>
+                  <a:schemeClr val="bg1"/>
+                </a:solidFill>
+              </a:rPr>
+              <a:t>Every possible Online payment option (excluding cryptocurrency). </a:t>
+            </a:r>
+          </a:p>
+          <a:p>
+            <a:r>
+              <a:rPr lang="en-US" sz="4000" dirty="0" smtClean="0">
+                <a:solidFill>
+                  <a:schemeClr val="bg1"/>
+                </a:solidFill>
+              </a:rPr>
+              <a:t>Features </a:t>
+            </a:r>
+            <a:r>
+              <a:rPr lang="en-US" sz="4000" dirty="0">
+                <a:solidFill>
+                  <a:schemeClr val="bg1"/>
+                </a:solidFill>
+              </a:rPr>
+              <a:t>and offerings of </a:t>
+            </a:r>
+            <a:r>
+              <a:rPr lang="en-US" sz="4000" dirty="0" smtClean="0">
+                <a:solidFill>
+                  <a:schemeClr val="bg1"/>
+                </a:solidFill>
+              </a:rPr>
+              <a:t>homestays</a:t>
+            </a:r>
+          </a:p>
+          <a:p>
+            <a:r>
+              <a:rPr lang="en-US" sz="4000" dirty="0" smtClean="0">
+                <a:solidFill>
+                  <a:schemeClr val="bg1"/>
+                </a:solidFill>
+              </a:rPr>
+              <a:t>Calculating </a:t>
+            </a:r>
+            <a:r>
+              <a:rPr lang="en-US" sz="4000" dirty="0">
+                <a:solidFill>
+                  <a:schemeClr val="bg1"/>
+                </a:solidFill>
+              </a:rPr>
+              <a:t>Fare real-time</a:t>
+            </a:r>
+            <a:r>
+              <a:rPr lang="en-US" sz="4000" dirty="0" smtClean="0">
+                <a:solidFill>
+                  <a:schemeClr val="bg1"/>
+                </a:solidFill>
+              </a:rPr>
+              <a:t>.</a:t>
+            </a:r>
+          </a:p>
+          <a:p>
+            <a:r>
+              <a:rPr lang="en-US" sz="4000" dirty="0" smtClean="0">
+                <a:solidFill>
+                  <a:schemeClr val="bg1"/>
+                </a:solidFill>
+              </a:rPr>
+              <a:t>Best </a:t>
+            </a:r>
+            <a:r>
+              <a:rPr lang="en-US" sz="4000" dirty="0">
+                <a:solidFill>
+                  <a:schemeClr val="bg1"/>
+                </a:solidFill>
+              </a:rPr>
+              <a:t>UI </a:t>
+            </a:r>
+            <a:r>
+              <a:rPr lang="en-US" sz="4000" dirty="0" smtClean="0">
+                <a:solidFill>
+                  <a:schemeClr val="bg1"/>
+                </a:solidFill>
+              </a:rPr>
+              <a:t>design</a:t>
+            </a:r>
+            <a:endParaRPr lang="en-US" sz="4000" dirty="0">
+              <a:solidFill>
+                <a:schemeClr val="bg1"/>
+              </a:solidFill>
+            </a:endParaRPr>
+          </a:p>
+          <a:p>
+            <a:endParaRPr lang="en-US" sz="4000" dirty="0">
+              <a:solidFill>
+                <a:schemeClr val="bg1"/>
+              </a:solidFill>
+            </a:endParaRPr>
+          </a:p>
+          <a:p>
+            <a:endParaRPr lang="en-US" sz="4000" dirty="0">
+              <a:solidFill>
+                <a:schemeClr val="bg1"/>
+              </a:solidFill>
+            </a:endParaRPr>
+          </a:p>
+          <a:p>
+            <a:endParaRPr lang="en-US" sz="4000" dirty="0" smtClean="0">
+              <a:solidFill>
+                <a:schemeClr val="bg1"/>
+              </a:solidFill>
+            </a:endParaRPr>
+          </a:p>
+        </p:txBody>
+      </p:sp>
     </p:spTree>
     <p:extLst>
       <p:ext uri="{BB962C8B-B14F-4D97-AF65-F5344CB8AC3E}">
-        <p14:creationId xmlns:p14="http://schemas.microsoft.com/office/powerpoint/2010/main" val="2051821321"/>
+        <p14:creationId xmlns:p14="http://schemas.microsoft.com/office/powerpoint/2010/main" val="813220523"/>
       </p:ext>
     </p:extLst>
   </p:cSld>
@@ -7499,21 +10821,96 @@
             <p:ph idx="1"/>
           </p:nvPr>
         </p:nvSpPr>
-        <p:spPr>
-          <a:xfrm>
-            <a:off x="838200" y="1619563"/>
-            <a:ext cx="10515600" cy="4351338"/>
-          </a:xfrm>
-        </p:spPr>
+        <p:spPr/>
         <p:txBody>
           <a:bodyPr/>
           <a:lstStyle/>
           <a:p>
-            <a:endParaRPr lang="en-US" dirty="0" smtClean="0">
+            <a:pPr marL="0" indent="0">
+              <a:buNone/>
+            </a:pPr>
+            <a:endParaRPr lang="en-US" sz="4000" dirty="0" smtClean="0">
               <a:solidFill>
                 <a:schemeClr val="bg1"/>
               </a:solidFill>
             </a:endParaRPr>
+          </a:p>
+          <a:p>
+            <a:r>
+              <a:rPr lang="en-US" sz="4000" dirty="0" smtClean="0">
+                <a:solidFill>
+                  <a:schemeClr val="bg1"/>
+                </a:solidFill>
+              </a:rPr>
+              <a:t>Android Studio, Java, XML, </a:t>
+            </a:r>
+            <a:r>
+              <a:rPr lang="en-US" sz="4000" dirty="0" err="1" smtClean="0">
+                <a:solidFill>
+                  <a:schemeClr val="bg1"/>
+                </a:solidFill>
+              </a:rPr>
+              <a:t>Kotlin</a:t>
+            </a:r>
+            <a:r>
+              <a:rPr lang="en-US" sz="4000" dirty="0" smtClean="0">
+                <a:solidFill>
+                  <a:schemeClr val="bg1"/>
+                </a:solidFill>
+              </a:rPr>
+              <a:t>, PHP.</a:t>
+            </a:r>
+          </a:p>
+          <a:p>
+            <a:r>
+              <a:rPr lang="en-US" sz="4000" dirty="0">
+                <a:solidFill>
+                  <a:schemeClr val="bg1"/>
+                </a:solidFill>
+              </a:rPr>
+              <a:t>Use of Firebase </a:t>
+            </a:r>
+            <a:r>
+              <a:rPr lang="en-US" sz="4000" dirty="0" smtClean="0">
+                <a:solidFill>
+                  <a:schemeClr val="bg1"/>
+                </a:solidFill>
+              </a:rPr>
+              <a:t>Server</a:t>
+            </a:r>
+          </a:p>
+          <a:p>
+            <a:r>
+              <a:rPr lang="en-US" sz="4000" dirty="0" smtClean="0">
+                <a:solidFill>
+                  <a:schemeClr val="bg1"/>
+                </a:solidFill>
+              </a:rPr>
+              <a:t>Implementing Payment Gateway</a:t>
+            </a:r>
+            <a:endParaRPr lang="en-US" sz="4000" dirty="0">
+              <a:solidFill>
+                <a:schemeClr val="bg1"/>
+              </a:solidFill>
+            </a:endParaRPr>
+          </a:p>
+          <a:p>
+            <a:r>
+              <a:rPr lang="en-US" sz="4000" dirty="0" smtClean="0">
+                <a:solidFill>
+                  <a:schemeClr val="bg1"/>
+                </a:solidFill>
+              </a:rPr>
+              <a:t>Appropriate </a:t>
+            </a:r>
+            <a:r>
+              <a:rPr lang="en-US" sz="4000" dirty="0">
+                <a:solidFill>
+                  <a:schemeClr val="bg1"/>
+                </a:solidFill>
+              </a:rPr>
+              <a:t>Software Model.</a:t>
+            </a:r>
           </a:p>
           <a:p>
             <a:endParaRPr lang="en-US" dirty="0">
@@ -7521,78 +10918,6 @@
                 <a:schemeClr val="bg1"/>
               </a:solidFill>
             </a:endParaRPr>
-          </a:p>
-          <a:p>
-            <a:endParaRPr lang="en-US" dirty="0" smtClean="0">
-              <a:solidFill>
-                <a:schemeClr val="bg1"/>
-              </a:solidFill>
-            </a:endParaRPr>
-          </a:p>
-          <a:p>
-            <a:endParaRPr lang="en-US" dirty="0">
-              <a:solidFill>
-                <a:schemeClr val="bg1"/>
-              </a:solidFill>
-            </a:endParaRPr>
-          </a:p>
-          <a:p>
-            <a:endParaRPr lang="en-US" dirty="0" smtClean="0">
-              <a:solidFill>
-                <a:schemeClr val="bg1"/>
-              </a:solidFill>
-            </a:endParaRPr>
-          </a:p>
-          <a:p>
-            <a:pPr marL="0" indent="0">
-              <a:buNone/>
-            </a:pPr>
-            <a:r>
-              <a:rPr lang="en-US" sz="4800" b="1" dirty="0" err="1">
-                <a:solidFill>
-                  <a:schemeClr val="bg1"/>
-                </a:solidFill>
-              </a:rPr>
-              <a:t>HomeStays</a:t>
-            </a:r>
-            <a:r>
-              <a:rPr lang="en-US" sz="4800" b="1" dirty="0">
-                <a:solidFill>
-                  <a:schemeClr val="bg1"/>
-                </a:solidFill>
-              </a:rPr>
-              <a:t>- </a:t>
-            </a:r>
-            <a:r>
-              <a:rPr lang="en-US" sz="4800" b="1" dirty="0">
-                <a:solidFill>
-                  <a:schemeClr val="tx1">
-                    <a:lumMod val="65000"/>
-                    <a:lumOff val="35000"/>
-                  </a:schemeClr>
-                </a:solidFill>
-              </a:rPr>
-              <a:t>An</a:t>
-            </a:r>
-            <a:r>
-              <a:rPr lang="en-US" sz="4800" b="1" dirty="0">
-                <a:solidFill>
-                  <a:schemeClr val="bg1"/>
-                </a:solidFill>
-              </a:rPr>
-              <a:t>			     </a:t>
-            </a:r>
-            <a:r>
-              <a:rPr lang="en-US" sz="4800" b="1" dirty="0">
-                <a:solidFill>
-                  <a:schemeClr val="tx1">
-                    <a:lumMod val="65000"/>
-                    <a:lumOff val="35000"/>
-                  </a:schemeClr>
-                </a:solidFill>
-              </a:rPr>
-              <a:t>Application</a:t>
-            </a:r>
           </a:p>
         </p:txBody>
       </p:sp>
@@ -7638,21 +10963,65 @@
           </a:lstStyle>
           <a:p>
             <a:pPr algn="ctr"/>
+            <a:endParaRPr lang="en-US" sz="9600" b="1" dirty="0">
+              <a:solidFill>
+                <a:schemeClr val="bg2">
+                  <a:lumMod val="50000"/>
+                </a:schemeClr>
+              </a:solidFill>
+            </a:endParaRPr>
+          </a:p>
+        </p:txBody>
+      </p:sp>
+      <p:sp>
+        <p:nvSpPr>
+          <p:cNvPr id="5" name="Title 1"/>
+          <p:cNvSpPr txBox="1">
+            <a:spLocks/>
+          </p:cNvSpPr>
+          <p:nvPr/>
+        </p:nvSpPr>
+        <p:spPr>
+          <a:xfrm>
+            <a:off x="1676400" y="152400"/>
+            <a:ext cx="9144000" cy="2387600"/>
+          </a:xfrm>
+          <a:prstGeom prst="rect">
+            <a:avLst/>
+          </a:prstGeom>
+        </p:spPr>
+        <p:txBody>
+          <a:bodyPr vert="horz" lIns="91440" tIns="45720" rIns="91440" bIns="45720" rtlCol="0" anchor="ctr">
+            <a:normAutofit/>
+          </a:bodyPr>
+          <a:lstStyle>
+            <a:lvl1pPr algn="l" defTabSz="914400" rtl="0" eaLnBrk="1" latinLnBrk="0" hangingPunct="1">
+              <a:lnSpc>
+                <a:spcPct val="90000"/>
+              </a:lnSpc>
+              <a:spcBef>
+                <a:spcPct val="0"/>
+              </a:spcBef>
+              <a:buNone/>
+              <a:defRPr sz="4400" kern="1200">
+                <a:solidFill>
+                  <a:schemeClr val="tx1"/>
+                </a:solidFill>
+                <a:latin typeface="+mj-lt"/>
+                <a:ea typeface="+mj-ea"/>
+                <a:cs typeface="+mj-cs"/>
+              </a:defRPr>
+            </a:lvl1pPr>
+          </a:lstStyle>
+          <a:p>
+            <a:pPr algn="ctr"/>
             <a:r>
               <a:rPr lang="en-US" sz="9600" b="1" dirty="0" smtClean="0">
                 <a:solidFill>
                   <a:schemeClr val="bg1"/>
                 </a:solidFill>
               </a:rPr>
-              <a:t>Problem </a:t>
-            </a:r>
-            <a:r>
-              <a:rPr lang="en-US" sz="9600" b="1" dirty="0" err="1" smtClean="0">
-                <a:solidFill>
-                  <a:schemeClr val="bg1"/>
-                </a:solidFill>
-              </a:rPr>
-              <a:t>Defintion</a:t>
+              <a:t>Solution Strategy</a:t>
             </a:r>
             <a:endParaRPr lang="en-US" sz="9600" b="1" dirty="0">
               <a:solidFill>
@@ -7662,51 +11031,10 @@
           </a:p>
         </p:txBody>
       </p:sp>
-      <p:pic>
-        <p:nvPicPr>
-          <p:cNvPr id="1028" name="Picture 4" descr="Image result for android png"/>
-          <p:cNvPicPr>
-            <a:picLocks noChangeAspect="1" noChangeArrowheads="1"/>
-          </p:cNvPicPr>
-          <p:nvPr/>
-        </p:nvPicPr>
-        <p:blipFill>
-          <a:blip r:embed="rId2">
-            <a:extLst>
-              <a:ext uri="{28A0092B-C50C-407E-A947-70E740481C1C}">
-                <a14:useLocalDpi xmlns:a14="http://schemas.microsoft.com/office/drawing/2010/main" val="0"/>
-              </a:ext>
-            </a:extLst>
-          </a:blip>
-          <a:srcRect/>
-          <a:stretch>
-            <a:fillRect/>
-          </a:stretch>
-        </p:blipFill>
-        <p:spPr bwMode="auto">
-          <a:xfrm>
-            <a:off x="4714695" y="1722594"/>
-            <a:ext cx="3308843" cy="3308844"/>
-          </a:xfrm>
-          <a:prstGeom prst="rect">
-            <a:avLst/>
-          </a:prstGeom>
-          <a:noFill/>
-          <a:extLst>
-            <a:ext uri="{909E8E84-426E-40DD-AFC4-6F175D3DCCD1}">
-              <a14:hiddenFill xmlns:a14="http://schemas.microsoft.com/office/drawing/2010/main">
-                <a:solidFill>
-                  <a:srgbClr val="FFFFFF"/>
-                </a:solidFill>
-              </a14:hiddenFill>
-            </a:ext>
-          </a:extLst>
-        </p:spPr>
-      </p:pic>
     </p:spTree>
     <p:extLst>
       <p:ext uri="{BB962C8B-B14F-4D97-AF65-F5344CB8AC3E}">
-        <p14:creationId xmlns:p14="http://schemas.microsoft.com/office/powerpoint/2010/main" val="3173487697"/>
+        <p14:creationId xmlns:p14="http://schemas.microsoft.com/office/powerpoint/2010/main" val="2671508519"/>
       </p:ext>
     </p:extLst>
   </p:cSld>
@@ -7763,7 +11091,7 @@
           <a:bodyPr/>
           <a:lstStyle/>
           <a:p>
-            <a:endParaRPr lang="en-US" dirty="0"/>
+            <a:endParaRPr lang="en-US"/>
           </a:p>
         </p:txBody>
       </p:sp>
@@ -7777,136 +11105,31 @@
             <p:ph idx="1"/>
           </p:nvPr>
         </p:nvSpPr>
-        <p:spPr>
-          <a:xfrm>
-            <a:off x="838200" y="1825625"/>
-            <a:ext cx="10697308" cy="5166018"/>
-          </a:xfrm>
-        </p:spPr>
-        <p:txBody>
-          <a:bodyPr>
-            <a:noAutofit/>
-          </a:bodyPr>
+        <p:spPr/>
+        <p:txBody>
+          <a:bodyPr/>
           <a:lstStyle/>
           <a:p>
-            <a:r>
-              <a:rPr lang="en-IN" sz="4000" dirty="0">
+            <a:pPr algn="ctr"/>
+            <a:r>
+              <a:rPr lang="en-US" dirty="0" smtClean="0">
                 <a:solidFill>
                   <a:schemeClr val="bg1"/>
                 </a:solidFill>
               </a:rPr>
-              <a:t>Hardware requirements</a:t>
-            </a:r>
-          </a:p>
-          <a:p>
-            <a:pPr marL="0" indent="0">
-              <a:buNone/>
-            </a:pPr>
-            <a:r>
-              <a:rPr lang="en-IN" sz="4000" dirty="0">
-                <a:solidFill>
-                  <a:schemeClr val="bg1"/>
-                </a:solidFill>
-              </a:rPr>
-              <a:t>                   -  Min 4GB RAM, 8GB(recommended).</a:t>
-            </a:r>
-          </a:p>
-          <a:p>
-            <a:pPr marL="0" indent="0">
-              <a:buNone/>
-            </a:pPr>
-            <a:r>
-              <a:rPr lang="en-IN" sz="4000" dirty="0">
-                <a:solidFill>
-                  <a:schemeClr val="bg1"/>
-                </a:solidFill>
-              </a:rPr>
-              <a:t>                   -  Min Intel i5 Core Processor. </a:t>
-            </a:r>
-          </a:p>
-          <a:p>
-            <a:r>
-              <a:rPr lang="en-IN" sz="4000" dirty="0">
-                <a:solidFill>
-                  <a:schemeClr val="bg1"/>
-                </a:solidFill>
-              </a:rPr>
-              <a:t>Software requirements</a:t>
-            </a:r>
-          </a:p>
-          <a:p>
-            <a:pPr marL="0" indent="0">
-              <a:buNone/>
-            </a:pPr>
-            <a:r>
-              <a:rPr lang="en-IN" sz="4000" dirty="0">
-                <a:solidFill>
-                  <a:schemeClr val="bg1"/>
-                </a:solidFill>
-              </a:rPr>
-              <a:t>                   - Android Studio 2.2.3</a:t>
-            </a:r>
-          </a:p>
-          <a:p>
-            <a:pPr marL="0" indent="0">
-              <a:buNone/>
-            </a:pPr>
-            <a:r>
-              <a:rPr lang="en-IN" sz="4000" dirty="0">
-                <a:solidFill>
-                  <a:schemeClr val="bg1"/>
-                </a:solidFill>
-              </a:rPr>
-              <a:t>                   - Windows/Linux/ Mac </a:t>
-            </a:r>
-            <a:r>
-              <a:rPr lang="en-IN" sz="4000" dirty="0" smtClean="0">
-                <a:solidFill>
-                  <a:schemeClr val="bg1"/>
-                </a:solidFill>
-              </a:rPr>
-              <a:t>OS  </a:t>
-            </a:r>
-          </a:p>
-          <a:p>
-            <a:pPr marL="0" indent="0">
-              <a:buNone/>
-            </a:pPr>
-            <a:r>
-              <a:rPr lang="en-IN" sz="4000" dirty="0" smtClean="0">
-                <a:solidFill>
-                  <a:schemeClr val="bg1"/>
-                </a:solidFill>
-              </a:rPr>
-              <a:t>                   - Firebase Server.</a:t>
-            </a:r>
-          </a:p>
-          <a:p>
-            <a:pPr marL="0" indent="0">
-              <a:buNone/>
-            </a:pPr>
-            <a:r>
-              <a:rPr lang="en-IN" sz="4000" dirty="0" smtClean="0">
-                <a:solidFill>
-                  <a:schemeClr val="bg1"/>
-                </a:solidFill>
-              </a:rPr>
-              <a:t>                   </a:t>
-            </a:r>
-            <a:endParaRPr lang="en-IN" sz="4000" dirty="0">
+              <a:t>Gantt Chart</a:t>
+            </a:r>
+            <a:endParaRPr lang="en-US" dirty="0">
               <a:solidFill>
                 <a:schemeClr val="bg1"/>
               </a:solidFill>
             </a:endParaRPr>
           </a:p>
-          <a:p>
-            <a:endParaRPr lang="en-US" sz="4000" dirty="0"/>
-          </a:p>
-        </p:txBody>
-      </p:sp>
-      <p:sp>
-        <p:nvSpPr>
-          <p:cNvPr id="5" name="Title 1"/>
+        </p:txBody>
+      </p:sp>
+      <p:sp>
+        <p:nvSpPr>
+          <p:cNvPr id="4" name="Title 1"/>
           <p:cNvSpPr txBox="1">
             <a:spLocks/>
           </p:cNvSpPr>
@@ -7914,8 +11137,8 @@
         </p:nvSpPr>
         <p:spPr>
           <a:xfrm>
-            <a:off x="1524000" y="0"/>
-            <a:ext cx="9829800" cy="2387600"/>
+            <a:off x="1676400" y="152400"/>
+            <a:ext cx="9144000" cy="2387600"/>
           </a:xfrm>
           <a:prstGeom prst="rect">
             <a:avLst/>
@@ -7923,7 +11146,7 @@
         </p:spPr>
         <p:txBody>
           <a:bodyPr vert="horz" lIns="91440" tIns="45720" rIns="91440" bIns="45720" rtlCol="0" anchor="ctr">
-            <a:normAutofit fontScale="92500"/>
+            <a:normAutofit/>
           </a:bodyPr>
           <a:lstStyle>
             <a:lvl1pPr algn="l" defTabSz="914400" rtl="0" eaLnBrk="1" latinLnBrk="0" hangingPunct="1">
@@ -7952,7 +11175,7 @@
                   <a:schemeClr val="bg1"/>
                 </a:solidFill>
               </a:rPr>
-              <a:t>System Requirement</a:t>
+              <a:t>Solution Strategy</a:t>
             </a:r>
             <a:endParaRPr lang="en-US" sz="9600" b="1" dirty="0">
               <a:solidFill>
@@ -7965,12 +11188,12 @@
     </p:spTree>
     <p:extLst>
       <p:ext uri="{BB962C8B-B14F-4D97-AF65-F5344CB8AC3E}">
-        <p14:creationId xmlns:p14="http://schemas.microsoft.com/office/powerpoint/2010/main" val="3562516836"/>
+        <p14:creationId xmlns:p14="http://schemas.microsoft.com/office/powerpoint/2010/main" val="1796999153"/>
       </p:ext>
     </p:extLst>
   </p:cSld>
   <p:clrMapOvr>
-    <a:masterClrMapping/>
+    <a:overrideClrMapping bg1="lt1" tx1="dk1" bg2="lt2" tx2="dk2" accent1="accent1" accent2="accent2" accent3="accent3" accent4="accent4" accent5="accent5" accent6="accent6" hlink="hlink" folHlink="folHlink"/>
   </p:clrMapOvr>
   <p:timing>
     <p:tnLst>
@@ -8009,12 +11232,12 @@
       </p:grpSpPr>
       <p:sp>
         <p:nvSpPr>
-          <p:cNvPr id="3" name="Content Placeholder 2"/>
+          <p:cNvPr id="2" name="Title 1"/>
           <p:cNvSpPr>
             <a:spLocks noGrp="1"/>
           </p:cNvSpPr>
           <p:nvPr>
-            <p:ph idx="1"/>
+            <p:ph type="title"/>
           </p:nvPr>
         </p:nvSpPr>
         <p:spPr/>
@@ -8022,98 +11245,7 @@
           <a:bodyPr/>
           <a:lstStyle/>
           <a:p>
-            <a:pPr marL="0" indent="0">
-              <a:buNone/>
-            </a:pPr>
-            <a:endParaRPr lang="en-US" sz="4000" dirty="0" smtClean="0">
-              <a:solidFill>
-                <a:schemeClr val="bg1"/>
-              </a:solidFill>
-            </a:endParaRPr>
-          </a:p>
-          <a:p>
-            <a:r>
-              <a:rPr lang="en-US" sz="4000" dirty="0" smtClean="0">
-                <a:solidFill>
-                  <a:schemeClr val="bg1"/>
-                </a:solidFill>
-              </a:rPr>
-              <a:t>Android Studio, Java, XML, </a:t>
-            </a:r>
-            <a:r>
-              <a:rPr lang="en-US" sz="4000" dirty="0" err="1" smtClean="0">
-                <a:solidFill>
-                  <a:schemeClr val="bg1"/>
-                </a:solidFill>
-              </a:rPr>
-              <a:t>Kotlin</a:t>
-            </a:r>
-            <a:r>
-              <a:rPr lang="en-US" sz="4000" dirty="0" smtClean="0">
-                <a:solidFill>
-                  <a:schemeClr val="bg1"/>
-                </a:solidFill>
-              </a:rPr>
-              <a:t>, PHP.</a:t>
-            </a:r>
-          </a:p>
-          <a:p>
-            <a:r>
-              <a:rPr lang="en-US" sz="4000" dirty="0">
-                <a:solidFill>
-                  <a:schemeClr val="bg1"/>
-                </a:solidFill>
-              </a:rPr>
-              <a:t>Use of Firebase </a:t>
-            </a:r>
-            <a:r>
-              <a:rPr lang="en-US" sz="4000" dirty="0" smtClean="0">
-                <a:solidFill>
-                  <a:schemeClr val="bg1"/>
-                </a:solidFill>
-              </a:rPr>
-              <a:t>Server</a:t>
-            </a:r>
-          </a:p>
-          <a:p>
-            <a:r>
-              <a:rPr lang="en-US" sz="4000" dirty="0" smtClean="0">
-                <a:solidFill>
-                  <a:schemeClr val="bg1"/>
-                </a:solidFill>
-              </a:rPr>
-              <a:t>Implementing Payment Gateway</a:t>
-            </a:r>
-            <a:endParaRPr lang="en-US" sz="4000" dirty="0">
-              <a:solidFill>
-                <a:schemeClr val="bg1"/>
-              </a:solidFill>
-            </a:endParaRPr>
-          </a:p>
-          <a:p>
-            <a:r>
-              <a:rPr lang="en-US" sz="4000" dirty="0" smtClean="0">
-                <a:solidFill>
-                  <a:schemeClr val="bg1"/>
-                </a:solidFill>
-              </a:rPr>
-              <a:t>Appropriate </a:t>
-            </a:r>
-            <a:r>
-              <a:rPr lang="en-US" sz="4000" dirty="0">
-                <a:solidFill>
-                  <a:schemeClr val="bg1"/>
-                </a:solidFill>
-              </a:rPr>
-              <a:t>Software Model.</a:t>
-            </a:r>
-          </a:p>
-          <a:p>
-            <a:endParaRPr lang="en-US" dirty="0">
-              <a:solidFill>
-                <a:schemeClr val="bg1"/>
-              </a:solidFill>
-            </a:endParaRPr>
+            <a:endParaRPr lang="en-US"/>
           </a:p>
         </p:txBody>
       </p:sp>
@@ -8127,7 +11259,7 @@
         </p:nvSpPr>
         <p:spPr>
           <a:xfrm>
-            <a:off x="1524000" y="0"/>
+            <a:off x="1676400" y="-53664"/>
             <a:ext cx="9144000" cy="2387600"/>
           </a:xfrm>
           <a:prstGeom prst="rect">
@@ -8159,70 +11291,340 @@
           </a:lstStyle>
           <a:p>
             <a:pPr algn="ctr"/>
+            <a:r>
+              <a:rPr lang="en-US" sz="9600" b="1" dirty="0" smtClean="0">
+                <a:solidFill>
+                  <a:schemeClr val="bg1"/>
+                </a:solidFill>
+              </a:rPr>
+              <a:t>Solution Strategy</a:t>
+            </a:r>
             <a:endParaRPr lang="en-US" sz="9600" b="1" dirty="0">
               <a:solidFill>
-                <a:schemeClr val="bg2">
-                  <a:lumMod val="50000"/>
-                </a:schemeClr>
+                <a:schemeClr val="bg1"/>
               </a:solidFill>
             </a:endParaRPr>
           </a:p>
         </p:txBody>
       </p:sp>
-      <p:sp>
-        <p:nvSpPr>
-          <p:cNvPr id="5" name="Title 1"/>
-          <p:cNvSpPr txBox="1">
-            <a:spLocks/>
-          </p:cNvSpPr>
+      <p:pic>
+        <p:nvPicPr>
+          <p:cNvPr id="5" name="Picture 4"/>
+          <p:cNvPicPr>
+            <a:picLocks noChangeAspect="1"/>
+          </p:cNvPicPr>
           <p:nvPr/>
-        </p:nvSpPr>
+        </p:nvPicPr>
+        <p:blipFill>
+          <a:blip r:embed="rId3" cstate="print">
+            <a:extLst>
+              <a:ext uri="{28A0092B-C50C-407E-A947-70E740481C1C}">
+                <a14:useLocalDpi xmlns:a14="http://schemas.microsoft.com/office/drawing/2010/main" val="0"/>
+              </a:ext>
+            </a:extLst>
+          </a:blip>
+          <a:stretch>
+            <a:fillRect/>
+          </a:stretch>
+        </p:blipFill>
         <p:spPr>
           <a:xfrm>
-            <a:off x="1676400" y="152400"/>
-            <a:ext cx="9144000" cy="2387600"/>
+            <a:off x="4948649" y="2094356"/>
+            <a:ext cx="2194899" cy="4389797"/>
           </a:xfrm>
           <a:prstGeom prst="rect">
             <a:avLst/>
           </a:prstGeom>
         </p:spPr>
-        <p:txBody>
-          <a:bodyPr vert="horz" lIns="91440" tIns="45720" rIns="91440" bIns="45720" rtlCol="0" anchor="ctr">
-            <a:normAutofit/>
+      </p:pic>
+      <p:pic>
+        <p:nvPicPr>
+          <p:cNvPr id="2052" name="Picture 4" descr="Image result for firebase"/>
+          <p:cNvPicPr>
+            <a:picLocks noChangeAspect="1" noChangeArrowheads="1"/>
+          </p:cNvPicPr>
+          <p:nvPr/>
+        </p:nvPicPr>
+        <p:blipFill>
+          <a:blip r:embed="rId4">
+            <a:extLst>
+              <a:ext uri="{28A0092B-C50C-407E-A947-70E740481C1C}">
+                <a14:useLocalDpi xmlns:a14="http://schemas.microsoft.com/office/drawing/2010/main" val="0"/>
+              </a:ext>
+            </a:extLst>
+          </a:blip>
+          <a:srcRect/>
+          <a:stretch>
+            <a:fillRect/>
+          </a:stretch>
+        </p:blipFill>
+        <p:spPr bwMode="auto">
+          <a:xfrm>
+            <a:off x="1394516" y="3007689"/>
+            <a:ext cx="2036653" cy="2036653"/>
+          </a:xfrm>
+          <a:prstGeom prst="rect">
+            <a:avLst/>
+          </a:prstGeom>
+          <a:noFill/>
+          <a:extLst>
+            <a:ext uri="{909E8E84-426E-40DD-AFC4-6F175D3DCCD1}">
+              <a14:hiddenFill xmlns:a14="http://schemas.microsoft.com/office/drawing/2010/main">
+                <a:solidFill>
+                  <a:srgbClr val="FFFFFF"/>
+                </a:solidFill>
+              </a14:hiddenFill>
+            </a:ext>
+          </a:extLst>
+        </p:spPr>
+      </p:pic>
+      <p:cxnSp>
+        <p:nvCxnSpPr>
+          <p:cNvPr id="11" name="Straight Arrow Connector 10"/>
+          <p:cNvCxnSpPr/>
+          <p:nvPr/>
+        </p:nvCxnSpPr>
+        <p:spPr>
+          <a:xfrm>
+            <a:off x="3215165" y="4100900"/>
+            <a:ext cx="1632291" cy="16099"/>
+          </a:xfrm>
+          <a:prstGeom prst="straightConnector1">
+            <a:avLst/>
+          </a:prstGeom>
+          <a:ln>
+            <a:tailEnd type="triangle"/>
+          </a:ln>
+        </p:spPr>
+        <p:style>
+          <a:lnRef idx="1">
+            <a:schemeClr val="accent3"/>
+          </a:lnRef>
+          <a:fillRef idx="0">
+            <a:schemeClr val="accent3"/>
+          </a:fillRef>
+          <a:effectRef idx="0">
+            <a:schemeClr val="accent3"/>
+          </a:effectRef>
+          <a:fontRef idx="minor">
+            <a:schemeClr val="tx1"/>
+          </a:fontRef>
+        </p:style>
+      </p:cxnSp>
+      <p:cxnSp>
+        <p:nvCxnSpPr>
+          <p:cNvPr id="16" name="Straight Arrow Connector 15"/>
+          <p:cNvCxnSpPr/>
+          <p:nvPr/>
+        </p:nvCxnSpPr>
+        <p:spPr>
+          <a:xfrm>
+            <a:off x="7193449" y="4116999"/>
+            <a:ext cx="1403967" cy="0"/>
+          </a:xfrm>
+          <a:prstGeom prst="straightConnector1">
+            <a:avLst/>
+          </a:prstGeom>
+          <a:ln>
+            <a:tailEnd type="triangle"/>
+          </a:ln>
+        </p:spPr>
+        <p:style>
+          <a:lnRef idx="1">
+            <a:schemeClr val="accent3"/>
+          </a:lnRef>
+          <a:fillRef idx="0">
+            <a:schemeClr val="accent3"/>
+          </a:fillRef>
+          <a:effectRef idx="0">
+            <a:schemeClr val="accent3"/>
+          </a:effectRef>
+          <a:fontRef idx="minor">
+            <a:schemeClr val="tx1"/>
+          </a:fontRef>
+        </p:style>
+      </p:cxnSp>
+      <p:sp>
+        <p:nvSpPr>
+          <p:cNvPr id="3" name="Rectangle 2"/>
+          <p:cNvSpPr/>
+          <p:nvPr/>
+        </p:nvSpPr>
+        <p:spPr>
+          <a:xfrm>
+            <a:off x="8748193" y="3567575"/>
+            <a:ext cx="2687391" cy="1098847"/>
+          </a:xfrm>
+          <a:prstGeom prst="rect">
+            <a:avLst/>
+          </a:prstGeom>
+          <a:solidFill>
+            <a:schemeClr val="tx1"/>
+          </a:solidFill>
+          <a:ln>
+            <a:noFill/>
+          </a:ln>
+        </p:spPr>
+        <p:style>
+          <a:lnRef idx="2">
+            <a:schemeClr val="accent1">
+              <a:shade val="50000"/>
+            </a:schemeClr>
+          </a:lnRef>
+          <a:fillRef idx="1">
+            <a:schemeClr val="accent1"/>
+          </a:fillRef>
+          <a:effectRef idx="0">
+            <a:schemeClr val="accent1"/>
+          </a:effectRef>
+          <a:fontRef idx="minor">
+            <a:schemeClr val="lt1"/>
+          </a:fontRef>
+        </p:style>
+        <p:txBody>
+          <a:bodyPr rtlCol="0" anchor="ctr"/>
+          <a:lstStyle/>
+          <a:p>
+            <a:r>
+              <a:rPr lang="en-US" sz="4400" b="1" dirty="0" smtClean="0"/>
+              <a:t>Payment Gateway</a:t>
+            </a:r>
+            <a:endParaRPr lang="en-US" sz="4400" b="1" dirty="0"/>
+          </a:p>
+        </p:txBody>
+      </p:sp>
+      <p:sp>
+        <p:nvSpPr>
+          <p:cNvPr id="8" name="Rectangle 7"/>
+          <p:cNvSpPr/>
+          <p:nvPr/>
+        </p:nvSpPr>
+        <p:spPr>
+          <a:xfrm>
+            <a:off x="5108608" y="2636188"/>
+            <a:ext cx="1874980" cy="3306131"/>
+          </a:xfrm>
+          <a:prstGeom prst="rect">
+            <a:avLst/>
+          </a:prstGeom>
+          <a:blipFill dpi="0" rotWithShape="1">
+            <a:blip r:embed="rId5" cstate="print">
+              <a:extLst>
+                <a:ext uri="{28A0092B-C50C-407E-A947-70E740481C1C}">
+                  <a14:useLocalDpi xmlns:a14="http://schemas.microsoft.com/office/drawing/2010/main" val="0"/>
+                </a:ext>
+              </a:extLst>
+            </a:blip>
+            <a:srcRect/>
+            <a:stretch>
+              <a:fillRect/>
+            </a:stretch>
+          </a:blipFill>
+          <a:ln/>
+        </p:spPr>
+        <p:style>
+          <a:lnRef idx="2">
+            <a:schemeClr val="accent1"/>
+          </a:lnRef>
+          <a:fillRef idx="1">
+            <a:schemeClr val="lt1"/>
+          </a:fillRef>
+          <a:effectRef idx="0">
+            <a:schemeClr val="accent1"/>
+          </a:effectRef>
+          <a:fontRef idx="minor">
+            <a:schemeClr val="dk1"/>
+          </a:fontRef>
+        </p:style>
+        <p:txBody>
+          <a:bodyPr rtlCol="0" anchor="ctr"/>
+          <a:lstStyle/>
+          <a:p>
+            <a:pPr algn="ctr"/>
+            <a:endParaRPr lang="en-US"/>
+          </a:p>
+        </p:txBody>
+      </p:sp>
+      <p:pic>
+        <p:nvPicPr>
+          <p:cNvPr id="7" name="Picture 4" descr="Image result for android png"/>
+          <p:cNvPicPr>
+            <a:picLocks noChangeAspect="1" noChangeArrowheads="1"/>
+          </p:cNvPicPr>
+          <p:nvPr/>
+        </p:nvPicPr>
+        <p:blipFill>
+          <a:blip r:embed="rId6" cstate="print">
+            <a:extLst>
+              <a:ext uri="{28A0092B-C50C-407E-A947-70E740481C1C}">
+                <a14:useLocalDpi xmlns:a14="http://schemas.microsoft.com/office/drawing/2010/main" val="0"/>
+              </a:ext>
+            </a:extLst>
+          </a:blip>
+          <a:srcRect/>
+          <a:stretch>
+            <a:fillRect/>
+          </a:stretch>
+        </p:blipFill>
+        <p:spPr bwMode="auto">
+          <a:xfrm>
+            <a:off x="5520715" y="4204190"/>
+            <a:ext cx="1000305" cy="1000305"/>
+          </a:xfrm>
+          <a:prstGeom prst="rect">
+            <a:avLst/>
+          </a:prstGeom>
+          <a:noFill/>
+          <a:extLst>
+            <a:ext uri="{909E8E84-426E-40DD-AFC4-6F175D3DCCD1}">
+              <a14:hiddenFill xmlns:a14="http://schemas.microsoft.com/office/drawing/2010/main">
+                <a:solidFill>
+                  <a:srgbClr val="FFFFFF"/>
+                </a:solidFill>
+              </a14:hiddenFill>
+            </a:ext>
+          </a:extLst>
+        </p:spPr>
+      </p:pic>
+      <p:sp>
+        <p:nvSpPr>
+          <p:cNvPr id="6" name="Title 1"/>
+          <p:cNvSpPr>
+            <a:spLocks noGrp="1"/>
+          </p:cNvSpPr>
+          <p:nvPr>
+            <p:ph idx="1"/>
+          </p:nvPr>
+        </p:nvSpPr>
+        <p:spPr>
+          <a:xfrm>
+            <a:off x="5033440" y="2932279"/>
+            <a:ext cx="2025316" cy="830179"/>
+          </a:xfrm>
+        </p:spPr>
+        <p:txBody>
+          <a:bodyPr>
+            <a:normAutofit fontScale="85000" lnSpcReduction="10000"/>
           </a:bodyPr>
-          <a:lstStyle>
-            <a:lvl1pPr algn="l" defTabSz="914400" rtl="0" eaLnBrk="1" latinLnBrk="0" hangingPunct="1">
-              <a:lnSpc>
-                <a:spcPct val="90000"/>
-              </a:lnSpc>
-              <a:spcBef>
-                <a:spcPct val="0"/>
-              </a:spcBef>
+          <a:lstStyle/>
+          <a:p>
+            <a:pPr marL="0" indent="0">
               <a:buNone/>
-              <a:defRPr sz="4400" kern="1200">
-                <a:solidFill>
-                  <a:schemeClr val="tx1"/>
-                </a:solidFill>
-                <a:latin typeface="+mj-lt"/>
-                <a:ea typeface="+mj-ea"/>
-                <a:cs typeface="+mj-cs"/>
-              </a:defRPr>
-            </a:lvl1pPr>
-          </a:lstStyle>
-          <a:p>
-            <a:pPr algn="ctr"/>
-            <a:r>
-              <a:rPr lang="en-US" sz="9600" b="1" dirty="0" smtClean="0">
+            </a:pPr>
+            <a:r>
+              <a:rPr lang="en-US" sz="4000" b="1" dirty="0" smtClean="0">
                 <a:solidFill>
                   <a:schemeClr val="bg1"/>
                 </a:solidFill>
+                <a:latin typeface="Vivaldi" panose="03020602050506090804" pitchFamily="66" charset="0"/>
               </a:rPr>
-              <a:t>Solution Strategy</a:t>
-            </a:r>
-            <a:endParaRPr lang="en-US" sz="9600" b="1" dirty="0">
+              <a:t>Homestays</a:t>
+            </a:r>
+            <a:endParaRPr lang="en-US" sz="4000" b="1" dirty="0">
               <a:solidFill>
                 <a:schemeClr val="bg1"/>
               </a:solidFill>
+              <a:latin typeface="Vivaldi" panose="03020602050506090804" pitchFamily="66" charset="0"/>
             </a:endParaRPr>
           </a:p>
         </p:txBody>
@@ -8230,12 +11632,12 @@
     </p:spTree>
     <p:extLst>
       <p:ext uri="{BB962C8B-B14F-4D97-AF65-F5344CB8AC3E}">
-        <p14:creationId xmlns:p14="http://schemas.microsoft.com/office/powerpoint/2010/main" val="2671508519"/>
+        <p14:creationId xmlns:p14="http://schemas.microsoft.com/office/powerpoint/2010/main" val="744753134"/>
       </p:ext>
     </p:extLst>
   </p:cSld>
   <p:clrMapOvr>
-    <a:masterClrMapping/>
+    <a:overrideClrMapping bg1="lt1" tx1="dk1" bg2="lt2" tx2="dk2" accent1="accent1" accent2="accent2" accent3="accent3" accent4="accent4" accent5="accent5" accent6="accent6" hlink="hlink" folHlink="folHlink"/>
   </p:clrMapOvr>
   <p:timing>
     <p:tnLst>
@@ -8291,29 +11693,32 @@
           </a:p>
         </p:txBody>
       </p:sp>
-      <p:sp>
-        <p:nvSpPr>
-          <p:cNvPr id="3" name="Content Placeholder 2"/>
-          <p:cNvSpPr>
-            <a:spLocks noGrp="1"/>
-          </p:cNvSpPr>
+      <p:pic>
+        <p:nvPicPr>
+          <p:cNvPr id="8" name="Content Placeholder 7"/>
+          <p:cNvPicPr>
+            <a:picLocks noGrp="1" noChangeAspect="1"/>
+          </p:cNvPicPr>
           <p:nvPr>
             <p:ph idx="1"/>
           </p:nvPr>
-        </p:nvSpPr>
+        </p:nvPicPr>
+        <p:blipFill>
+          <a:blip r:embed="rId3"/>
+          <a:stretch>
+            <a:fillRect/>
+          </a:stretch>
+        </p:blipFill>
         <p:spPr>
-          <a:solidFill>
-            <a:schemeClr val="tx1"/>
-          </a:solidFill>
+          <a:xfrm>
+            <a:off x="722290" y="3324617"/>
+            <a:ext cx="10515600" cy="3231397"/>
+          </a:xfrm>
+          <a:prstGeom prst="rect">
+            <a:avLst/>
+          </a:prstGeom>
         </p:spPr>
-        <p:txBody>
-          <a:bodyPr/>
-          <a:lstStyle/>
-          <a:p>
-            <a:endParaRPr lang="en-US" dirty="0"/>
-          </a:p>
-        </p:txBody>
-      </p:sp>
+      </p:pic>
       <p:sp>
         <p:nvSpPr>
           <p:cNvPr id="4" name="Title 1"/>
@@ -8374,36 +11779,6 @@
           </a:p>
         </p:txBody>
       </p:sp>
-      <p:pic>
-        <p:nvPicPr>
-          <p:cNvPr id="5" name="Content Placeholder 3"/>
-          <p:cNvPicPr>
-            <a:picLocks noChangeAspect="1"/>
-          </p:cNvPicPr>
-          <p:nvPr/>
-        </p:nvPicPr>
-        <p:blipFill>
-          <a:blip r:embed="rId3">
-            <a:extLst>
-              <a:ext uri="{28A0092B-C50C-407E-A947-70E740481C1C}">
-                <a14:useLocalDpi xmlns:a14="http://schemas.microsoft.com/office/drawing/2010/main" val="0"/>
-              </a:ext>
-            </a:extLst>
-          </a:blip>
-          <a:stretch>
-            <a:fillRect/>
-          </a:stretch>
-        </p:blipFill>
-        <p:spPr>
-          <a:xfrm>
-            <a:off x="-1" y="1184858"/>
-            <a:ext cx="12192001" cy="5344732"/>
-          </a:xfrm>
-          <a:prstGeom prst="rect">
-            <a:avLst/>
-          </a:prstGeom>
-        </p:spPr>
-      </p:pic>
       <p:sp>
         <p:nvSpPr>
           <p:cNvPr id="6" name="TextBox 5"/>
@@ -8412,7 +11787,7 @@
         </p:nvSpPr>
         <p:spPr>
           <a:xfrm>
-            <a:off x="3915178" y="6488668"/>
+            <a:off x="4370231" y="6495107"/>
             <a:ext cx="3451538" cy="369332"/>
           </a:xfrm>
           <a:prstGeom prst="rect">
@@ -8434,7 +11809,7 @@
                 <a:latin typeface="Times New Roman" panose="02020603050405020304" pitchFamily="18" charset="0"/>
                 <a:cs typeface="Times New Roman" panose="02020603050405020304" pitchFamily="18" charset="0"/>
               </a:rPr>
-              <a:t>Figure 1: Android Architecture [6]</a:t>
+              <a:t>Figure 1: Android Architecture </a:t>
             </a:r>
             <a:endParaRPr lang="en-IN" dirty="0">
               <a:solidFill>
@@ -8446,6 +11821,30 @@
           </a:p>
         </p:txBody>
       </p:sp>
+      <p:pic>
+        <p:nvPicPr>
+          <p:cNvPr id="7" name="Picture 6"/>
+          <p:cNvPicPr>
+            <a:picLocks noChangeAspect="1"/>
+          </p:cNvPicPr>
+          <p:nvPr/>
+        </p:nvPicPr>
+        <p:blipFill>
+          <a:blip r:embed="rId4"/>
+          <a:stretch>
+            <a:fillRect/>
+          </a:stretch>
+        </p:blipFill>
+        <p:spPr>
+          <a:xfrm>
+            <a:off x="722290" y="1283707"/>
+            <a:ext cx="10515600" cy="2108256"/>
+          </a:xfrm>
+          <a:prstGeom prst="rect">
+            <a:avLst/>
+          </a:prstGeom>
+        </p:spPr>
+      </p:pic>
     </p:spTree>
     <p:extLst>
       <p:ext uri="{BB962C8B-B14F-4D97-AF65-F5344CB8AC3E}">
@@ -8854,4 +12253,219 @@
     </a:folHlink>
   </a:clrScheme>
 </a:themeOverride>
+</file>
+
+<file path=ppt/theme/themeOverride4.xml><?xml version="1.0" encoding="utf-8"?>
+<a:themeOverride xmlns:a="http://schemas.openxmlformats.org/drawingml/2006/main">
+  <a:clrScheme name="Office">
+    <a:dk1>
+      <a:sysClr val="windowText" lastClr="000000"/>
+    </a:dk1>
+    <a:lt1>
+      <a:sysClr val="window" lastClr="FFFFFF"/>
+    </a:lt1>
+    <a:dk2>
+      <a:srgbClr val="44546A"/>
+    </a:dk2>
+    <a:lt2>
+      <a:srgbClr val="E7E6E6"/>
+    </a:lt2>
+    <a:accent1>
+      <a:srgbClr val="5B9BD5"/>
+    </a:accent1>
+    <a:accent2>
+      <a:srgbClr val="ED7D31"/>
+    </a:accent2>
+    <a:accent3>
+      <a:srgbClr val="A5A5A5"/>
+    </a:accent3>
+    <a:accent4>
+      <a:srgbClr val="FFC000"/>
+    </a:accent4>
+    <a:accent5>
+      <a:srgbClr val="4472C4"/>
+    </a:accent5>
+    <a:accent6>
+      <a:srgbClr val="70AD47"/>
+    </a:accent6>
+    <a:hlink>
+      <a:srgbClr val="0563C1"/>
+    </a:hlink>
+    <a:folHlink>
+      <a:srgbClr val="954F72"/>
+    </a:folHlink>
+  </a:clrScheme>
+</a:themeOverride>
+</file>
+
+<file path=ppt/theme/themeOverride5.xml><?xml version="1.0" encoding="utf-8"?>
+<a:themeOverride xmlns:a="http://schemas.openxmlformats.org/drawingml/2006/main">
+  <a:clrScheme name="Office">
+    <a:dk1>
+      <a:sysClr val="windowText" lastClr="000000"/>
+    </a:dk1>
+    <a:lt1>
+      <a:sysClr val="window" lastClr="FFFFFF"/>
+    </a:lt1>
+    <a:dk2>
+      <a:srgbClr val="44546A"/>
+    </a:dk2>
+    <a:lt2>
+      <a:srgbClr val="E7E6E6"/>
+    </a:lt2>
+    <a:accent1>
+      <a:srgbClr val="5B9BD5"/>
+    </a:accent1>
+    <a:accent2>
+      <a:srgbClr val="ED7D31"/>
+    </a:accent2>
+    <a:accent3>
+      <a:srgbClr val="A5A5A5"/>
+    </a:accent3>
+    <a:accent4>
+      <a:srgbClr val="FFC000"/>
+    </a:accent4>
+    <a:accent5>
+      <a:srgbClr val="4472C4"/>
+    </a:accent5>
+    <a:accent6>
+      <a:srgbClr val="70AD47"/>
+    </a:accent6>
+    <a:hlink>
+      <a:srgbClr val="0563C1"/>
+    </a:hlink>
+    <a:folHlink>
+      <a:srgbClr val="954F72"/>
+    </a:folHlink>
+  </a:clrScheme>
+</a:themeOverride>
+</file>
+
+<file path=ppt/theme/themeOverride6.xml><?xml version="1.0" encoding="utf-8"?>
+<a:themeOverride xmlns:a="http://schemas.openxmlformats.org/drawingml/2006/main">
+  <a:clrScheme name="Office">
+    <a:dk1>
+      <a:sysClr val="windowText" lastClr="000000"/>
+    </a:dk1>
+    <a:lt1>
+      <a:sysClr val="window" lastClr="FFFFFF"/>
+    </a:lt1>
+    <a:dk2>
+      <a:srgbClr val="44546A"/>
+    </a:dk2>
+    <a:lt2>
+      <a:srgbClr val="E7E6E6"/>
+    </a:lt2>
+    <a:accent1>
+      <a:srgbClr val="5B9BD5"/>
+    </a:accent1>
+    <a:accent2>
+      <a:srgbClr val="ED7D31"/>
+    </a:accent2>
+    <a:accent3>
+      <a:srgbClr val="A5A5A5"/>
+    </a:accent3>
+    <a:accent4>
+      <a:srgbClr val="FFC000"/>
+    </a:accent4>
+    <a:accent5>
+      <a:srgbClr val="4472C4"/>
+    </a:accent5>
+    <a:accent6>
+      <a:srgbClr val="70AD47"/>
+    </a:accent6>
+    <a:hlink>
+      <a:srgbClr val="0563C1"/>
+    </a:hlink>
+    <a:folHlink>
+      <a:srgbClr val="954F72"/>
+    </a:folHlink>
+  </a:clrScheme>
+</a:themeOverride>
+</file>
+
+<file path=ppt/theme/themeOverride7.xml><?xml version="1.0" encoding="utf-8"?>
+<a:themeOverride xmlns:a="http://schemas.openxmlformats.org/drawingml/2006/main">
+  <a:clrScheme name="Office">
+    <a:dk1>
+      <a:sysClr val="windowText" lastClr="000000"/>
+    </a:dk1>
+    <a:lt1>
+      <a:sysClr val="window" lastClr="FFFFFF"/>
+    </a:lt1>
+    <a:dk2>
+      <a:srgbClr val="44546A"/>
+    </a:dk2>
+    <a:lt2>
+      <a:srgbClr val="E7E6E6"/>
+    </a:lt2>
+    <a:accent1>
+      <a:srgbClr val="5B9BD5"/>
+    </a:accent1>
+    <a:accent2>
+      <a:srgbClr val="ED7D31"/>
+    </a:accent2>
+    <a:accent3>
+      <a:srgbClr val="A5A5A5"/>
+    </a:accent3>
+    <a:accent4>
+      <a:srgbClr val="FFC000"/>
+    </a:accent4>
+    <a:accent5>
+      <a:srgbClr val="4472C4"/>
+    </a:accent5>
+    <a:accent6>
+      <a:srgbClr val="70AD47"/>
+    </a:accent6>
+    <a:hlink>
+      <a:srgbClr val="0563C1"/>
+    </a:hlink>
+    <a:folHlink>
+      <a:srgbClr val="954F72"/>
+    </a:folHlink>
+  </a:clrScheme>
+</a:themeOverride>
+</file>
+
+<file path=ppt/theme/themeOverride8.xml><?xml version="1.0" encoding="utf-8"?>
+<a:themeOverride xmlns:a="http://schemas.openxmlformats.org/drawingml/2006/main">
+  <a:clrScheme name="Office">
+    <a:dk1>
+      <a:sysClr val="windowText" lastClr="000000"/>
+    </a:dk1>
+    <a:lt1>
+      <a:sysClr val="window" lastClr="FFFFFF"/>
+    </a:lt1>
+    <a:dk2>
+      <a:srgbClr val="44546A"/>
+    </a:dk2>
+    <a:lt2>
+      <a:srgbClr val="E7E6E6"/>
+    </a:lt2>
+    <a:accent1>
+      <a:srgbClr val="5B9BD5"/>
+    </a:accent1>
+    <a:accent2>
+      <a:srgbClr val="ED7D31"/>
+    </a:accent2>
+    <a:accent3>
+      <a:srgbClr val="A5A5A5"/>
+    </a:accent3>
+    <a:accent4>
+      <a:srgbClr val="FFC000"/>
+    </a:accent4>
+    <a:accent5>
+      <a:srgbClr val="4472C4"/>
+    </a:accent5>
+    <a:accent6>
+      <a:srgbClr val="70AD47"/>
+    </a:accent6>
+    <a:hlink>
+      <a:srgbClr val="0563C1"/>
+    </a:hlink>
+    <a:folHlink>
+      <a:srgbClr val="954F72"/>
+    </a:folHlink>
+  </a:clrScheme>
+</a:themeOverride>
 </file>